--- a/STATISTICS.pptx
+++ b/STATISTICS.pptx
@@ -6,30 +6,41 @@
     <p:sldMasterId id="2147483668" r:id="rId2"/>
   </p:sldMasterIdLst>
   <p:notesMasterIdLst>
-    <p:notesMasterId r:id="rId21"/>
+    <p:notesMasterId r:id="rId32"/>
   </p:notesMasterIdLst>
   <p:handoutMasterIdLst>
-    <p:handoutMasterId r:id="rId22"/>
+    <p:handoutMasterId r:id="rId33"/>
   </p:handoutMasterIdLst>
   <p:sldIdLst>
     <p:sldId id="256" r:id="rId3"/>
     <p:sldId id="257" r:id="rId4"/>
     <p:sldId id="258" r:id="rId5"/>
     <p:sldId id="259" r:id="rId6"/>
-    <p:sldId id="260" r:id="rId7"/>
-    <p:sldId id="261" r:id="rId8"/>
-    <p:sldId id="262" r:id="rId9"/>
-    <p:sldId id="263" r:id="rId10"/>
-    <p:sldId id="264" r:id="rId11"/>
-    <p:sldId id="265" r:id="rId12"/>
-    <p:sldId id="266" r:id="rId13"/>
-    <p:sldId id="267" r:id="rId14"/>
-    <p:sldId id="268" r:id="rId15"/>
-    <p:sldId id="269" r:id="rId16"/>
-    <p:sldId id="270" r:id="rId17"/>
-    <p:sldId id="271" r:id="rId18"/>
-    <p:sldId id="272" r:id="rId19"/>
-    <p:sldId id="273" r:id="rId20"/>
+    <p:sldId id="274" r:id="rId7"/>
+    <p:sldId id="260" r:id="rId8"/>
+    <p:sldId id="261" r:id="rId9"/>
+    <p:sldId id="275" r:id="rId10"/>
+    <p:sldId id="262" r:id="rId11"/>
+    <p:sldId id="282" r:id="rId12"/>
+    <p:sldId id="263" r:id="rId13"/>
+    <p:sldId id="264" r:id="rId14"/>
+    <p:sldId id="276" r:id="rId15"/>
+    <p:sldId id="266" r:id="rId16"/>
+    <p:sldId id="283" r:id="rId17"/>
+    <p:sldId id="265" r:id="rId18"/>
+    <p:sldId id="284" r:id="rId19"/>
+    <p:sldId id="267" r:id="rId20"/>
+    <p:sldId id="268" r:id="rId21"/>
+    <p:sldId id="277" r:id="rId22"/>
+    <p:sldId id="278" r:id="rId23"/>
+    <p:sldId id="279" r:id="rId24"/>
+    <p:sldId id="280" r:id="rId25"/>
+    <p:sldId id="269" r:id="rId26"/>
+    <p:sldId id="281" r:id="rId27"/>
+    <p:sldId id="270" r:id="rId28"/>
+    <p:sldId id="271" r:id="rId29"/>
+    <p:sldId id="272" r:id="rId30"/>
+    <p:sldId id="273" r:id="rId31"/>
   </p:sldIdLst>
   <p:sldSz cx="12192000" cy="6858000"/>
   <p:notesSz cx="6858000" cy="9144000"/>
@@ -130,7 +141,18 @@
   </p:defaultTextStyle>
   <p:extLst>
     <p:ext uri="{EFAFB233-063F-42B5-8137-9DF3F51BA10A}">
-      <p15:sldGuideLst xmlns:p15="http://schemas.microsoft.com/office/powerpoint/2012/main"/>
+      <p15:sldGuideLst xmlns:p15="http://schemas.microsoft.com/office/powerpoint/2012/main">
+        <p15:guide id="1" orient="horz" pos="2160">
+          <p15:clr>
+            <a:srgbClr val="A4A3A4"/>
+          </p15:clr>
+        </p15:guide>
+        <p15:guide id="2" pos="3840">
+          <p15:clr>
+            <a:srgbClr val="A4A3A4"/>
+          </p15:clr>
+        </p15:guide>
+      </p15:sldGuideLst>
     </p:ext>
   </p:extLst>
 </p:presentation>
@@ -230,7 +252,7 @@
           <a:p>
             <a:fld id="{7980DC42-5CF9-4835-83BA-B628FD3D8FB4}" type="datetimeFigureOut">
               <a:rPr lang="en-IN" smtClean="0"/>
-              <a:t>29-11-2018</a:t>
+              <a:t>22-03-2019</a:t>
             </a:fld>
             <a:endParaRPr lang="en-IN"/>
           </a:p>
@@ -408,7 +430,7 @@
           <a:p>
             <a:fld id="{927FD58A-0E3E-4013-8E35-FD4BA3D58318}" type="datetimeFigureOut">
               <a:rPr lang="en-IN" smtClean="0"/>
-              <a:t>29-11-2018</a:t>
+              <a:t>21-03-2019</a:t>
             </a:fld>
             <a:endParaRPr lang="en-IN"/>
           </a:p>
@@ -1399,7 +1421,7 @@
           <a:p>
             <a:fld id="{38ABE4F4-B206-4A23-8DEA-CB3D67D9CF4B}" type="datetime1">
               <a:rPr lang="en-US" smtClean="0"/>
-              <a:t>11/29/2018</a:t>
+              <a:t>3/21/2019</a:t>
             </a:fld>
             <a:endParaRPr lang="en-US" dirty="0"/>
           </a:p>
@@ -1450,28 +1472,28 @@
       </p:sp>
       <p:pic>
         <p:nvPicPr>
-          <p:cNvPr id="9" name="Picture 8" descr="A close up of a logo&#10;&#10;Description generated with high confidence">
-            <a:extLst>
-              <a:ext uri="{FF2B5EF4-FFF2-40B4-BE49-F238E27FC236}">
-                <a16:creationId xmlns:a16="http://schemas.microsoft.com/office/drawing/2014/main" id="{CD045CA2-495A-48E2-ACC9-56B170EB63F3}"/>
-              </a:ext>
-            </a:extLst>
-          </p:cNvPr>
+          <p:cNvPr id="8" name="Picture 7"/>
           <p:cNvPicPr>
             <a:picLocks noChangeAspect="1"/>
           </p:cNvPicPr>
           <p:nvPr userDrawn="1"/>
         </p:nvPicPr>
         <p:blipFill>
-          <a:blip r:embed="rId2"/>
+          <a:blip r:embed="rId2">
+            <a:extLst>
+              <a:ext uri="{28A0092B-C50C-407E-A947-70E740481C1C}">
+                <a14:useLocalDpi xmlns:a14="http://schemas.microsoft.com/office/drawing/2010/main" val="0"/>
+              </a:ext>
+            </a:extLst>
+          </a:blip>
           <a:stretch>
             <a:fillRect/>
           </a:stretch>
         </p:blipFill>
         <p:spPr>
           <a:xfrm>
-            <a:off x="10905790" y="0"/>
-            <a:ext cx="1275973" cy="1080000"/>
+            <a:off x="11182984" y="0"/>
+            <a:ext cx="1005840" cy="1005840"/>
           </a:xfrm>
           <a:prstGeom prst="rect">
             <a:avLst/>
@@ -1676,7 +1698,7 @@
           <a:p>
             <a:fld id="{BF4ADDDE-2531-403B-9700-C82E06C43D65}" type="datetime1">
               <a:rPr lang="en-US" smtClean="0"/>
-              <a:t>11/29/2018</a:t>
+              <a:t>3/21/2019</a:t>
             </a:fld>
             <a:endParaRPr lang="en-US" dirty="0"/>
           </a:p>
@@ -1986,7 +2008,7 @@
           <a:p>
             <a:fld id="{E1F3228B-95CC-4990-938A-1C79AD71320E}" type="datetime1">
               <a:rPr lang="en-US" smtClean="0"/>
-              <a:t>11/29/2018</a:t>
+              <a:t>3/21/2019</a:t>
             </a:fld>
             <a:endParaRPr lang="en-US" dirty="0"/>
           </a:p>
@@ -2323,7 +2345,7 @@
           <a:p>
             <a:fld id="{5779B0CE-D1E1-4C37-8830-D22887A77020}" type="datetime1">
               <a:rPr lang="en-US" smtClean="0"/>
-              <a:t>11/29/2018</a:t>
+              <a:t>3/21/2019</a:t>
             </a:fld>
             <a:endParaRPr lang="en-US" dirty="0"/>
           </a:p>
@@ -2633,7 +2655,7 @@
           <a:p>
             <a:fld id="{5B7BAA82-23A4-4DC9-86CF-AB9460ADD55C}" type="datetime1">
               <a:rPr lang="en-US" smtClean="0"/>
-              <a:t>11/29/2018</a:t>
+              <a:t>3/21/2019</a:t>
             </a:fld>
             <a:endParaRPr lang="en-US" dirty="0"/>
           </a:p>
@@ -3022,7 +3044,7 @@
           <a:p>
             <a:fld id="{B1D4C020-99FE-43FA-A245-AA1CC3B17E97}" type="datetime1">
               <a:rPr lang="en-US" smtClean="0"/>
-              <a:t>11/29/2018</a:t>
+              <a:t>3/21/2019</a:t>
             </a:fld>
             <a:endParaRPr lang="en-US" dirty="0"/>
           </a:p>
@@ -3188,7 +3210,7 @@
           <a:p>
             <a:fld id="{E6929214-15FA-4F2C-ACFC-8A31E08D9610}" type="datetime1">
               <a:rPr lang="en-US" smtClean="0"/>
-              <a:t>11/29/2018</a:t>
+              <a:t>3/21/2019</a:t>
             </a:fld>
             <a:endParaRPr lang="en-US" dirty="0"/>
           </a:p>
@@ -3363,7 +3385,7 @@
           <a:p>
             <a:fld id="{F9CFF010-911E-4766-A7F0-69AA1E4151F9}" type="datetime1">
               <a:rPr lang="en-US" smtClean="0"/>
-              <a:t>11/29/2018</a:t>
+              <a:t>3/21/2019</a:t>
             </a:fld>
             <a:endParaRPr lang="en-US" dirty="0"/>
           </a:p>
@@ -3569,7 +3591,7 @@
           <a:p>
             <a:fld id="{0E22DC2B-00ED-4692-901E-3D717AB34435}" type="datetime1">
               <a:rPr lang="en-US" smtClean="0"/>
-              <a:t>11/29/2018</a:t>
+              <a:t>3/21/2019</a:t>
             </a:fld>
             <a:endParaRPr lang="en-IN"/>
           </a:p>
@@ -3769,7 +3791,7 @@
           <a:p>
             <a:fld id="{5BD2B7E5-A12A-4B68-9526-3E33B9D99188}" type="datetime1">
               <a:rPr lang="en-US" smtClean="0"/>
-              <a:t>11/29/2018</a:t>
+              <a:t>3/21/2019</a:t>
             </a:fld>
             <a:endParaRPr lang="en-IN"/>
           </a:p>
@@ -4045,7 +4067,7 @@
           <a:p>
             <a:fld id="{9FBD6A23-2470-4053-9B45-8E4D1D7F849C}" type="datetime1">
               <a:rPr lang="en-US" smtClean="0"/>
-              <a:t>11/29/2018</a:t>
+              <a:t>3/21/2019</a:t>
             </a:fld>
             <a:endParaRPr lang="en-IN"/>
           </a:p>
@@ -4233,7 +4255,7 @@
           <a:p>
             <a:fld id="{A6F6C65B-6541-488F-A4DC-ECF4D047E888}" type="datetime1">
               <a:rPr lang="en-US" smtClean="0"/>
-              <a:t>11/29/2018</a:t>
+              <a:t>3/21/2019</a:t>
             </a:fld>
             <a:endParaRPr lang="en-US" dirty="0"/>
           </a:p>
@@ -4282,36 +4304,6 @@
           </a:p>
         </p:txBody>
       </p:sp>
-      <p:pic>
-        <p:nvPicPr>
-          <p:cNvPr id="8" name="Picture 7" descr="A close up of a logo&#10;&#10;Description generated with high confidence">
-            <a:extLst>
-              <a:ext uri="{FF2B5EF4-FFF2-40B4-BE49-F238E27FC236}">
-                <a16:creationId xmlns:a16="http://schemas.microsoft.com/office/drawing/2014/main" id="{B10DBD97-75D5-4F23-B405-E1A9EF6C595B}"/>
-              </a:ext>
-            </a:extLst>
-          </p:cNvPr>
-          <p:cNvPicPr>
-            <a:picLocks noChangeAspect="1"/>
-          </p:cNvPicPr>
-          <p:nvPr userDrawn="1"/>
-        </p:nvPicPr>
-        <p:blipFill>
-          <a:blip r:embed="rId2"/>
-          <a:stretch>
-            <a:fillRect/>
-          </a:stretch>
-        </p:blipFill>
-        <p:spPr>
-          <a:xfrm>
-            <a:off x="10910450" y="0"/>
-            <a:ext cx="1281550" cy="1080000"/>
-          </a:xfrm>
-          <a:prstGeom prst="rect">
-            <a:avLst/>
-          </a:prstGeom>
-        </p:spPr>
-      </p:pic>
     </p:spTree>
   </p:cSld>
   <p:clrMapOvr>
@@ -4515,7 +4507,7 @@
           <a:p>
             <a:fld id="{F4FA0DAD-BCD8-4884-A60E-A87A4EDEE00D}" type="datetime1">
               <a:rPr lang="en-US" smtClean="0"/>
-              <a:t>11/29/2018</a:t>
+              <a:t>3/21/2019</a:t>
             </a:fld>
             <a:endParaRPr lang="en-IN"/>
           </a:p>
@@ -4930,7 +4922,7 @@
           <a:p>
             <a:fld id="{C4A22262-F92C-4F78-8EBE-2F2A1DA765FC}" type="datetime1">
               <a:rPr lang="en-US" smtClean="0"/>
-              <a:t>11/29/2018</a:t>
+              <a:t>3/21/2019</a:t>
             </a:fld>
             <a:endParaRPr lang="en-IN"/>
           </a:p>
@@ -5072,7 +5064,7 @@
           <a:p>
             <a:fld id="{E21E56B8-E06A-489B-90D3-CAC1EC36978E}" type="datetime1">
               <a:rPr lang="en-US" smtClean="0"/>
-              <a:t>11/29/2018</a:t>
+              <a:t>3/21/2019</a:t>
             </a:fld>
             <a:endParaRPr lang="en-IN"/>
           </a:p>
@@ -5185,7 +5177,7 @@
           <a:p>
             <a:fld id="{76FA5C2D-6C34-422A-B482-5CEA9324A948}" type="datetime1">
               <a:rPr lang="en-US" smtClean="0"/>
-              <a:t>11/29/2018</a:t>
+              <a:t>3/21/2019</a:t>
             </a:fld>
             <a:endParaRPr lang="en-IN"/>
           </a:p>
@@ -5498,7 +5490,7 @@
           <a:p>
             <a:fld id="{443ABA1F-9BEF-44DF-A6E6-D669B9A05AFA}" type="datetime1">
               <a:rPr lang="en-US" smtClean="0"/>
-              <a:t>11/29/2018</a:t>
+              <a:t>3/21/2019</a:t>
             </a:fld>
             <a:endParaRPr lang="en-IN"/>
           </a:p>
@@ -5787,7 +5779,7 @@
           <a:p>
             <a:fld id="{851FD86A-7ECD-464F-B787-A17A9D96E8CA}" type="datetime1">
               <a:rPr lang="en-US" smtClean="0"/>
-              <a:t>11/29/2018</a:t>
+              <a:t>3/21/2019</a:t>
             </a:fld>
             <a:endParaRPr lang="en-IN"/>
           </a:p>
@@ -5987,7 +5979,7 @@
           <a:p>
             <a:fld id="{E897B7D0-DD25-429C-9FE2-1936AC6A7A5C}" type="datetime1">
               <a:rPr lang="en-US" smtClean="0"/>
-              <a:t>11/29/2018</a:t>
+              <a:t>3/21/2019</a:t>
             </a:fld>
             <a:endParaRPr lang="en-IN"/>
           </a:p>
@@ -6197,7 +6189,7 @@
           <a:p>
             <a:fld id="{95803926-0ED5-4C80-86DD-747ED078D3A3}" type="datetime1">
               <a:rPr lang="en-US" smtClean="0"/>
-              <a:t>11/29/2018</a:t>
+              <a:t>3/21/2019</a:t>
             </a:fld>
             <a:endParaRPr lang="en-IN"/>
           </a:p>
@@ -6456,7 +6448,7 @@
           <a:p>
             <a:fld id="{D1BC12D1-A8C4-4193-AC23-E0C903EB5284}" type="datetime1">
               <a:rPr lang="en-US" smtClean="0"/>
-              <a:t>11/29/2018</a:t>
+              <a:t>3/21/2019</a:t>
             </a:fld>
             <a:endParaRPr lang="en-US" dirty="0"/>
           </a:p>
@@ -6684,7 +6676,7 @@
           <a:p>
             <a:fld id="{39F5DEB3-0543-4111-BCC6-7498D7AEB7C6}" type="datetime1">
               <a:rPr lang="en-US" smtClean="0"/>
-              <a:t>11/29/2018</a:t>
+              <a:t>3/21/2019</a:t>
             </a:fld>
             <a:endParaRPr lang="en-US" dirty="0"/>
           </a:p>
@@ -7053,7 +7045,7 @@
           <a:p>
             <a:fld id="{04D0E1D1-21CA-482F-A38D-291D9923F9A7}" type="datetime1">
               <a:rPr lang="en-US" smtClean="0"/>
-              <a:t>11/29/2018</a:t>
+              <a:t>3/21/2019</a:t>
             </a:fld>
             <a:endParaRPr lang="en-US" dirty="0"/>
           </a:p>
@@ -7172,7 +7164,7 @@
           <a:p>
             <a:fld id="{844F469F-6FBB-4338-A079-130D1977CD1E}" type="datetime1">
               <a:rPr lang="en-US" smtClean="0"/>
-              <a:t>11/29/2018</a:t>
+              <a:t>3/21/2019</a:t>
             </a:fld>
             <a:endParaRPr lang="en-US" dirty="0"/>
           </a:p>
@@ -7263,7 +7255,7 @@
           <a:p>
             <a:fld id="{DFBF1EDC-B80E-403D-9623-D63022DA7144}" type="datetime1">
               <a:rPr lang="en-US" smtClean="0"/>
-              <a:t>11/29/2018</a:t>
+              <a:t>3/21/2019</a:t>
             </a:fld>
             <a:endParaRPr lang="en-US" dirty="0"/>
           </a:p>
@@ -7514,7 +7506,7 @@
           <a:p>
             <a:fld id="{48157C8A-EB56-4B4C-9D02-290E21962CD2}" type="datetime1">
               <a:rPr lang="en-US" smtClean="0"/>
-              <a:t>11/29/2018</a:t>
+              <a:t>3/21/2019</a:t>
             </a:fld>
             <a:endParaRPr lang="en-US" dirty="0"/>
           </a:p>
@@ -7772,7 +7764,7 @@
           <a:p>
             <a:fld id="{86298AC1-E96E-45A9-AC95-C91AA9D8E7FA}" type="datetime1">
               <a:rPr lang="en-US" smtClean="0"/>
-              <a:t>11/29/2018</a:t>
+              <a:t>3/21/2019</a:t>
             </a:fld>
             <a:endParaRPr lang="en-US" dirty="0"/>
           </a:p>
@@ -8511,7 +8503,7 @@
           <a:p>
             <a:fld id="{2E21247F-19FD-40CA-9366-BFF000352AB8}" type="datetime1">
               <a:rPr lang="en-US" smtClean="0"/>
-              <a:t>11/29/2018</a:t>
+              <a:t>3/21/2019</a:t>
             </a:fld>
             <a:endParaRPr lang="en-US" dirty="0"/>
           </a:p>
@@ -8594,6 +8586,36 @@
           </a:p>
         </p:txBody>
       </p:sp>
+      <p:pic>
+        <p:nvPicPr>
+          <p:cNvPr id="8" name="Picture 7"/>
+          <p:cNvPicPr>
+            <a:picLocks noChangeAspect="1"/>
+          </p:cNvPicPr>
+          <p:nvPr userDrawn="1"/>
+        </p:nvPicPr>
+        <p:blipFill>
+          <a:blip r:embed="rId18">
+            <a:extLst>
+              <a:ext uri="{28A0092B-C50C-407E-A947-70E740481C1C}">
+                <a14:useLocalDpi xmlns:a14="http://schemas.microsoft.com/office/drawing/2010/main" val="0"/>
+              </a:ext>
+            </a:extLst>
+          </a:blip>
+          <a:stretch>
+            <a:fillRect/>
+          </a:stretch>
+        </p:blipFill>
+        <p:spPr>
+          <a:xfrm>
+            <a:off x="11186160" y="-8467"/>
+            <a:ext cx="1005840" cy="1005840"/>
+          </a:xfrm>
+          <a:prstGeom prst="rect">
+            <a:avLst/>
+          </a:prstGeom>
+        </p:spPr>
+      </p:pic>
     </p:spTree>
   </p:cSld>
   <p:clrMap bg1="lt1" tx1="dk1" bg2="lt2" tx2="dk2" accent1="accent1" accent2="accent2" accent3="accent3" accent4="accent4" accent5="accent5" accent6="accent6" hlink="hlink" folHlink="folHlink"/>
@@ -9185,7 +9207,7 @@
           <a:p>
             <a:fld id="{35F816E1-33FE-4835-9F8B-4BD88B5DE477}" type="datetime1">
               <a:rPr lang="en-US" smtClean="0"/>
-              <a:t>11/29/2018</a:t>
+              <a:t>3/21/2019</a:t>
             </a:fld>
             <a:endParaRPr lang="en-IN"/>
           </a:p>
@@ -9281,6 +9303,36 @@
           </a:p>
         </p:txBody>
       </p:sp>
+      <p:pic>
+        <p:nvPicPr>
+          <p:cNvPr id="7" name="Picture 6"/>
+          <p:cNvPicPr>
+            <a:picLocks noChangeAspect="1"/>
+          </p:cNvPicPr>
+          <p:nvPr userDrawn="1"/>
+        </p:nvPicPr>
+        <p:blipFill>
+          <a:blip r:embed="rId13">
+            <a:extLst>
+              <a:ext uri="{28A0092B-C50C-407E-A947-70E740481C1C}">
+                <a14:useLocalDpi xmlns:a14="http://schemas.microsoft.com/office/drawing/2010/main" val="0"/>
+              </a:ext>
+            </a:extLst>
+          </a:blip>
+          <a:stretch>
+            <a:fillRect/>
+          </a:stretch>
+        </p:blipFill>
+        <p:spPr>
+          <a:xfrm>
+            <a:off x="11186160" y="0"/>
+            <a:ext cx="1005840" cy="1005840"/>
+          </a:xfrm>
+          <a:prstGeom prst="rect">
+            <a:avLst/>
+          </a:prstGeom>
+        </p:spPr>
+      </p:pic>
     </p:spTree>
     <p:extLst>
       <p:ext uri="{BB962C8B-B14F-4D97-AF65-F5344CB8AC3E}">
@@ -9733,249 +9785,61 @@
           <a:chExt cx="0" cy="0"/>
         </a:xfrm>
       </p:grpSpPr>
-      <p:sp useBgFill="1">
-        <p:nvSpPr>
-          <p:cNvPr id="9" name="Rectangle 8">
+      <p:sp>
+        <p:nvSpPr>
+          <p:cNvPr id="2" name="Title 1">
             <a:extLst>
               <a:ext uri="{FF2B5EF4-FFF2-40B4-BE49-F238E27FC236}">
-                <a16:creationId xmlns:a16="http://schemas.microsoft.com/office/drawing/2014/main" id="{9F4444CE-BC8D-4D61-B303-4C05614E62AB}"/>
-              </a:ext>
-              <a:ext uri="{C183D7F6-B498-43B3-948B-1728B52AA6E4}">
-                <adec:decorative xmlns:adec="http://schemas.microsoft.com/office/drawing/2017/decorative" val="1"/>
+                <a16:creationId xmlns:a16="http://schemas.microsoft.com/office/drawing/2014/main" id="{C7DA9D90-1D65-4956-BEE1-5A26A2BF6F60}"/>
               </a:ext>
             </a:extLst>
           </p:cNvPr>
           <p:cNvSpPr>
-            <a:spLocks noGrp="1" noRot="1" noChangeAspect="1" noMove="1" noResize="1" noEditPoints="1" noAdjustHandles="1" noChangeArrowheads="1" noChangeShapeType="1" noTextEdit="1"/>
-          </p:cNvSpPr>
-          <p:nvPr>
-            <p:extLst>
-              <p:ext uri="{386F3935-93C4-4BCD-93E2-E3B085C9AB24}">
-                <p16:designElem xmlns:p16="http://schemas.microsoft.com/office/powerpoint/2015/main" val="1"/>
-              </p:ext>
-            </p:extLst>
+            <a:spLocks noGrp="1"/>
+          </p:cNvSpPr>
+          <p:nvPr>
+            <p:ph type="title"/>
           </p:nvPr>
         </p:nvSpPr>
         <p:spPr>
           <a:xfrm>
-            <a:off x="0" y="0"/>
-            <a:ext cx="12192000" cy="6858000"/>
+            <a:off x="677334" y="609600"/>
+            <a:ext cx="8596668" cy="1320800"/>
           </a:xfrm>
-          <a:prstGeom prst="rect">
-            <a:avLst/>
-          </a:prstGeom>
-          <a:ln>
-            <a:noFill/>
-          </a:ln>
         </p:spPr>
-        <p:style>
-          <a:lnRef idx="2">
-            <a:schemeClr val="accent1">
-              <a:shade val="50000"/>
-            </a:schemeClr>
-          </a:lnRef>
-          <a:fillRef idx="1">
-            <a:schemeClr val="accent1"/>
-          </a:fillRef>
-          <a:effectRef idx="0">
-            <a:schemeClr val="accent1"/>
-          </a:effectRef>
-          <a:fontRef idx="minor">
-            <a:schemeClr val="lt1"/>
-          </a:fontRef>
-        </p:style>
-        <p:txBody>
-          <a:bodyPr rtlCol="0" anchor="ctr"/>
-          <a:lstStyle/>
-          <a:p>
-            <a:pPr algn="ctr"/>
-            <a:endParaRPr lang="en-US"/>
-          </a:p>
-        </p:txBody>
-      </p:sp>
-      <p:sp>
-        <p:nvSpPr>
-          <p:cNvPr id="11" name="Rectangle 10">
+        <p:txBody>
+          <a:bodyPr anchor="t">
+            <a:normAutofit/>
+          </a:bodyPr>
+          <a:lstStyle/>
+          <a:p>
+            <a:r>
+              <a:rPr lang="en-IN" dirty="0"/>
+              <a:t>Normalization/Standardization</a:t>
+            </a:r>
+          </a:p>
+        </p:txBody>
+      </p:sp>
+      <p:sp>
+        <p:nvSpPr>
+          <p:cNvPr id="3" name="Content Placeholder 2">
             <a:extLst>
               <a:ext uri="{FF2B5EF4-FFF2-40B4-BE49-F238E27FC236}">
-                <a16:creationId xmlns:a16="http://schemas.microsoft.com/office/drawing/2014/main" id="{62423CA5-E2E1-4789-B759-9906C1C94063}"/>
-              </a:ext>
-              <a:ext uri="{C183D7F6-B498-43B3-948B-1728B52AA6E4}">
-                <adec:decorative xmlns:adec="http://schemas.microsoft.com/office/drawing/2017/decorative" val="1"/>
+                <a16:creationId xmlns:a16="http://schemas.microsoft.com/office/drawing/2014/main" id="{1F0377BB-D891-4BD7-AC6F-973E4419F07F}"/>
               </a:ext>
             </a:extLst>
           </p:cNvPr>
           <p:cNvSpPr>
-            <a:spLocks noGrp="1" noRot="1" noChangeAspect="1" noMove="1" noResize="1" noEditPoints="1" noAdjustHandles="1" noChangeArrowheads="1" noChangeShapeType="1" noTextEdit="1"/>
-          </p:cNvSpPr>
-          <p:nvPr>
-            <p:extLst>
-              <p:ext uri="{386F3935-93C4-4BCD-93E2-E3B085C9AB24}">
-                <p16:designElem xmlns:p16="http://schemas.microsoft.com/office/powerpoint/2015/main" val="1"/>
-              </p:ext>
-            </p:extLst>
+            <a:spLocks noGrp="1"/>
+          </p:cNvSpPr>
+          <p:nvPr>
+            <p:ph idx="1"/>
           </p:nvPr>
         </p:nvSpPr>
         <p:spPr>
           <a:xfrm>
-            <a:off x="0" y="-3"/>
-            <a:ext cx="4660126" cy="6858000"/>
-          </a:xfrm>
-          <a:prstGeom prst="rect">
-            <a:avLst/>
-          </a:prstGeom>
-          <a:solidFill>
-            <a:schemeClr val="tx2"/>
-          </a:solidFill>
-          <a:ln>
-            <a:noFill/>
-          </a:ln>
-          <a:effectLst/>
-        </p:spPr>
-        <p:style>
-          <a:lnRef idx="1">
-            <a:schemeClr val="accent1"/>
-          </a:lnRef>
-          <a:fillRef idx="3">
-            <a:schemeClr val="accent1"/>
-          </a:fillRef>
-          <a:effectRef idx="2">
-            <a:schemeClr val="accent1"/>
-          </a:effectRef>
-          <a:fontRef idx="minor">
-            <a:schemeClr val="lt1"/>
-          </a:fontRef>
-        </p:style>
-        <p:txBody>
-          <a:bodyPr/>
-          <a:lstStyle/>
-          <a:p>
-            <a:endParaRPr lang="en-US"/>
-          </a:p>
-        </p:txBody>
-      </p:sp>
-      <p:sp>
-        <p:nvSpPr>
-          <p:cNvPr id="13" name="Isosceles Triangle 12">
-            <a:extLst>
-              <a:ext uri="{FF2B5EF4-FFF2-40B4-BE49-F238E27FC236}">
-                <a16:creationId xmlns:a16="http://schemas.microsoft.com/office/drawing/2014/main" id="{73772B81-181F-48B7-8826-4D9686D15DF5}"/>
-              </a:ext>
-              <a:ext uri="{C183D7F6-B498-43B3-948B-1728B52AA6E4}">
-                <adec:decorative xmlns:adec="http://schemas.microsoft.com/office/drawing/2017/decorative" val="1"/>
-              </a:ext>
-            </a:extLst>
-          </p:cNvPr>
-          <p:cNvSpPr>
-            <a:spLocks noGrp="1" noRot="1" noChangeAspect="1" noMove="1" noResize="1" noEditPoints="1" noAdjustHandles="1" noChangeArrowheads="1" noChangeShapeType="1" noTextEdit="1"/>
-          </p:cNvSpPr>
-          <p:nvPr>
-            <p:extLst>
-              <p:ext uri="{386F3935-93C4-4BCD-93E2-E3B085C9AB24}">
-                <p16:designElem xmlns:p16="http://schemas.microsoft.com/office/powerpoint/2015/main" val="1"/>
-              </p:ext>
-            </p:extLst>
-          </p:nvPr>
-        </p:nvSpPr>
-        <p:spPr>
-          <a:xfrm rot="10800000">
-            <a:off x="4660127" y="-3"/>
-            <a:ext cx="1056745" cy="6858001"/>
-          </a:xfrm>
-          <a:prstGeom prst="triangle">
-            <a:avLst>
-              <a:gd name="adj" fmla="val 100000"/>
-            </a:avLst>
-          </a:prstGeom>
-          <a:solidFill>
-            <a:schemeClr val="tx2"/>
-          </a:solidFill>
-          <a:ln>
-            <a:noFill/>
-          </a:ln>
-          <a:effectLst/>
-        </p:spPr>
-        <p:style>
-          <a:lnRef idx="1">
-            <a:schemeClr val="accent1"/>
-          </a:lnRef>
-          <a:fillRef idx="3">
-            <a:schemeClr val="accent1"/>
-          </a:fillRef>
-          <a:effectRef idx="2">
-            <a:schemeClr val="accent1"/>
-          </a:effectRef>
-          <a:fontRef idx="minor">
-            <a:schemeClr val="lt1"/>
-          </a:fontRef>
-        </p:style>
-        <p:txBody>
-          <a:bodyPr/>
-          <a:lstStyle/>
-          <a:p>
-            <a:endParaRPr lang="en-US" dirty="0"/>
-          </a:p>
-        </p:txBody>
-      </p:sp>
-      <p:sp>
-        <p:nvSpPr>
-          <p:cNvPr id="2" name="Title 1">
-            <a:extLst>
-              <a:ext uri="{FF2B5EF4-FFF2-40B4-BE49-F238E27FC236}">
-                <a16:creationId xmlns:a16="http://schemas.microsoft.com/office/drawing/2014/main" id="{CB781611-DC4D-477E-818E-37A668BEABD7}"/>
-              </a:ext>
-            </a:extLst>
-          </p:cNvPr>
-          <p:cNvSpPr>
-            <a:spLocks noGrp="1"/>
-          </p:cNvSpPr>
-          <p:nvPr>
-            <p:ph type="title"/>
-          </p:nvPr>
-        </p:nvSpPr>
-        <p:spPr>
-          <a:xfrm>
-            <a:off x="673754" y="643467"/>
-            <a:ext cx="4203045" cy="1375608"/>
-          </a:xfrm>
-        </p:spPr>
-        <p:txBody>
-          <a:bodyPr anchor="ctr">
-            <a:normAutofit/>
-          </a:bodyPr>
-          <a:lstStyle/>
-          <a:p>
-            <a:r>
-              <a:rPr lang="en-IN">
-                <a:solidFill>
-                  <a:schemeClr val="bg1"/>
-                </a:solidFill>
-              </a:rPr>
-              <a:t>t-Test</a:t>
-            </a:r>
-          </a:p>
-        </p:txBody>
-      </p:sp>
-      <p:sp>
-        <p:nvSpPr>
-          <p:cNvPr id="3" name="Content Placeholder 2">
-            <a:extLst>
-              <a:ext uri="{FF2B5EF4-FFF2-40B4-BE49-F238E27FC236}">
-                <a16:creationId xmlns:a16="http://schemas.microsoft.com/office/drawing/2014/main" id="{7781D079-FFF7-4E97-9721-886F25BD248C}"/>
-              </a:ext>
-            </a:extLst>
-          </p:cNvPr>
-          <p:cNvSpPr>
-            <a:spLocks noGrp="1"/>
-          </p:cNvSpPr>
-          <p:nvPr>
-            <p:ph idx="1"/>
-          </p:nvPr>
-        </p:nvSpPr>
-        <p:spPr>
-          <a:xfrm>
-            <a:off x="673754" y="2160589"/>
-            <a:ext cx="3973943" cy="4053943"/>
+            <a:off x="677334" y="2160590"/>
+            <a:ext cx="5220430" cy="3701270"/>
           </a:xfrm>
         </p:spPr>
         <p:txBody>
@@ -9984,86 +9848,31 @@
           </a:bodyPr>
           <a:lstStyle/>
           <a:p>
-            <a:pPr>
-              <a:lnSpc>
-                <a:spcPct val="90000"/>
-              </a:lnSpc>
-            </a:pPr>
-            <a:r>
-              <a:rPr lang="en-IN" sz="1600" dirty="0">
-                <a:solidFill>
-                  <a:schemeClr val="bg1"/>
-                </a:solidFill>
-              </a:rPr>
-              <a:t>t-test is used to examine how the means taken from two independent samples differ.</a:t>
-            </a:r>
-          </a:p>
-          <a:p>
-            <a:pPr>
-              <a:lnSpc>
-                <a:spcPct val="90000"/>
-              </a:lnSpc>
-            </a:pPr>
-            <a:r>
-              <a:rPr lang="en-IN" sz="1600" dirty="0">
-                <a:solidFill>
-                  <a:schemeClr val="bg1"/>
-                </a:solidFill>
-              </a:rPr>
-              <a:t>T-test follows t-distribution, which is appropriate when the sample size is small, and the population standard deviation is not known.</a:t>
-            </a:r>
-          </a:p>
-          <a:p>
-            <a:pPr>
-              <a:lnSpc>
-                <a:spcPct val="90000"/>
-              </a:lnSpc>
-            </a:pPr>
-            <a:r>
-              <a:rPr lang="en-IN" sz="1600" dirty="0">
-                <a:solidFill>
-                  <a:schemeClr val="bg1"/>
-                </a:solidFill>
-              </a:rPr>
-              <a:t>The shape of a t-distribution is highly affected by the degree of freedom.</a:t>
-            </a:r>
-          </a:p>
-          <a:p>
-            <a:pPr>
-              <a:lnSpc>
-                <a:spcPct val="90000"/>
-              </a:lnSpc>
-            </a:pPr>
-            <a:r>
-              <a:rPr lang="en-IN" sz="1600" dirty="0">
-                <a:solidFill>
-                  <a:schemeClr val="bg1"/>
-                </a:solidFill>
-              </a:rPr>
-              <a:t>The degree of freedom implies the number of independent observations in a given set of observations.</a:t>
-            </a:r>
-          </a:p>
-          <a:p>
-            <a:pPr marL="0" indent="0">
-              <a:lnSpc>
-                <a:spcPct val="90000"/>
-              </a:lnSpc>
-              <a:buNone/>
-            </a:pPr>
-            <a:endParaRPr lang="en-IN" sz="1200" dirty="0">
-              <a:solidFill>
-                <a:schemeClr val="bg1"/>
-              </a:solidFill>
-            </a:endParaRPr>
+            <a:r>
+              <a:rPr lang="en-IN" dirty="0"/>
+              <a:t>Normalization usually means to scale a variable to have a values between 0 and 1</a:t>
+            </a:r>
+          </a:p>
+          <a:p>
+            <a:r>
+              <a:rPr lang="en-IN" dirty="0"/>
+              <a:t>Standardization transforms data to have a mean of zero and a standard deviation of 1. This standardization is called a z-score, and data points can be standardized with the following formula:</a:t>
+            </a:r>
+          </a:p>
+          <a:p>
+            <a:endParaRPr lang="en-IN" dirty="0"/>
+          </a:p>
+          <a:p>
+            <a:endParaRPr lang="en-IN" dirty="0"/>
           </a:p>
         </p:txBody>
       </p:sp>
       <p:pic>
         <p:nvPicPr>
-          <p:cNvPr id="4" name="Picture 3">
+          <p:cNvPr id="5" name="Picture 4" descr="A close up of a clock&#10;&#10;Description generated with high confidence">
             <a:extLst>
               <a:ext uri="{FF2B5EF4-FFF2-40B4-BE49-F238E27FC236}">
-                <a16:creationId xmlns:a16="http://schemas.microsoft.com/office/drawing/2014/main" id="{EFD8E9B3-7E88-43A8-9840-6A456BF3EE1D}"/>
+                <a16:creationId xmlns:a16="http://schemas.microsoft.com/office/drawing/2014/main" id="{D0368708-23EF-45F0-9F86-3CF9A86789B0}"/>
               </a:ext>
             </a:extLst>
           </p:cNvPr>
@@ -10080,85 +9889,50 @@
         </p:blipFill>
         <p:spPr>
           <a:xfrm>
-            <a:off x="6319559" y="2160590"/>
-            <a:ext cx="4919941" cy="2644468"/>
+            <a:off x="6476215" y="2830298"/>
+            <a:ext cx="2521068" cy="1334105"/>
           </a:xfrm>
           <a:prstGeom prst="rect">
             <a:avLst/>
           </a:prstGeom>
         </p:spPr>
       </p:pic>
-      <p:sp>
-        <p:nvSpPr>
-          <p:cNvPr id="15" name="Isosceles Triangle 14">
+      <p:pic>
+        <p:nvPicPr>
+          <p:cNvPr id="6" name="Picture 5">
             <a:extLst>
               <a:ext uri="{FF2B5EF4-FFF2-40B4-BE49-F238E27FC236}">
-                <a16:creationId xmlns:a16="http://schemas.microsoft.com/office/drawing/2014/main" id="{B2205F6E-03C6-4E92-877C-E2482F6599AA}"/>
-              </a:ext>
-              <a:ext uri="{C183D7F6-B498-43B3-948B-1728B52AA6E4}">
-                <adec:decorative xmlns:adec="http://schemas.microsoft.com/office/drawing/2017/decorative" val="1"/>
+                <a16:creationId xmlns:a16="http://schemas.microsoft.com/office/drawing/2014/main" id="{A130435E-A9C4-49CB-B85D-9F1AECDDD46E}"/>
               </a:ext>
             </a:extLst>
           </p:cNvPr>
-          <p:cNvSpPr>
-            <a:spLocks noGrp="1" noRot="1" noChangeAspect="1" noMove="1" noResize="1" noEditPoints="1" noAdjustHandles="1" noChangeArrowheads="1" noChangeShapeType="1" noTextEdit="1"/>
-          </p:cNvSpPr>
-          <p:nvPr>
-            <p:extLst>
-              <p:ext uri="{386F3935-93C4-4BCD-93E2-E3B085C9AB24}">
-                <p16:designElem xmlns:p16="http://schemas.microsoft.com/office/powerpoint/2015/main" val="1"/>
-              </p:ext>
-            </p:extLst>
-          </p:nvPr>
-        </p:nvSpPr>
+          <p:cNvPicPr>
+            <a:picLocks noChangeAspect="1"/>
+          </p:cNvPicPr>
+          <p:nvPr/>
+        </p:nvPicPr>
+        <p:blipFill>
+          <a:blip r:embed="rId3"/>
+          <a:stretch>
+            <a:fillRect/>
+          </a:stretch>
+        </p:blipFill>
         <p:spPr>
-          <a:xfrm flipH="1">
-            <a:off x="11755696" y="4013200"/>
-            <a:ext cx="448733" cy="2844800"/>
+          <a:xfrm>
+            <a:off x="6539335" y="4137026"/>
+            <a:ext cx="3458205" cy="1547337"/>
           </a:xfrm>
-          <a:prstGeom prst="triangle">
-            <a:avLst>
-              <a:gd name="adj" fmla="val 0"/>
-            </a:avLst>
+          <a:prstGeom prst="rect">
+            <a:avLst/>
           </a:prstGeom>
-          <a:solidFill>
-            <a:schemeClr val="accent1">
-              <a:alpha val="85000"/>
-            </a:schemeClr>
-          </a:solidFill>
-          <a:ln>
-            <a:noFill/>
-          </a:ln>
-          <a:effectLst/>
         </p:spPr>
-        <p:style>
-          <a:lnRef idx="1">
-            <a:schemeClr val="accent1"/>
-          </a:lnRef>
-          <a:fillRef idx="3">
-            <a:schemeClr val="accent1"/>
-          </a:fillRef>
-          <a:effectRef idx="2">
-            <a:schemeClr val="accent1"/>
-          </a:effectRef>
-          <a:fontRef idx="minor">
-            <a:schemeClr val="lt1"/>
-          </a:fontRef>
-        </p:style>
-        <p:txBody>
-          <a:bodyPr/>
-          <a:lstStyle/>
-          <a:p>
-            <a:endParaRPr lang="en-US" dirty="0"/>
-          </a:p>
-        </p:txBody>
-      </p:sp>
-      <p:sp>
-        <p:nvSpPr>
-          <p:cNvPr id="6" name="Slide Number Placeholder 5">
+      </p:pic>
+      <p:sp>
+        <p:nvSpPr>
+          <p:cNvPr id="7" name="Slide Number Placeholder 6">
             <a:extLst>
               <a:ext uri="{FF2B5EF4-FFF2-40B4-BE49-F238E27FC236}">
-                <a16:creationId xmlns:a16="http://schemas.microsoft.com/office/drawing/2014/main" id="{76E32274-F981-40F6-8BD9-266A517B7A1B}"/>
+                <a16:creationId xmlns:a16="http://schemas.microsoft.com/office/drawing/2014/main" id="{AAE19CA7-CBC5-4776-86AA-6FDA4737BDEF}"/>
               </a:ext>
             </a:extLst>
           </p:cNvPr>
@@ -10186,7 +9960,7 @@
     </p:spTree>
     <p:extLst>
       <p:ext uri="{BB962C8B-B14F-4D97-AF65-F5344CB8AC3E}">
-        <p14:creationId xmlns:p14="http://schemas.microsoft.com/office/powerpoint/2010/main" val="24361797"/>
+        <p14:creationId xmlns:p14="http://schemas.microsoft.com/office/powerpoint/2010/main" val="3815779326"/>
       </p:ext>
     </p:extLst>
   </p:cSld>
@@ -10197,507 +9971,6 @@
 </file>
 
 <file path=ppt/slides/slide11.xml><?xml version="1.0" encoding="utf-8"?>
-<p:sld xmlns:a="http://schemas.openxmlformats.org/drawingml/2006/main" xmlns:r="http://schemas.openxmlformats.org/officeDocument/2006/relationships" xmlns:p="http://schemas.openxmlformats.org/presentationml/2006/main">
-  <p:cSld>
-    <p:bg>
-      <p:bgPr>
-        <a:solidFill>
-          <a:schemeClr val="bg1"/>
-        </a:solidFill>
-        <a:effectLst/>
-      </p:bgPr>
-    </p:bg>
-    <p:spTree>
-      <p:nvGrpSpPr>
-        <p:cNvPr id="1" name=""/>
-        <p:cNvGrpSpPr/>
-        <p:nvPr/>
-      </p:nvGrpSpPr>
-      <p:grpSpPr>
-        <a:xfrm>
-          <a:off x="0" y="0"/>
-          <a:ext cx="0" cy="0"/>
-          <a:chOff x="0" y="0"/>
-          <a:chExt cx="0" cy="0"/>
-        </a:xfrm>
-      </p:grpSpPr>
-      <p:sp useBgFill="1">
-        <p:nvSpPr>
-          <p:cNvPr id="9" name="Rectangle 8">
-            <a:extLst>
-              <a:ext uri="{FF2B5EF4-FFF2-40B4-BE49-F238E27FC236}">
-                <a16:creationId xmlns:a16="http://schemas.microsoft.com/office/drawing/2014/main" id="{9F4444CE-BC8D-4D61-B303-4C05614E62AB}"/>
-              </a:ext>
-              <a:ext uri="{C183D7F6-B498-43B3-948B-1728B52AA6E4}">
-                <adec:decorative xmlns:adec="http://schemas.microsoft.com/office/drawing/2017/decorative" val="1"/>
-              </a:ext>
-            </a:extLst>
-          </p:cNvPr>
-          <p:cNvSpPr>
-            <a:spLocks noGrp="1" noRot="1" noChangeAspect="1" noMove="1" noResize="1" noEditPoints="1" noAdjustHandles="1" noChangeArrowheads="1" noChangeShapeType="1" noTextEdit="1"/>
-          </p:cNvSpPr>
-          <p:nvPr>
-            <p:extLst>
-              <p:ext uri="{386F3935-93C4-4BCD-93E2-E3B085C9AB24}">
-                <p16:designElem xmlns:p16="http://schemas.microsoft.com/office/powerpoint/2015/main" val="1"/>
-              </p:ext>
-            </p:extLst>
-          </p:nvPr>
-        </p:nvSpPr>
-        <p:spPr>
-          <a:xfrm>
-            <a:off x="0" y="0"/>
-            <a:ext cx="12192000" cy="6858000"/>
-          </a:xfrm>
-          <a:prstGeom prst="rect">
-            <a:avLst/>
-          </a:prstGeom>
-          <a:ln>
-            <a:noFill/>
-          </a:ln>
-        </p:spPr>
-        <p:style>
-          <a:lnRef idx="2">
-            <a:schemeClr val="accent1">
-              <a:shade val="50000"/>
-            </a:schemeClr>
-          </a:lnRef>
-          <a:fillRef idx="1">
-            <a:schemeClr val="accent1"/>
-          </a:fillRef>
-          <a:effectRef idx="0">
-            <a:schemeClr val="accent1"/>
-          </a:effectRef>
-          <a:fontRef idx="minor">
-            <a:schemeClr val="lt1"/>
-          </a:fontRef>
-        </p:style>
-        <p:txBody>
-          <a:bodyPr rtlCol="0" anchor="ctr"/>
-          <a:lstStyle/>
-          <a:p>
-            <a:pPr algn="ctr"/>
-            <a:endParaRPr lang="en-US"/>
-          </a:p>
-        </p:txBody>
-      </p:sp>
-      <p:sp>
-        <p:nvSpPr>
-          <p:cNvPr id="11" name="Rectangle 10">
-            <a:extLst>
-              <a:ext uri="{FF2B5EF4-FFF2-40B4-BE49-F238E27FC236}">
-                <a16:creationId xmlns:a16="http://schemas.microsoft.com/office/drawing/2014/main" id="{62423CA5-E2E1-4789-B759-9906C1C94063}"/>
-              </a:ext>
-              <a:ext uri="{C183D7F6-B498-43B3-948B-1728B52AA6E4}">
-                <adec:decorative xmlns:adec="http://schemas.microsoft.com/office/drawing/2017/decorative" val="1"/>
-              </a:ext>
-            </a:extLst>
-          </p:cNvPr>
-          <p:cNvSpPr>
-            <a:spLocks noGrp="1" noRot="1" noChangeAspect="1" noMove="1" noResize="1" noEditPoints="1" noAdjustHandles="1" noChangeArrowheads="1" noChangeShapeType="1" noTextEdit="1"/>
-          </p:cNvSpPr>
-          <p:nvPr>
-            <p:extLst>
-              <p:ext uri="{386F3935-93C4-4BCD-93E2-E3B085C9AB24}">
-                <p16:designElem xmlns:p16="http://schemas.microsoft.com/office/powerpoint/2015/main" val="1"/>
-              </p:ext>
-            </p:extLst>
-          </p:nvPr>
-        </p:nvSpPr>
-        <p:spPr>
-          <a:xfrm>
-            <a:off x="0" y="-3"/>
-            <a:ext cx="4660126" cy="6858000"/>
-          </a:xfrm>
-          <a:prstGeom prst="rect">
-            <a:avLst/>
-          </a:prstGeom>
-          <a:solidFill>
-            <a:schemeClr val="tx2"/>
-          </a:solidFill>
-          <a:ln>
-            <a:noFill/>
-          </a:ln>
-          <a:effectLst/>
-        </p:spPr>
-        <p:style>
-          <a:lnRef idx="1">
-            <a:schemeClr val="accent1"/>
-          </a:lnRef>
-          <a:fillRef idx="3">
-            <a:schemeClr val="accent1"/>
-          </a:fillRef>
-          <a:effectRef idx="2">
-            <a:schemeClr val="accent1"/>
-          </a:effectRef>
-          <a:fontRef idx="minor">
-            <a:schemeClr val="lt1"/>
-          </a:fontRef>
-        </p:style>
-        <p:txBody>
-          <a:bodyPr/>
-          <a:lstStyle/>
-          <a:p>
-            <a:endParaRPr lang="en-US"/>
-          </a:p>
-        </p:txBody>
-      </p:sp>
-      <p:sp>
-        <p:nvSpPr>
-          <p:cNvPr id="13" name="Isosceles Triangle 12">
-            <a:extLst>
-              <a:ext uri="{FF2B5EF4-FFF2-40B4-BE49-F238E27FC236}">
-                <a16:creationId xmlns:a16="http://schemas.microsoft.com/office/drawing/2014/main" id="{73772B81-181F-48B7-8826-4D9686D15DF5}"/>
-              </a:ext>
-              <a:ext uri="{C183D7F6-B498-43B3-948B-1728B52AA6E4}">
-                <adec:decorative xmlns:adec="http://schemas.microsoft.com/office/drawing/2017/decorative" val="1"/>
-              </a:ext>
-            </a:extLst>
-          </p:cNvPr>
-          <p:cNvSpPr>
-            <a:spLocks noGrp="1" noRot="1" noChangeAspect="1" noMove="1" noResize="1" noEditPoints="1" noAdjustHandles="1" noChangeArrowheads="1" noChangeShapeType="1" noTextEdit="1"/>
-          </p:cNvSpPr>
-          <p:nvPr>
-            <p:extLst>
-              <p:ext uri="{386F3935-93C4-4BCD-93E2-E3B085C9AB24}">
-                <p16:designElem xmlns:p16="http://schemas.microsoft.com/office/powerpoint/2015/main" val="1"/>
-              </p:ext>
-            </p:extLst>
-          </p:nvPr>
-        </p:nvSpPr>
-        <p:spPr>
-          <a:xfrm rot="10800000">
-            <a:off x="4660127" y="-3"/>
-            <a:ext cx="1056745" cy="6858001"/>
-          </a:xfrm>
-          <a:prstGeom prst="triangle">
-            <a:avLst>
-              <a:gd name="adj" fmla="val 100000"/>
-            </a:avLst>
-          </a:prstGeom>
-          <a:solidFill>
-            <a:schemeClr val="tx2"/>
-          </a:solidFill>
-          <a:ln>
-            <a:noFill/>
-          </a:ln>
-          <a:effectLst/>
-        </p:spPr>
-        <p:style>
-          <a:lnRef idx="1">
-            <a:schemeClr val="accent1"/>
-          </a:lnRef>
-          <a:fillRef idx="3">
-            <a:schemeClr val="accent1"/>
-          </a:fillRef>
-          <a:effectRef idx="2">
-            <a:schemeClr val="accent1"/>
-          </a:effectRef>
-          <a:fontRef idx="minor">
-            <a:schemeClr val="lt1"/>
-          </a:fontRef>
-        </p:style>
-        <p:txBody>
-          <a:bodyPr/>
-          <a:lstStyle/>
-          <a:p>
-            <a:endParaRPr lang="en-US" dirty="0"/>
-          </a:p>
-        </p:txBody>
-      </p:sp>
-      <p:sp>
-        <p:nvSpPr>
-          <p:cNvPr id="2" name="Title 1">
-            <a:extLst>
-              <a:ext uri="{FF2B5EF4-FFF2-40B4-BE49-F238E27FC236}">
-                <a16:creationId xmlns:a16="http://schemas.microsoft.com/office/drawing/2014/main" id="{A755AC2E-738A-4ABB-8CC5-42224F2FDBAB}"/>
-              </a:ext>
-            </a:extLst>
-          </p:cNvPr>
-          <p:cNvSpPr>
-            <a:spLocks noGrp="1"/>
-          </p:cNvSpPr>
-          <p:nvPr>
-            <p:ph type="title"/>
-          </p:nvPr>
-        </p:nvSpPr>
-        <p:spPr>
-          <a:xfrm>
-            <a:off x="673754" y="643467"/>
-            <a:ext cx="4203045" cy="1375608"/>
-          </a:xfrm>
-        </p:spPr>
-        <p:txBody>
-          <a:bodyPr anchor="ctr">
-            <a:normAutofit/>
-          </a:bodyPr>
-          <a:lstStyle/>
-          <a:p>
-            <a:r>
-              <a:rPr lang="en-IN">
-                <a:solidFill>
-                  <a:schemeClr val="bg1"/>
-                </a:solidFill>
-              </a:rPr>
-              <a:t>z-test</a:t>
-            </a:r>
-          </a:p>
-        </p:txBody>
-      </p:sp>
-      <p:sp>
-        <p:nvSpPr>
-          <p:cNvPr id="3" name="Content Placeholder 2">
-            <a:extLst>
-              <a:ext uri="{FF2B5EF4-FFF2-40B4-BE49-F238E27FC236}">
-                <a16:creationId xmlns:a16="http://schemas.microsoft.com/office/drawing/2014/main" id="{707EA69A-DAAD-41EF-821B-D6A522A52450}"/>
-              </a:ext>
-            </a:extLst>
-          </p:cNvPr>
-          <p:cNvSpPr>
-            <a:spLocks noGrp="1"/>
-          </p:cNvSpPr>
-          <p:nvPr>
-            <p:ph idx="1"/>
-          </p:nvPr>
-        </p:nvSpPr>
-        <p:spPr>
-          <a:xfrm>
-            <a:off x="673754" y="2160590"/>
-            <a:ext cx="3973943" cy="3440110"/>
-          </a:xfrm>
-        </p:spPr>
-        <p:txBody>
-          <a:bodyPr>
-            <a:normAutofit/>
-          </a:bodyPr>
-          <a:lstStyle/>
-          <a:p>
-            <a:pPr>
-              <a:lnSpc>
-                <a:spcPct val="90000"/>
-              </a:lnSpc>
-            </a:pPr>
-            <a:r>
-              <a:rPr lang="en-IN">
-                <a:solidFill>
-                  <a:schemeClr val="bg1"/>
-                </a:solidFill>
-              </a:rPr>
-              <a:t>It determines to what extent a data point is away from its mean of the data set, in standard deviation</a:t>
-            </a:r>
-          </a:p>
-          <a:p>
-            <a:pPr>
-              <a:lnSpc>
-                <a:spcPct val="90000"/>
-              </a:lnSpc>
-            </a:pPr>
-            <a:r>
-              <a:rPr lang="en-IN">
-                <a:solidFill>
-                  <a:schemeClr val="bg1"/>
-                </a:solidFill>
-              </a:rPr>
-              <a:t>The researcher adopts z-test, when the population variance is known</a:t>
-            </a:r>
-          </a:p>
-          <a:p>
-            <a:pPr>
-              <a:lnSpc>
-                <a:spcPct val="90000"/>
-              </a:lnSpc>
-            </a:pPr>
-            <a:r>
-              <a:rPr lang="en-IN">
-                <a:solidFill>
-                  <a:schemeClr val="bg1"/>
-                </a:solidFill>
-              </a:rPr>
-              <a:t>When there is a large sample size</a:t>
-            </a:r>
-          </a:p>
-          <a:p>
-            <a:pPr>
-              <a:lnSpc>
-                <a:spcPct val="90000"/>
-              </a:lnSpc>
-            </a:pPr>
-            <a:r>
-              <a:rPr lang="en-IN">
-                <a:solidFill>
-                  <a:schemeClr val="bg1"/>
-                </a:solidFill>
-              </a:rPr>
-              <a:t>Sample variance is deemed to be approximately equal to the population variance.</a:t>
-            </a:r>
-          </a:p>
-          <a:p>
-            <a:pPr marL="0" indent="0">
-              <a:lnSpc>
-                <a:spcPct val="90000"/>
-              </a:lnSpc>
-              <a:buNone/>
-            </a:pPr>
-            <a:endParaRPr lang="en-IN">
-              <a:solidFill>
-                <a:schemeClr val="bg1"/>
-              </a:solidFill>
-            </a:endParaRPr>
-          </a:p>
-          <a:p>
-            <a:pPr marL="0" indent="0">
-              <a:lnSpc>
-                <a:spcPct val="90000"/>
-              </a:lnSpc>
-              <a:buNone/>
-            </a:pPr>
-            <a:endParaRPr lang="en-IN">
-              <a:solidFill>
-                <a:schemeClr val="bg1"/>
-              </a:solidFill>
-            </a:endParaRPr>
-          </a:p>
-        </p:txBody>
-      </p:sp>
-      <p:pic>
-        <p:nvPicPr>
-          <p:cNvPr id="4" name="Picture 3">
-            <a:extLst>
-              <a:ext uri="{FF2B5EF4-FFF2-40B4-BE49-F238E27FC236}">
-                <a16:creationId xmlns:a16="http://schemas.microsoft.com/office/drawing/2014/main" id="{97380694-A32B-47AA-BDE2-2558141A2E2B}"/>
-              </a:ext>
-            </a:extLst>
-          </p:cNvPr>
-          <p:cNvPicPr>
-            <a:picLocks noChangeAspect="1"/>
-          </p:cNvPicPr>
-          <p:nvPr/>
-        </p:nvPicPr>
-        <p:blipFill>
-          <a:blip r:embed="rId2"/>
-          <a:stretch>
-            <a:fillRect/>
-          </a:stretch>
-        </p:blipFill>
-        <p:spPr>
-          <a:xfrm>
-            <a:off x="6096000" y="2059715"/>
-            <a:ext cx="5909519" cy="3132045"/>
-          </a:xfrm>
-          <a:prstGeom prst="rect">
-            <a:avLst/>
-          </a:prstGeom>
-        </p:spPr>
-      </p:pic>
-      <p:sp>
-        <p:nvSpPr>
-          <p:cNvPr id="15" name="Isosceles Triangle 14">
-            <a:extLst>
-              <a:ext uri="{FF2B5EF4-FFF2-40B4-BE49-F238E27FC236}">
-                <a16:creationId xmlns:a16="http://schemas.microsoft.com/office/drawing/2014/main" id="{B2205F6E-03C6-4E92-877C-E2482F6599AA}"/>
-              </a:ext>
-              <a:ext uri="{C183D7F6-B498-43B3-948B-1728B52AA6E4}">
-                <adec:decorative xmlns:adec="http://schemas.microsoft.com/office/drawing/2017/decorative" val="1"/>
-              </a:ext>
-            </a:extLst>
-          </p:cNvPr>
-          <p:cNvSpPr>
-            <a:spLocks noGrp="1" noRot="1" noChangeAspect="1" noMove="1" noResize="1" noEditPoints="1" noAdjustHandles="1" noChangeArrowheads="1" noChangeShapeType="1" noTextEdit="1"/>
-          </p:cNvSpPr>
-          <p:nvPr>
-            <p:extLst>
-              <p:ext uri="{386F3935-93C4-4BCD-93E2-E3B085C9AB24}">
-                <p16:designElem xmlns:p16="http://schemas.microsoft.com/office/powerpoint/2015/main" val="1"/>
-              </p:ext>
-            </p:extLst>
-          </p:nvPr>
-        </p:nvSpPr>
-        <p:spPr>
-          <a:xfrm flipH="1">
-            <a:off x="11755696" y="4013200"/>
-            <a:ext cx="448733" cy="2844800"/>
-          </a:xfrm>
-          <a:prstGeom prst="triangle">
-            <a:avLst>
-              <a:gd name="adj" fmla="val 0"/>
-            </a:avLst>
-          </a:prstGeom>
-          <a:solidFill>
-            <a:schemeClr val="accent1">
-              <a:alpha val="85000"/>
-            </a:schemeClr>
-          </a:solidFill>
-          <a:ln>
-            <a:noFill/>
-          </a:ln>
-          <a:effectLst/>
-        </p:spPr>
-        <p:style>
-          <a:lnRef idx="1">
-            <a:schemeClr val="accent1"/>
-          </a:lnRef>
-          <a:fillRef idx="3">
-            <a:schemeClr val="accent1"/>
-          </a:fillRef>
-          <a:effectRef idx="2">
-            <a:schemeClr val="accent1"/>
-          </a:effectRef>
-          <a:fontRef idx="minor">
-            <a:schemeClr val="lt1"/>
-          </a:fontRef>
-        </p:style>
-        <p:txBody>
-          <a:bodyPr/>
-          <a:lstStyle/>
-          <a:p>
-            <a:endParaRPr lang="en-US" dirty="0"/>
-          </a:p>
-        </p:txBody>
-      </p:sp>
-      <p:sp>
-        <p:nvSpPr>
-          <p:cNvPr id="6" name="Slide Number Placeholder 5">
-            <a:extLst>
-              <a:ext uri="{FF2B5EF4-FFF2-40B4-BE49-F238E27FC236}">
-                <a16:creationId xmlns:a16="http://schemas.microsoft.com/office/drawing/2014/main" id="{61347268-DC4A-4883-BD56-DDC550604BA5}"/>
-              </a:ext>
-            </a:extLst>
-          </p:cNvPr>
-          <p:cNvSpPr>
-            <a:spLocks noGrp="1"/>
-          </p:cNvSpPr>
-          <p:nvPr>
-            <p:ph type="sldNum" sz="quarter" idx="12"/>
-          </p:nvPr>
-        </p:nvSpPr>
-        <p:spPr/>
-        <p:txBody>
-          <a:bodyPr/>
-          <a:lstStyle/>
-          <a:p>
-            <a:fld id="{D57F1E4F-1CFF-5643-939E-217C01CDF565}" type="slidenum">
-              <a:rPr lang="en-US" smtClean="0"/>
-              <a:pPr/>
-              <a:t>11</a:t>
-            </a:fld>
-            <a:endParaRPr lang="en-US" dirty="0"/>
-          </a:p>
-        </p:txBody>
-      </p:sp>
-    </p:spTree>
-    <p:extLst>
-      <p:ext uri="{BB962C8B-B14F-4D97-AF65-F5344CB8AC3E}">
-        <p14:creationId xmlns:p14="http://schemas.microsoft.com/office/powerpoint/2010/main" val="2316231733"/>
-      </p:ext>
-    </p:extLst>
-  </p:cSld>
-  <p:clrMapOvr>
-    <a:masterClrMapping/>
-  </p:clrMapOvr>
-</p:sld>
-</file>
-
-<file path=ppt/slides/slide12.xml><?xml version="1.0" encoding="utf-8"?>
 <p:sld xmlns:a="http://schemas.openxmlformats.org/drawingml/2006/main" xmlns:r="http://schemas.openxmlformats.org/officeDocument/2006/relationships" xmlns:p="http://schemas.openxmlformats.org/presentationml/2006/main">
   <p:cSld>
     <p:spTree>
@@ -10719,7 +9992,7 @@
           <p:cNvPr id="2" name="Title 1">
             <a:extLst>
               <a:ext uri="{FF2B5EF4-FFF2-40B4-BE49-F238E27FC236}">
-                <a16:creationId xmlns:a16="http://schemas.microsoft.com/office/drawing/2014/main" id="{DAE5843F-B9CD-4454-85A1-A873A46C8921}"/>
+                <a16:creationId xmlns:a16="http://schemas.microsoft.com/office/drawing/2014/main" id="{F8A86C13-F0B2-429F-83AC-03A3B055FDB3}"/>
               </a:ext>
             </a:extLst>
           </p:cNvPr>
@@ -10732,1540 +10005,65 @@
         </p:nvSpPr>
         <p:spPr/>
         <p:txBody>
-          <a:bodyPr>
-            <a:normAutofit fontScale="90000"/>
-          </a:bodyPr>
-          <a:lstStyle/>
-          <a:p>
-            <a:r>
-              <a:rPr lang="en-IN" dirty="0"/>
-              <a:t>Key Differences Between T-test and Z-test</a:t>
-            </a:r>
-            <a:br>
-              <a:rPr lang="en-IN" dirty="0"/>
-            </a:br>
-            <a:endParaRPr lang="en-IN" dirty="0"/>
-          </a:p>
-        </p:txBody>
-      </p:sp>
-      <p:sp>
-        <p:nvSpPr>
-          <p:cNvPr id="3" name="Content Placeholder 2">
-            <a:extLst>
-              <a:ext uri="{FF2B5EF4-FFF2-40B4-BE49-F238E27FC236}">
-                <a16:creationId xmlns:a16="http://schemas.microsoft.com/office/drawing/2014/main" id="{124152AA-3F8C-424B-A902-45B0F0DC9E15}"/>
-              </a:ext>
-            </a:extLst>
-          </p:cNvPr>
-          <p:cNvSpPr>
-            <a:spLocks noGrp="1"/>
-          </p:cNvSpPr>
-          <p:nvPr>
-            <p:ph idx="1"/>
-          </p:nvPr>
-        </p:nvSpPr>
-        <p:spPr/>
-        <p:txBody>
-          <a:bodyPr>
-            <a:normAutofit/>
-          </a:bodyPr>
-          <a:lstStyle/>
-          <a:p>
-            <a:r>
-              <a:rPr lang="en-IN" dirty="0"/>
-              <a:t>The t-test is used to compare and analyse whether the means of the two population is different from one another or not when the standard deviation is not known. As against, Z-test is a parametric test, which is applied when the standard deviation is known, to determine, if the means of the two datasets differ from each other.</a:t>
-            </a:r>
-          </a:p>
-          <a:p>
-            <a:r>
-              <a:rPr lang="en-IN" dirty="0"/>
-              <a:t>The t-test is based on Student’s t-distribution. On the contrary, z-test relies on the assumption that the distribution of sample means is normal. </a:t>
-            </a:r>
-          </a:p>
-          <a:p>
-            <a:r>
-              <a:rPr lang="en-IN" dirty="0"/>
-              <a:t>One of the important conditions for adopting t-test is that population variance is unknown. Conversely, population variance should be known or assumed to be known in case of a z-test.</a:t>
-            </a:r>
-          </a:p>
-          <a:p>
-            <a:r>
-              <a:rPr lang="en-IN" dirty="0"/>
-              <a:t>Z-test is used to when the sample size is large, i.e. n &gt; 30, and t-test is appropriate when the size of the sample is small, in the sense that n &lt; 30.</a:t>
-            </a:r>
-          </a:p>
-          <a:p>
-            <a:endParaRPr lang="en-IN" dirty="0"/>
-          </a:p>
-        </p:txBody>
-      </p:sp>
-      <p:sp>
-        <p:nvSpPr>
-          <p:cNvPr id="5" name="Slide Number Placeholder 4">
-            <a:extLst>
-              <a:ext uri="{FF2B5EF4-FFF2-40B4-BE49-F238E27FC236}">
-                <a16:creationId xmlns:a16="http://schemas.microsoft.com/office/drawing/2014/main" id="{69603E78-2C21-491E-BE2C-0386025767F9}"/>
-              </a:ext>
-            </a:extLst>
-          </p:cNvPr>
-          <p:cNvSpPr>
-            <a:spLocks noGrp="1"/>
-          </p:cNvSpPr>
-          <p:nvPr>
-            <p:ph type="sldNum" sz="quarter" idx="12"/>
-          </p:nvPr>
-        </p:nvSpPr>
-        <p:spPr/>
-        <p:txBody>
-          <a:bodyPr/>
-          <a:lstStyle/>
-          <a:p>
-            <a:fld id="{D57F1E4F-1CFF-5643-939E-217C01CDF565}" type="slidenum">
-              <a:rPr lang="en-US" smtClean="0"/>
-              <a:pPr/>
-              <a:t>12</a:t>
-            </a:fld>
-            <a:endParaRPr lang="en-US" dirty="0"/>
-          </a:p>
-        </p:txBody>
-      </p:sp>
-    </p:spTree>
-    <p:extLst>
-      <p:ext uri="{BB962C8B-B14F-4D97-AF65-F5344CB8AC3E}">
-        <p14:creationId xmlns:p14="http://schemas.microsoft.com/office/powerpoint/2010/main" val="2210262529"/>
-      </p:ext>
-    </p:extLst>
-  </p:cSld>
-  <p:clrMapOvr>
-    <a:masterClrMapping/>
-  </p:clrMapOvr>
-</p:sld>
-</file>
-
-<file path=ppt/slides/slide13.xml><?xml version="1.0" encoding="utf-8"?>
-<p:sld xmlns:a="http://schemas.openxmlformats.org/drawingml/2006/main" xmlns:r="http://schemas.openxmlformats.org/officeDocument/2006/relationships" xmlns:p="http://schemas.openxmlformats.org/presentationml/2006/main">
-  <p:cSld>
-    <p:spTree>
-      <p:nvGrpSpPr>
-        <p:cNvPr id="1" name=""/>
-        <p:cNvGrpSpPr/>
-        <p:nvPr/>
-      </p:nvGrpSpPr>
-      <p:grpSpPr>
-        <a:xfrm>
-          <a:off x="0" y="0"/>
-          <a:ext cx="0" cy="0"/>
-          <a:chOff x="0" y="0"/>
-          <a:chExt cx="0" cy="0"/>
-        </a:xfrm>
-      </p:grpSpPr>
-      <p:sp>
-        <p:nvSpPr>
-          <p:cNvPr id="2" name="Title 1">
-            <a:extLst>
-              <a:ext uri="{FF2B5EF4-FFF2-40B4-BE49-F238E27FC236}">
-                <a16:creationId xmlns:a16="http://schemas.microsoft.com/office/drawing/2014/main" id="{44F9F879-CBA5-4ED2-BB95-1C047BBD2BCF}"/>
-              </a:ext>
-            </a:extLst>
-          </p:cNvPr>
-          <p:cNvSpPr>
-            <a:spLocks noGrp="1"/>
-          </p:cNvSpPr>
-          <p:nvPr>
-            <p:ph type="title"/>
-          </p:nvPr>
-        </p:nvSpPr>
-        <p:spPr/>
-        <p:txBody>
-          <a:bodyPr/>
-          <a:lstStyle/>
-          <a:p>
-            <a:r>
-              <a:rPr lang="en-IN" dirty="0"/>
-              <a:t>Chi-Square test</a:t>
-            </a:r>
-          </a:p>
-        </p:txBody>
-      </p:sp>
-      <p:sp>
-        <p:nvSpPr>
-          <p:cNvPr id="3" name="Content Placeholder 2">
-            <a:extLst>
-              <a:ext uri="{FF2B5EF4-FFF2-40B4-BE49-F238E27FC236}">
-                <a16:creationId xmlns:a16="http://schemas.microsoft.com/office/drawing/2014/main" id="{85301E6B-5812-479E-AC3E-AC14349C5CC9}"/>
-              </a:ext>
-            </a:extLst>
-          </p:cNvPr>
-          <p:cNvSpPr>
-            <a:spLocks noGrp="1"/>
-          </p:cNvSpPr>
-          <p:nvPr>
-            <p:ph idx="1"/>
-          </p:nvPr>
-        </p:nvSpPr>
-        <p:spPr/>
-        <p:txBody>
-          <a:bodyPr/>
-          <a:lstStyle/>
-          <a:p>
-            <a:r>
-              <a:rPr lang="en-IN" dirty="0"/>
-              <a:t>It assists us in determining whether a systematic association exists between the two variables. </a:t>
-            </a:r>
-          </a:p>
-          <a:p>
-            <a:r>
-              <a:rPr lang="en-IN" dirty="0"/>
-              <a:t>It’s a skewed distribution whose shape depends on the number of degree of freedom.</a:t>
-            </a:r>
-          </a:p>
-          <a:p>
-            <a:r>
-              <a:rPr lang="en-IN" dirty="0"/>
-              <a:t>The analysis should not be conducted if the theoretical frequencies in any cell less than 5</a:t>
-            </a:r>
-          </a:p>
-        </p:txBody>
-      </p:sp>
-      <p:sp>
-        <p:nvSpPr>
-          <p:cNvPr id="5" name="Slide Number Placeholder 4">
-            <a:extLst>
-              <a:ext uri="{FF2B5EF4-FFF2-40B4-BE49-F238E27FC236}">
-                <a16:creationId xmlns:a16="http://schemas.microsoft.com/office/drawing/2014/main" id="{DB1F666D-F61B-4AA6-B2F2-D6B7470053EB}"/>
-              </a:ext>
-            </a:extLst>
-          </p:cNvPr>
-          <p:cNvSpPr>
-            <a:spLocks noGrp="1"/>
-          </p:cNvSpPr>
-          <p:nvPr>
-            <p:ph type="sldNum" sz="quarter" idx="12"/>
-          </p:nvPr>
-        </p:nvSpPr>
-        <p:spPr/>
-        <p:txBody>
-          <a:bodyPr/>
-          <a:lstStyle/>
-          <a:p>
-            <a:fld id="{D57F1E4F-1CFF-5643-939E-217C01CDF565}" type="slidenum">
-              <a:rPr lang="en-US" smtClean="0"/>
-              <a:pPr/>
-              <a:t>13</a:t>
-            </a:fld>
-            <a:endParaRPr lang="en-US" dirty="0"/>
-          </a:p>
-        </p:txBody>
-      </p:sp>
-    </p:spTree>
-    <p:extLst>
-      <p:ext uri="{BB962C8B-B14F-4D97-AF65-F5344CB8AC3E}">
-        <p14:creationId xmlns:p14="http://schemas.microsoft.com/office/powerpoint/2010/main" val="1152450434"/>
-      </p:ext>
-    </p:extLst>
-  </p:cSld>
-  <p:clrMapOvr>
-    <a:masterClrMapping/>
-  </p:clrMapOvr>
-</p:sld>
-</file>
-
-<file path=ppt/slides/slide14.xml><?xml version="1.0" encoding="utf-8"?>
-<p:sld xmlns:a="http://schemas.openxmlformats.org/drawingml/2006/main" xmlns:r="http://schemas.openxmlformats.org/officeDocument/2006/relationships" xmlns:p="http://schemas.openxmlformats.org/presentationml/2006/main">
-  <p:cSld>
-    <p:spTree>
-      <p:nvGrpSpPr>
-        <p:cNvPr id="1" name=""/>
-        <p:cNvGrpSpPr/>
-        <p:nvPr/>
-      </p:nvGrpSpPr>
-      <p:grpSpPr>
-        <a:xfrm>
-          <a:off x="0" y="0"/>
-          <a:ext cx="0" cy="0"/>
-          <a:chOff x="0" y="0"/>
-          <a:chExt cx="0" cy="0"/>
-        </a:xfrm>
-      </p:grpSpPr>
-      <p:sp>
-        <p:nvSpPr>
-          <p:cNvPr id="2" name="Title 1">
-            <a:extLst>
-              <a:ext uri="{FF2B5EF4-FFF2-40B4-BE49-F238E27FC236}">
-                <a16:creationId xmlns:a16="http://schemas.microsoft.com/office/drawing/2014/main" id="{37C378D4-AA49-4A5E-AB45-85B17F521DB8}"/>
-              </a:ext>
-            </a:extLst>
-          </p:cNvPr>
-          <p:cNvSpPr>
-            <a:spLocks noGrp="1"/>
-          </p:cNvSpPr>
-          <p:nvPr>
-            <p:ph type="title"/>
-          </p:nvPr>
-        </p:nvSpPr>
-        <p:spPr/>
-        <p:txBody>
-          <a:bodyPr/>
-          <a:lstStyle/>
-          <a:p>
-            <a:r>
-              <a:rPr lang="en-IN" dirty="0" err="1"/>
-              <a:t>Anova</a:t>
-            </a:r>
-            <a:endParaRPr lang="en-IN" dirty="0"/>
-          </a:p>
-        </p:txBody>
-      </p:sp>
-      <p:sp>
-        <p:nvSpPr>
-          <p:cNvPr id="3" name="Content Placeholder 2">
-            <a:extLst>
-              <a:ext uri="{FF2B5EF4-FFF2-40B4-BE49-F238E27FC236}">
-                <a16:creationId xmlns:a16="http://schemas.microsoft.com/office/drawing/2014/main" id="{EA6E06F9-C34A-47AD-B06E-F1DFE7F78A49}"/>
-              </a:ext>
-            </a:extLst>
-          </p:cNvPr>
-          <p:cNvSpPr>
-            <a:spLocks noGrp="1"/>
-          </p:cNvSpPr>
-          <p:nvPr>
-            <p:ph idx="1"/>
-          </p:nvPr>
-        </p:nvSpPr>
-        <p:spPr/>
-        <p:txBody>
-          <a:bodyPr/>
-          <a:lstStyle/>
-          <a:p>
-            <a:r>
-              <a:rPr lang="en-IN" dirty="0"/>
-              <a:t>A statistical technique for examining the difference among mean for two or more population. </a:t>
-            </a:r>
-          </a:p>
-          <a:p>
-            <a:r>
-              <a:rPr lang="en-IN" dirty="0"/>
-              <a:t>Here the dependent variable is metric and independent variables are categorical. </a:t>
-            </a:r>
-          </a:p>
-          <a:p>
-            <a:r>
-              <a:rPr lang="en-IN" dirty="0"/>
-              <a:t>One-way </a:t>
-            </a:r>
-            <a:r>
-              <a:rPr lang="en-IN" dirty="0" err="1"/>
-              <a:t>Anova</a:t>
-            </a:r>
-            <a:r>
-              <a:rPr lang="en-IN" dirty="0"/>
-              <a:t> – When there is only one factor.</a:t>
-            </a:r>
-          </a:p>
-        </p:txBody>
-      </p:sp>
-      <p:sp>
-        <p:nvSpPr>
-          <p:cNvPr id="5" name="Slide Number Placeholder 4">
-            <a:extLst>
-              <a:ext uri="{FF2B5EF4-FFF2-40B4-BE49-F238E27FC236}">
-                <a16:creationId xmlns:a16="http://schemas.microsoft.com/office/drawing/2014/main" id="{467950AA-690B-4AA7-BF1E-AA0C41EBC209}"/>
-              </a:ext>
-            </a:extLst>
-          </p:cNvPr>
-          <p:cNvSpPr>
-            <a:spLocks noGrp="1"/>
-          </p:cNvSpPr>
-          <p:nvPr>
-            <p:ph type="sldNum" sz="quarter" idx="12"/>
-          </p:nvPr>
-        </p:nvSpPr>
-        <p:spPr/>
-        <p:txBody>
-          <a:bodyPr/>
-          <a:lstStyle/>
-          <a:p>
-            <a:fld id="{D57F1E4F-1CFF-5643-939E-217C01CDF565}" type="slidenum">
-              <a:rPr lang="en-US" smtClean="0"/>
-              <a:pPr/>
-              <a:t>14</a:t>
-            </a:fld>
-            <a:endParaRPr lang="en-US" dirty="0"/>
-          </a:p>
-        </p:txBody>
-      </p:sp>
-    </p:spTree>
-    <p:extLst>
-      <p:ext uri="{BB962C8B-B14F-4D97-AF65-F5344CB8AC3E}">
-        <p14:creationId xmlns:p14="http://schemas.microsoft.com/office/powerpoint/2010/main" val="1654247509"/>
-      </p:ext>
-    </p:extLst>
-  </p:cSld>
-  <p:clrMapOvr>
-    <a:masterClrMapping/>
-  </p:clrMapOvr>
-</p:sld>
-</file>
-
-<file path=ppt/slides/slide15.xml><?xml version="1.0" encoding="utf-8"?>
-<p:sld xmlns:a="http://schemas.openxmlformats.org/drawingml/2006/main" xmlns:r="http://schemas.openxmlformats.org/officeDocument/2006/relationships" xmlns:p="http://schemas.openxmlformats.org/presentationml/2006/main">
-  <p:cSld>
-    <p:spTree>
-      <p:nvGrpSpPr>
-        <p:cNvPr id="1" name=""/>
-        <p:cNvGrpSpPr/>
-        <p:nvPr/>
-      </p:nvGrpSpPr>
-      <p:grpSpPr>
-        <a:xfrm>
-          <a:off x="0" y="0"/>
-          <a:ext cx="0" cy="0"/>
-          <a:chOff x="0" y="0"/>
-          <a:chExt cx="0" cy="0"/>
-        </a:xfrm>
-      </p:grpSpPr>
-      <p:sp>
-        <p:nvSpPr>
-          <p:cNvPr id="2" name="Title 1">
-            <a:extLst>
-              <a:ext uri="{FF2B5EF4-FFF2-40B4-BE49-F238E27FC236}">
-                <a16:creationId xmlns:a16="http://schemas.microsoft.com/office/drawing/2014/main" id="{6094FC42-046A-4A90-AF3D-E5CCEF581FBA}"/>
-              </a:ext>
-            </a:extLst>
-          </p:cNvPr>
-          <p:cNvSpPr>
-            <a:spLocks noGrp="1"/>
-          </p:cNvSpPr>
-          <p:nvPr>
-            <p:ph type="title"/>
-          </p:nvPr>
-        </p:nvSpPr>
-        <p:spPr/>
-        <p:txBody>
-          <a:bodyPr/>
-          <a:lstStyle/>
-          <a:p>
-            <a:r>
-              <a:rPr lang="en-IN" dirty="0"/>
-              <a:t>Covariance</a:t>
-            </a:r>
-          </a:p>
-        </p:txBody>
-      </p:sp>
-      <p:sp>
-        <p:nvSpPr>
-          <p:cNvPr id="3" name="Content Placeholder 2">
-            <a:extLst>
-              <a:ext uri="{FF2B5EF4-FFF2-40B4-BE49-F238E27FC236}">
-                <a16:creationId xmlns:a16="http://schemas.microsoft.com/office/drawing/2014/main" id="{6669E41B-B378-4315-9511-08E80EB6F9A7}"/>
-              </a:ext>
-            </a:extLst>
-          </p:cNvPr>
-          <p:cNvSpPr>
-            <a:spLocks noGrp="1"/>
-          </p:cNvSpPr>
-          <p:nvPr>
-            <p:ph idx="1"/>
-          </p:nvPr>
-        </p:nvSpPr>
-        <p:spPr/>
-        <p:txBody>
-          <a:bodyPr/>
-          <a:lstStyle/>
-          <a:p>
-            <a:r>
-              <a:rPr lang="en-IN" dirty="0"/>
-              <a:t>The covariance of two variables x and y in a data sample measures how the two variables are linearly related and it is a measure of how much two random variables change together</a:t>
-            </a:r>
-          </a:p>
-          <a:p>
-            <a:r>
-              <a:rPr lang="en-IN" dirty="0"/>
-              <a:t>A positive covariance would indicates a positive linear relationship between the variables, and a negative covariance would indicate the opposite.</a:t>
-            </a:r>
-          </a:p>
-          <a:p>
-            <a:endParaRPr lang="en-IN" dirty="0"/>
-          </a:p>
-          <a:p>
-            <a:endParaRPr lang="en-IN" dirty="0"/>
-          </a:p>
-        </p:txBody>
-      </p:sp>
-      <p:pic>
-        <p:nvPicPr>
-          <p:cNvPr id="4" name="Picture 3">
-            <a:extLst>
-              <a:ext uri="{FF2B5EF4-FFF2-40B4-BE49-F238E27FC236}">
-                <a16:creationId xmlns:a16="http://schemas.microsoft.com/office/drawing/2014/main" id="{D0F8E17E-C81C-4F5B-9E4F-41D2647F6235}"/>
-              </a:ext>
-            </a:extLst>
-          </p:cNvPr>
-          <p:cNvPicPr>
-            <a:picLocks noChangeAspect="1"/>
-          </p:cNvPicPr>
-          <p:nvPr/>
-        </p:nvPicPr>
-        <p:blipFill>
-          <a:blip r:embed="rId2"/>
-          <a:stretch>
-            <a:fillRect/>
-          </a:stretch>
-        </p:blipFill>
-        <p:spPr>
-          <a:xfrm>
-            <a:off x="1453495" y="4208822"/>
-            <a:ext cx="6362700" cy="1419225"/>
-          </a:xfrm>
-          <a:prstGeom prst="rect">
-            <a:avLst/>
-          </a:prstGeom>
-        </p:spPr>
-      </p:pic>
-      <p:sp>
-        <p:nvSpPr>
-          <p:cNvPr id="6" name="Slide Number Placeholder 5">
-            <a:extLst>
-              <a:ext uri="{FF2B5EF4-FFF2-40B4-BE49-F238E27FC236}">
-                <a16:creationId xmlns:a16="http://schemas.microsoft.com/office/drawing/2014/main" id="{B2183F79-3FAA-4104-ABE1-FA9A29BD65B4}"/>
-              </a:ext>
-            </a:extLst>
-          </p:cNvPr>
-          <p:cNvSpPr>
-            <a:spLocks noGrp="1"/>
-          </p:cNvSpPr>
-          <p:nvPr>
-            <p:ph type="sldNum" sz="quarter" idx="12"/>
-          </p:nvPr>
-        </p:nvSpPr>
-        <p:spPr/>
-        <p:txBody>
-          <a:bodyPr/>
-          <a:lstStyle/>
-          <a:p>
-            <a:fld id="{D57F1E4F-1CFF-5643-939E-217C01CDF565}" type="slidenum">
-              <a:rPr lang="en-US" smtClean="0"/>
-              <a:pPr/>
-              <a:t>15</a:t>
-            </a:fld>
-            <a:endParaRPr lang="en-US" dirty="0"/>
-          </a:p>
-        </p:txBody>
-      </p:sp>
-    </p:spTree>
-    <p:extLst>
-      <p:ext uri="{BB962C8B-B14F-4D97-AF65-F5344CB8AC3E}">
-        <p14:creationId xmlns:p14="http://schemas.microsoft.com/office/powerpoint/2010/main" val="4247499872"/>
-      </p:ext>
-    </p:extLst>
-  </p:cSld>
-  <p:clrMapOvr>
-    <a:masterClrMapping/>
-  </p:clrMapOvr>
-</p:sld>
-</file>
-
-<file path=ppt/slides/slide16.xml><?xml version="1.0" encoding="utf-8"?>
-<p:sld xmlns:a="http://schemas.openxmlformats.org/drawingml/2006/main" xmlns:r="http://schemas.openxmlformats.org/officeDocument/2006/relationships" xmlns:p="http://schemas.openxmlformats.org/presentationml/2006/main">
-  <p:cSld>
-    <p:bg>
-      <p:bgPr>
-        <a:solidFill>
-          <a:schemeClr val="bg1"/>
-        </a:solidFill>
-        <a:effectLst/>
-      </p:bgPr>
-    </p:bg>
-    <p:spTree>
-      <p:nvGrpSpPr>
-        <p:cNvPr id="1" name=""/>
-        <p:cNvGrpSpPr/>
-        <p:nvPr/>
-      </p:nvGrpSpPr>
-      <p:grpSpPr>
-        <a:xfrm>
-          <a:off x="0" y="0"/>
-          <a:ext cx="0" cy="0"/>
-          <a:chOff x="0" y="0"/>
-          <a:chExt cx="0" cy="0"/>
-        </a:xfrm>
-      </p:grpSpPr>
-      <p:sp>
-        <p:nvSpPr>
-          <p:cNvPr id="2" name="Title 1">
-            <a:extLst>
-              <a:ext uri="{FF2B5EF4-FFF2-40B4-BE49-F238E27FC236}">
-                <a16:creationId xmlns:a16="http://schemas.microsoft.com/office/drawing/2014/main" id="{AE855D1D-FB59-46DF-A180-1BA2099A2CEC}"/>
-              </a:ext>
-            </a:extLst>
-          </p:cNvPr>
-          <p:cNvSpPr>
-            <a:spLocks noGrp="1"/>
-          </p:cNvSpPr>
-          <p:nvPr>
-            <p:ph type="title"/>
-          </p:nvPr>
-        </p:nvSpPr>
-        <p:spPr>
-          <a:xfrm>
-            <a:off x="677334" y="609600"/>
-            <a:ext cx="8596668" cy="1320800"/>
-          </a:xfrm>
-        </p:spPr>
-        <p:txBody>
-          <a:bodyPr anchor="t">
-            <a:normAutofit/>
-          </a:bodyPr>
-          <a:lstStyle/>
-          <a:p>
-            <a:r>
-              <a:rPr lang="en-IN" dirty="0"/>
-              <a:t>Correlation</a:t>
-            </a:r>
-          </a:p>
-        </p:txBody>
-      </p:sp>
-      <p:pic>
-        <p:nvPicPr>
-          <p:cNvPr id="4" name="Picture 3">
-            <a:extLst>
-              <a:ext uri="{FF2B5EF4-FFF2-40B4-BE49-F238E27FC236}">
-                <a16:creationId xmlns:a16="http://schemas.microsoft.com/office/drawing/2014/main" id="{16307308-7A7F-4522-A80C-4F24FB04212E}"/>
-              </a:ext>
-            </a:extLst>
-          </p:cNvPr>
-          <p:cNvPicPr>
-            <a:picLocks noChangeAspect="1"/>
-          </p:cNvPicPr>
-          <p:nvPr/>
-        </p:nvPicPr>
-        <p:blipFill>
-          <a:blip r:embed="rId2"/>
-          <a:stretch>
-            <a:fillRect/>
-          </a:stretch>
-        </p:blipFill>
-        <p:spPr>
-          <a:xfrm>
-            <a:off x="817474" y="2159331"/>
-            <a:ext cx="5283289" cy="1135906"/>
-          </a:xfrm>
-          <a:prstGeom prst="rect">
-            <a:avLst/>
-          </a:prstGeom>
-        </p:spPr>
-      </p:pic>
-      <p:sp>
-        <p:nvSpPr>
-          <p:cNvPr id="3" name="Content Placeholder 2">
-            <a:extLst>
-              <a:ext uri="{FF2B5EF4-FFF2-40B4-BE49-F238E27FC236}">
-                <a16:creationId xmlns:a16="http://schemas.microsoft.com/office/drawing/2014/main" id="{19D355BC-D549-4773-BD9C-D94930ABC376}"/>
-              </a:ext>
-            </a:extLst>
-          </p:cNvPr>
-          <p:cNvSpPr>
-            <a:spLocks noGrp="1"/>
-          </p:cNvSpPr>
-          <p:nvPr>
-            <p:ph idx="1"/>
-          </p:nvPr>
-        </p:nvSpPr>
-        <p:spPr>
-          <a:xfrm>
-            <a:off x="6416039" y="2160589"/>
-            <a:ext cx="2927185" cy="3880773"/>
-          </a:xfrm>
-        </p:spPr>
-        <p:txBody>
-          <a:bodyPr>
-            <a:normAutofit/>
-          </a:bodyPr>
-          <a:lstStyle/>
-          <a:p>
-            <a:r>
-              <a:rPr lang="en-IN" sz="1500"/>
-              <a:t>Correlation is a statistical technique that can show whether and how strongly pairs of variables are related</a:t>
-            </a:r>
-          </a:p>
-          <a:p>
-            <a:r>
-              <a:rPr lang="en-IN" sz="1500"/>
-              <a:t>It is a scaled version of covariance and values ranges from -1 to +1</a:t>
-            </a:r>
-          </a:p>
-          <a:p>
-            <a:endParaRPr lang="en-IN" sz="1500"/>
-          </a:p>
-        </p:txBody>
-      </p:sp>
-      <p:sp>
-        <p:nvSpPr>
-          <p:cNvPr id="6" name="Slide Number Placeholder 5">
-            <a:extLst>
-              <a:ext uri="{FF2B5EF4-FFF2-40B4-BE49-F238E27FC236}">
-                <a16:creationId xmlns:a16="http://schemas.microsoft.com/office/drawing/2014/main" id="{A481C620-E051-4001-BE0A-567AFFB756F3}"/>
-              </a:ext>
-            </a:extLst>
-          </p:cNvPr>
-          <p:cNvSpPr>
-            <a:spLocks noGrp="1"/>
-          </p:cNvSpPr>
-          <p:nvPr>
-            <p:ph type="sldNum" sz="quarter" idx="12"/>
-          </p:nvPr>
-        </p:nvSpPr>
-        <p:spPr/>
-        <p:txBody>
-          <a:bodyPr/>
-          <a:lstStyle/>
-          <a:p>
-            <a:fld id="{D57F1E4F-1CFF-5643-939E-217C01CDF565}" type="slidenum">
-              <a:rPr lang="en-US" smtClean="0"/>
-              <a:pPr/>
-              <a:t>16</a:t>
-            </a:fld>
-            <a:endParaRPr lang="en-US" dirty="0"/>
-          </a:p>
-        </p:txBody>
-      </p:sp>
-    </p:spTree>
-    <p:extLst>
-      <p:ext uri="{BB962C8B-B14F-4D97-AF65-F5344CB8AC3E}">
-        <p14:creationId xmlns:p14="http://schemas.microsoft.com/office/powerpoint/2010/main" val="708340516"/>
-      </p:ext>
-    </p:extLst>
-  </p:cSld>
-  <p:clrMapOvr>
-    <a:masterClrMapping/>
-  </p:clrMapOvr>
-</p:sld>
-</file>
-
-<file path=ppt/slides/slide17.xml><?xml version="1.0" encoding="utf-8"?>
-<p:sld xmlns:a="http://schemas.openxmlformats.org/drawingml/2006/main" xmlns:r="http://schemas.openxmlformats.org/officeDocument/2006/relationships" xmlns:p="http://schemas.openxmlformats.org/presentationml/2006/main">
-  <p:cSld>
-    <p:spTree>
-      <p:nvGrpSpPr>
-        <p:cNvPr id="1" name=""/>
-        <p:cNvGrpSpPr/>
-        <p:nvPr/>
-      </p:nvGrpSpPr>
-      <p:grpSpPr>
-        <a:xfrm>
-          <a:off x="0" y="0"/>
-          <a:ext cx="0" cy="0"/>
-          <a:chOff x="0" y="0"/>
-          <a:chExt cx="0" cy="0"/>
-        </a:xfrm>
-      </p:grpSpPr>
-      <p:sp>
-        <p:nvSpPr>
-          <p:cNvPr id="2" name="Title 1">
-            <a:extLst>
-              <a:ext uri="{FF2B5EF4-FFF2-40B4-BE49-F238E27FC236}">
-                <a16:creationId xmlns:a16="http://schemas.microsoft.com/office/drawing/2014/main" id="{CCCDAC36-6B41-4E64-9D8B-EE16DD0C458F}"/>
-              </a:ext>
-            </a:extLst>
-          </p:cNvPr>
-          <p:cNvSpPr>
-            <a:spLocks noGrp="1"/>
-          </p:cNvSpPr>
-          <p:nvPr>
-            <p:ph type="title"/>
-          </p:nvPr>
-        </p:nvSpPr>
-        <p:spPr/>
-        <p:txBody>
-          <a:bodyPr/>
-          <a:lstStyle/>
-          <a:p>
-            <a:r>
-              <a:rPr lang="en-IN" dirty="0"/>
-              <a:t>Collinearity</a:t>
-            </a:r>
-          </a:p>
-        </p:txBody>
-      </p:sp>
-      <p:sp>
-        <p:nvSpPr>
-          <p:cNvPr id="3" name="Content Placeholder 2">
-            <a:extLst>
-              <a:ext uri="{FF2B5EF4-FFF2-40B4-BE49-F238E27FC236}">
-                <a16:creationId xmlns:a16="http://schemas.microsoft.com/office/drawing/2014/main" id="{CFDE6B62-D972-44E8-AABD-549B8A3C90AA}"/>
-              </a:ext>
-            </a:extLst>
-          </p:cNvPr>
-          <p:cNvSpPr>
-            <a:spLocks noGrp="1"/>
-          </p:cNvSpPr>
-          <p:nvPr>
-            <p:ph idx="1"/>
-          </p:nvPr>
-        </p:nvSpPr>
-        <p:spPr/>
-        <p:txBody>
-          <a:bodyPr/>
-          <a:lstStyle/>
-          <a:p>
-            <a:r>
-              <a:rPr lang="en-IN" dirty="0"/>
-              <a:t>Collinearity or Multicollinearity is the occurrence of several independent variables in a regression model are closely correlated to one another</a:t>
-            </a:r>
-          </a:p>
-          <a:p>
-            <a:r>
-              <a:rPr lang="en-IN" dirty="0"/>
-              <a:t>Collinearity tends to inflate the variance of at least one estimated regression coefficient.</a:t>
-            </a:r>
-          </a:p>
-          <a:p>
-            <a:r>
-              <a:rPr lang="en-IN" dirty="0"/>
-              <a:t>This can cause at least some regression coefficients to have the wrong sign</a:t>
-            </a:r>
-          </a:p>
-          <a:p>
-            <a:r>
-              <a:rPr lang="en-IN" dirty="0"/>
-              <a:t>Get rid of the redundant variables using a variable selection technique</a:t>
-            </a:r>
-          </a:p>
-        </p:txBody>
-      </p:sp>
-      <p:sp>
-        <p:nvSpPr>
-          <p:cNvPr id="5" name="Slide Number Placeholder 4">
-            <a:extLst>
-              <a:ext uri="{FF2B5EF4-FFF2-40B4-BE49-F238E27FC236}">
-                <a16:creationId xmlns:a16="http://schemas.microsoft.com/office/drawing/2014/main" id="{E700DB22-32D1-4723-80B9-DD7CCFC84190}"/>
-              </a:ext>
-            </a:extLst>
-          </p:cNvPr>
-          <p:cNvSpPr>
-            <a:spLocks noGrp="1"/>
-          </p:cNvSpPr>
-          <p:nvPr>
-            <p:ph type="sldNum" sz="quarter" idx="12"/>
-          </p:nvPr>
-        </p:nvSpPr>
-        <p:spPr/>
-        <p:txBody>
-          <a:bodyPr/>
-          <a:lstStyle/>
-          <a:p>
-            <a:fld id="{D57F1E4F-1CFF-5643-939E-217C01CDF565}" type="slidenum">
-              <a:rPr lang="en-US" smtClean="0"/>
-              <a:pPr/>
-              <a:t>17</a:t>
-            </a:fld>
-            <a:endParaRPr lang="en-US" dirty="0"/>
-          </a:p>
-        </p:txBody>
-      </p:sp>
-    </p:spTree>
-    <p:extLst>
-      <p:ext uri="{BB962C8B-B14F-4D97-AF65-F5344CB8AC3E}">
-        <p14:creationId xmlns:p14="http://schemas.microsoft.com/office/powerpoint/2010/main" val="1430282002"/>
-      </p:ext>
-    </p:extLst>
-  </p:cSld>
-  <p:clrMapOvr>
-    <a:masterClrMapping/>
-  </p:clrMapOvr>
-</p:sld>
-</file>
-
-<file path=ppt/slides/slide18.xml><?xml version="1.0" encoding="utf-8"?>
-<p:sld xmlns:a="http://schemas.openxmlformats.org/drawingml/2006/main" xmlns:r="http://schemas.openxmlformats.org/officeDocument/2006/relationships" xmlns:p="http://schemas.openxmlformats.org/presentationml/2006/main">
-  <p:cSld>
-    <p:spTree>
-      <p:nvGrpSpPr>
-        <p:cNvPr id="1" name=""/>
-        <p:cNvGrpSpPr/>
-        <p:nvPr/>
-      </p:nvGrpSpPr>
-      <p:grpSpPr>
-        <a:xfrm>
-          <a:off x="0" y="0"/>
-          <a:ext cx="0" cy="0"/>
-          <a:chOff x="0" y="0"/>
-          <a:chExt cx="0" cy="0"/>
-        </a:xfrm>
-      </p:grpSpPr>
-      <p:sp>
-        <p:nvSpPr>
-          <p:cNvPr id="2" name="Title 1">
-            <a:extLst>
-              <a:ext uri="{FF2B5EF4-FFF2-40B4-BE49-F238E27FC236}">
-                <a16:creationId xmlns:a16="http://schemas.microsoft.com/office/drawing/2014/main" id="{F303301B-54E2-4D35-A54F-AFF5B03F4C9C}"/>
-              </a:ext>
-            </a:extLst>
-          </p:cNvPr>
-          <p:cNvSpPr>
-            <a:spLocks noGrp="1"/>
-          </p:cNvSpPr>
-          <p:nvPr>
-            <p:ph type="title"/>
-          </p:nvPr>
-        </p:nvSpPr>
-        <p:spPr>
-          <a:xfrm>
-            <a:off x="1092114" y="2881460"/>
-            <a:ext cx="8596668" cy="1320800"/>
-          </a:xfrm>
-        </p:spPr>
-        <p:txBody>
-          <a:bodyPr/>
-          <a:lstStyle/>
-          <a:p>
-            <a:r>
-              <a:rPr lang="en-IN" dirty="0"/>
-              <a:t>							Thank You</a:t>
-            </a:r>
-          </a:p>
-        </p:txBody>
-      </p:sp>
-      <p:sp>
-        <p:nvSpPr>
-          <p:cNvPr id="4" name="Slide Number Placeholder 3">
-            <a:extLst>
-              <a:ext uri="{FF2B5EF4-FFF2-40B4-BE49-F238E27FC236}">
-                <a16:creationId xmlns:a16="http://schemas.microsoft.com/office/drawing/2014/main" id="{DAE025FB-CAC8-4746-A338-BAAFC9992CDE}"/>
-              </a:ext>
-            </a:extLst>
-          </p:cNvPr>
-          <p:cNvSpPr>
-            <a:spLocks noGrp="1"/>
-          </p:cNvSpPr>
-          <p:nvPr>
-            <p:ph type="sldNum" sz="quarter" idx="12"/>
-          </p:nvPr>
-        </p:nvSpPr>
-        <p:spPr/>
-        <p:txBody>
-          <a:bodyPr/>
-          <a:lstStyle/>
-          <a:p>
-            <a:fld id="{D57F1E4F-1CFF-5643-939E-217C01CDF565}" type="slidenum">
-              <a:rPr lang="en-US" smtClean="0"/>
-              <a:pPr/>
-              <a:t>18</a:t>
-            </a:fld>
-            <a:endParaRPr lang="en-US" dirty="0"/>
-          </a:p>
-        </p:txBody>
-      </p:sp>
-    </p:spTree>
-    <p:extLst>
-      <p:ext uri="{BB962C8B-B14F-4D97-AF65-F5344CB8AC3E}">
-        <p14:creationId xmlns:p14="http://schemas.microsoft.com/office/powerpoint/2010/main" val="902526157"/>
-      </p:ext>
-    </p:extLst>
-  </p:cSld>
-  <p:clrMapOvr>
-    <a:masterClrMapping/>
-  </p:clrMapOvr>
-</p:sld>
-</file>
-
-<file path=ppt/slides/slide2.xml><?xml version="1.0" encoding="utf-8"?>
-<p:sld xmlns:a="http://schemas.openxmlformats.org/drawingml/2006/main" xmlns:r="http://schemas.openxmlformats.org/officeDocument/2006/relationships" xmlns:p="http://schemas.openxmlformats.org/presentationml/2006/main">
-  <p:cSld>
-    <p:spTree>
-      <p:nvGrpSpPr>
-        <p:cNvPr id="1" name=""/>
-        <p:cNvGrpSpPr/>
-        <p:nvPr/>
-      </p:nvGrpSpPr>
-      <p:grpSpPr>
-        <a:xfrm>
-          <a:off x="0" y="0"/>
-          <a:ext cx="0" cy="0"/>
-          <a:chOff x="0" y="0"/>
-          <a:chExt cx="0" cy="0"/>
-        </a:xfrm>
-      </p:grpSpPr>
-      <p:sp>
-        <p:nvSpPr>
-          <p:cNvPr id="2" name="Title 1">
-            <a:extLst>
-              <a:ext uri="{FF2B5EF4-FFF2-40B4-BE49-F238E27FC236}">
-                <a16:creationId xmlns:a16="http://schemas.microsoft.com/office/drawing/2014/main" id="{3E0E4F1A-CC75-426F-9C98-ACC97EA0D9C7}"/>
-              </a:ext>
-            </a:extLst>
-          </p:cNvPr>
-          <p:cNvSpPr>
-            <a:spLocks noGrp="1"/>
-          </p:cNvSpPr>
-          <p:nvPr>
-            <p:ph type="title"/>
-          </p:nvPr>
-        </p:nvSpPr>
-        <p:spPr/>
-        <p:txBody>
-          <a:bodyPr/>
-          <a:lstStyle/>
-          <a:p>
-            <a:r>
-              <a:rPr lang="en-IN" dirty="0"/>
-              <a:t>Topics Covered</a:t>
-            </a:r>
-          </a:p>
-        </p:txBody>
-      </p:sp>
-      <p:sp>
-        <p:nvSpPr>
-          <p:cNvPr id="3" name="Content Placeholder 2">
-            <a:extLst>
-              <a:ext uri="{FF2B5EF4-FFF2-40B4-BE49-F238E27FC236}">
-                <a16:creationId xmlns:a16="http://schemas.microsoft.com/office/drawing/2014/main" id="{BAA4EAF4-61FA-4819-B641-D744D46348A6}"/>
-              </a:ext>
-            </a:extLst>
-          </p:cNvPr>
-          <p:cNvSpPr>
-            <a:spLocks noGrp="1"/>
-          </p:cNvSpPr>
-          <p:nvPr>
-            <p:ph idx="1"/>
-          </p:nvPr>
-        </p:nvSpPr>
-        <p:spPr>
-          <a:xfrm>
-            <a:off x="677334" y="1480008"/>
-            <a:ext cx="8596668" cy="4768391"/>
-          </a:xfrm>
-        </p:spPr>
-        <p:txBody>
-          <a:bodyPr>
-            <a:normAutofit fontScale="92500" lnSpcReduction="10000"/>
-          </a:bodyPr>
-          <a:lstStyle/>
-          <a:p>
-            <a:r>
-              <a:rPr lang="en-IN" dirty="0"/>
-              <a:t>Measure Of Location</a:t>
-            </a:r>
-          </a:p>
-          <a:p>
-            <a:r>
-              <a:rPr lang="en-IN" dirty="0"/>
-              <a:t>Measure of Variability</a:t>
-            </a:r>
-          </a:p>
-          <a:p>
-            <a:r>
-              <a:rPr lang="en-IN" dirty="0"/>
-              <a:t>Measure of Shape</a:t>
-            </a:r>
-          </a:p>
-          <a:p>
-            <a:r>
-              <a:rPr lang="en-IN" dirty="0"/>
-              <a:t>Random Variables</a:t>
-            </a:r>
-          </a:p>
-          <a:p>
-            <a:r>
-              <a:rPr lang="en-IN" dirty="0"/>
-              <a:t>Measure of Scale</a:t>
-            </a:r>
-          </a:p>
-          <a:p>
-            <a:r>
-              <a:rPr lang="en-IN" dirty="0"/>
-              <a:t>Normalisation/Standardization of Data</a:t>
-            </a:r>
-          </a:p>
+          <a:bodyPr/>
+          <a:lstStyle/>
           <a:p>
             <a:r>
               <a:rPr lang="en-IN" dirty="0"/>
               <a:t>Central Limit Theorem</a:t>
             </a:r>
           </a:p>
+        </p:txBody>
+      </p:sp>
+      <p:sp>
+        <p:nvSpPr>
+          <p:cNvPr id="3" name="Content Placeholder 2">
+            <a:extLst>
+              <a:ext uri="{FF2B5EF4-FFF2-40B4-BE49-F238E27FC236}">
+                <a16:creationId xmlns:a16="http://schemas.microsoft.com/office/drawing/2014/main" id="{300E1B41-9E60-4500-9873-7025C0FDD315}"/>
+              </a:ext>
+            </a:extLst>
+          </p:cNvPr>
+          <p:cNvSpPr>
+            <a:spLocks noGrp="1"/>
+          </p:cNvSpPr>
+          <p:nvPr>
+            <p:ph idx="1"/>
+          </p:nvPr>
+        </p:nvSpPr>
+        <p:spPr/>
+        <p:txBody>
+          <a:bodyPr/>
+          <a:lstStyle/>
           <a:p>
             <a:r>
               <a:rPr lang="en-IN" dirty="0"/>
-              <a:t>Confidence Interval</a:t>
-            </a:r>
+              <a:t> The sampling distribution of the sampling means approaches a normal distribution as the sample size gets larger, regardless of the shape of the population distribution.</a:t>
+            </a:r>
+          </a:p>
+          <a:p>
+            <a:endParaRPr lang="en-IN" dirty="0"/>
+          </a:p>
+          <a:p>
+            <a:endParaRPr lang="en-IN" dirty="0"/>
+          </a:p>
+          <a:p>
+            <a:endParaRPr lang="en-IN" dirty="0"/>
           </a:p>
           <a:p>
             <a:r>
               <a:rPr lang="en-IN" dirty="0"/>
-              <a:t>Test Statistic </a:t>
-            </a:r>
-          </a:p>
-          <a:p>
-            <a:r>
-              <a:rPr lang="en-IN" dirty="0"/>
-              <a:t>Hypothesis</a:t>
-            </a:r>
-          </a:p>
-          <a:p>
-            <a:r>
-              <a:rPr lang="en-IN" dirty="0"/>
-              <a:t>Analysis of Variance</a:t>
-            </a:r>
-          </a:p>
-          <a:p>
-            <a:r>
-              <a:rPr lang="en-IN" dirty="0"/>
-              <a:t>One Way Analysis of Variance</a:t>
-            </a:r>
-          </a:p>
-          <a:p>
-            <a:r>
-              <a:rPr lang="en-IN" dirty="0"/>
-              <a:t>Covariance, Correlation and Collinearity</a:t>
-            </a:r>
-          </a:p>
-          <a:p>
-            <a:endParaRPr lang="en-IN" dirty="0"/>
-          </a:p>
-          <a:p>
-            <a:endParaRPr lang="en-IN" dirty="0"/>
-          </a:p>
-          <a:p>
-            <a:endParaRPr lang="en-IN" dirty="0"/>
-          </a:p>
-        </p:txBody>
-      </p:sp>
-      <p:sp>
-        <p:nvSpPr>
-          <p:cNvPr id="5" name="Slide Number Placeholder 4">
+              <a:t>A Confidence Interval is a range of values we are fairly sure our true value lies in.</a:t>
+            </a:r>
+          </a:p>
+        </p:txBody>
+      </p:sp>
+      <p:sp>
+        <p:nvSpPr>
+          <p:cNvPr id="4" name="Title 1">
             <a:extLst>
               <a:ext uri="{FF2B5EF4-FFF2-40B4-BE49-F238E27FC236}">
-                <a16:creationId xmlns:a16="http://schemas.microsoft.com/office/drawing/2014/main" id="{E6ABC1AC-2CEC-4CC3-A6D0-24E19674C4B6}"/>
-              </a:ext>
-            </a:extLst>
-          </p:cNvPr>
-          <p:cNvSpPr>
-            <a:spLocks noGrp="1"/>
-          </p:cNvSpPr>
-          <p:nvPr>
-            <p:ph type="sldNum" sz="quarter" idx="12"/>
-          </p:nvPr>
-        </p:nvSpPr>
-        <p:spPr/>
-        <p:txBody>
-          <a:bodyPr/>
-          <a:lstStyle/>
-          <a:p>
-            <a:fld id="{D57F1E4F-1CFF-5643-939E-217C01CDF565}" type="slidenum">
-              <a:rPr lang="en-US" sz="1200" smtClean="0"/>
-              <a:pPr/>
-              <a:t>2</a:t>
-            </a:fld>
-            <a:endParaRPr lang="en-US" sz="1200" dirty="0"/>
-          </a:p>
-        </p:txBody>
-      </p:sp>
-    </p:spTree>
-    <p:extLst>
-      <p:ext uri="{BB962C8B-B14F-4D97-AF65-F5344CB8AC3E}">
-        <p14:creationId xmlns:p14="http://schemas.microsoft.com/office/powerpoint/2010/main" val="1583127510"/>
-      </p:ext>
-    </p:extLst>
-  </p:cSld>
-  <p:clrMapOvr>
-    <a:masterClrMapping/>
-  </p:clrMapOvr>
-</p:sld>
-</file>
-
-<file path=ppt/slides/slide3.xml><?xml version="1.0" encoding="utf-8"?>
-<p:sld xmlns:a="http://schemas.openxmlformats.org/drawingml/2006/main" xmlns:r="http://schemas.openxmlformats.org/officeDocument/2006/relationships" xmlns:p="http://schemas.openxmlformats.org/presentationml/2006/main">
-  <p:cSld>
-    <p:spTree>
-      <p:nvGrpSpPr>
-        <p:cNvPr id="1" name=""/>
-        <p:cNvGrpSpPr/>
-        <p:nvPr/>
-      </p:nvGrpSpPr>
-      <p:grpSpPr>
-        <a:xfrm>
-          <a:off x="0" y="0"/>
-          <a:ext cx="0" cy="0"/>
-          <a:chOff x="0" y="0"/>
-          <a:chExt cx="0" cy="0"/>
-        </a:xfrm>
-      </p:grpSpPr>
-      <p:sp>
-        <p:nvSpPr>
-          <p:cNvPr id="2" name="Title 1">
-            <a:extLst>
-              <a:ext uri="{FF2B5EF4-FFF2-40B4-BE49-F238E27FC236}">
-                <a16:creationId xmlns:a16="http://schemas.microsoft.com/office/drawing/2014/main" id="{74D2585C-D792-4293-98B8-D97158707A38}"/>
-              </a:ext>
-            </a:extLst>
-          </p:cNvPr>
-          <p:cNvSpPr>
-            <a:spLocks noGrp="1"/>
-          </p:cNvSpPr>
-          <p:nvPr>
-            <p:ph type="title"/>
-          </p:nvPr>
-        </p:nvSpPr>
-        <p:spPr/>
-        <p:txBody>
-          <a:bodyPr/>
-          <a:lstStyle/>
-          <a:p>
-            <a:r>
-              <a:rPr lang="en-IN" dirty="0"/>
-              <a:t>Measure of Location</a:t>
-            </a:r>
-          </a:p>
-        </p:txBody>
-      </p:sp>
-      <p:sp>
-        <p:nvSpPr>
-          <p:cNvPr id="3" name="Content Placeholder 2">
-            <a:extLst>
-              <a:ext uri="{FF2B5EF4-FFF2-40B4-BE49-F238E27FC236}">
-                <a16:creationId xmlns:a16="http://schemas.microsoft.com/office/drawing/2014/main" id="{C8B1116A-3031-4D45-86D8-D9BF91CCBDDA}"/>
-              </a:ext>
-            </a:extLst>
-          </p:cNvPr>
-          <p:cNvSpPr>
-            <a:spLocks noGrp="1"/>
-          </p:cNvSpPr>
-          <p:nvPr>
-            <p:ph idx="1"/>
-          </p:nvPr>
-        </p:nvSpPr>
-        <p:spPr>
-          <a:xfrm>
-            <a:off x="677334" y="2160589"/>
-            <a:ext cx="8596668" cy="3880773"/>
-          </a:xfrm>
-        </p:spPr>
-        <p:txBody>
-          <a:bodyPr/>
-          <a:lstStyle/>
-          <a:p>
-            <a:r>
-              <a:rPr lang="en-IN" dirty="0"/>
-              <a:t>Mean – The value obtained by summing all elements in a set and dividing by the number of elements</a:t>
-            </a:r>
-          </a:p>
-          <a:p>
-            <a:r>
-              <a:rPr lang="en-IN" dirty="0"/>
-              <a:t>Median –A measure of central tendency give as the value above which half of the values fall and below which half of the values fall</a:t>
-            </a:r>
-          </a:p>
-          <a:p>
-            <a:r>
-              <a:rPr lang="en-IN" dirty="0"/>
-              <a:t>Mode – A measure of central tendency given as the value that occur the most in a sample distribution.</a:t>
-            </a:r>
-          </a:p>
-          <a:p>
-            <a:pPr marL="0" indent="0">
-              <a:buNone/>
-            </a:pPr>
-            <a:endParaRPr lang="en-IN" dirty="0"/>
-          </a:p>
-          <a:p>
-            <a:pPr marL="0" indent="0">
-              <a:buNone/>
-            </a:pPr>
-            <a:endParaRPr lang="en-IN" dirty="0"/>
-          </a:p>
-        </p:txBody>
-      </p:sp>
-      <p:sp>
-        <p:nvSpPr>
-          <p:cNvPr id="5" name="Slide Number Placeholder 4">
-            <a:extLst>
-              <a:ext uri="{FF2B5EF4-FFF2-40B4-BE49-F238E27FC236}">
-                <a16:creationId xmlns:a16="http://schemas.microsoft.com/office/drawing/2014/main" id="{D2979B01-5B81-4202-94A4-962686EE0152}"/>
-              </a:ext>
-            </a:extLst>
-          </p:cNvPr>
-          <p:cNvSpPr>
-            <a:spLocks noGrp="1"/>
-          </p:cNvSpPr>
-          <p:nvPr>
-            <p:ph type="sldNum" sz="quarter" idx="12"/>
-          </p:nvPr>
-        </p:nvSpPr>
-        <p:spPr/>
-        <p:txBody>
-          <a:bodyPr/>
-          <a:lstStyle/>
-          <a:p>
-            <a:fld id="{D57F1E4F-1CFF-5643-939E-217C01CDF565}" type="slidenum">
-              <a:rPr lang="en-US" smtClean="0"/>
-              <a:pPr/>
-              <a:t>3</a:t>
-            </a:fld>
-            <a:endParaRPr lang="en-US" dirty="0"/>
-          </a:p>
-        </p:txBody>
-      </p:sp>
-    </p:spTree>
-    <p:extLst>
-      <p:ext uri="{BB962C8B-B14F-4D97-AF65-F5344CB8AC3E}">
-        <p14:creationId xmlns:p14="http://schemas.microsoft.com/office/powerpoint/2010/main" val="4199855664"/>
-      </p:ext>
-    </p:extLst>
-  </p:cSld>
-  <p:clrMapOvr>
-    <a:masterClrMapping/>
-  </p:clrMapOvr>
-</p:sld>
-</file>
-
-<file path=ppt/slides/slide4.xml><?xml version="1.0" encoding="utf-8"?>
-<p:sld xmlns:a="http://schemas.openxmlformats.org/drawingml/2006/main" xmlns:r="http://schemas.openxmlformats.org/officeDocument/2006/relationships" xmlns:p="http://schemas.openxmlformats.org/presentationml/2006/main">
-  <p:cSld>
-    <p:spTree>
-      <p:nvGrpSpPr>
-        <p:cNvPr id="1" name=""/>
-        <p:cNvGrpSpPr/>
-        <p:nvPr/>
-      </p:nvGrpSpPr>
-      <p:grpSpPr>
-        <a:xfrm>
-          <a:off x="0" y="0"/>
-          <a:ext cx="0" cy="0"/>
-          <a:chOff x="0" y="0"/>
-          <a:chExt cx="0" cy="0"/>
-        </a:xfrm>
-      </p:grpSpPr>
-      <p:sp>
-        <p:nvSpPr>
-          <p:cNvPr id="2" name="Title 1">
-            <a:extLst>
-              <a:ext uri="{FF2B5EF4-FFF2-40B4-BE49-F238E27FC236}">
-                <a16:creationId xmlns:a16="http://schemas.microsoft.com/office/drawing/2014/main" id="{4FE777DF-3E53-42FA-893D-79F9B879D993}"/>
-              </a:ext>
-            </a:extLst>
-          </p:cNvPr>
-          <p:cNvSpPr>
-            <a:spLocks noGrp="1"/>
-          </p:cNvSpPr>
-          <p:nvPr>
-            <p:ph type="title"/>
-          </p:nvPr>
-        </p:nvSpPr>
-        <p:spPr/>
-        <p:txBody>
-          <a:bodyPr/>
-          <a:lstStyle/>
-          <a:p>
-            <a:r>
-              <a:rPr lang="en-IN" dirty="0"/>
-              <a:t>Measure of Variability</a:t>
-            </a:r>
-          </a:p>
-        </p:txBody>
-      </p:sp>
-      <p:sp>
-        <p:nvSpPr>
-          <p:cNvPr id="3" name="Content Placeholder 2">
-            <a:extLst>
-              <a:ext uri="{FF2B5EF4-FFF2-40B4-BE49-F238E27FC236}">
-                <a16:creationId xmlns:a16="http://schemas.microsoft.com/office/drawing/2014/main" id="{8656C2B6-7A77-438F-BCFB-46006D6406E3}"/>
-              </a:ext>
-            </a:extLst>
-          </p:cNvPr>
-          <p:cNvSpPr>
-            <a:spLocks noGrp="1"/>
-          </p:cNvSpPr>
-          <p:nvPr>
-            <p:ph idx="1"/>
-          </p:nvPr>
-        </p:nvSpPr>
-        <p:spPr/>
-        <p:txBody>
-          <a:bodyPr/>
-          <a:lstStyle/>
-          <a:p>
-            <a:r>
-              <a:rPr lang="en-IN" dirty="0"/>
-              <a:t>Range – The difference between the largest and the smallest values of distribution</a:t>
-            </a:r>
-          </a:p>
-          <a:p>
-            <a:r>
-              <a:rPr lang="en-IN" dirty="0"/>
-              <a:t>Interquartile Range – The range of a distribution encompassing the middle 50% of the observation</a:t>
-            </a:r>
-          </a:p>
-          <a:p>
-            <a:r>
-              <a:rPr lang="en-IN" dirty="0"/>
-              <a:t>Variance – The mean squared deviation of all the values from the mean</a:t>
-            </a:r>
-          </a:p>
-          <a:p>
-            <a:r>
-              <a:rPr lang="en-IN" dirty="0"/>
-              <a:t>Standard Deviation – The square root of the variance</a:t>
-            </a:r>
-          </a:p>
-          <a:p>
-            <a:r>
-              <a:rPr lang="en-IN" dirty="0"/>
-              <a:t>Coefficient of Variation – A useful expression in sampling theory for the standard deviation as a percentage of mean</a:t>
-            </a:r>
-          </a:p>
-        </p:txBody>
-      </p:sp>
-      <p:sp>
-        <p:nvSpPr>
-          <p:cNvPr id="5" name="Slide Number Placeholder 4">
-            <a:extLst>
-              <a:ext uri="{FF2B5EF4-FFF2-40B4-BE49-F238E27FC236}">
-                <a16:creationId xmlns:a16="http://schemas.microsoft.com/office/drawing/2014/main" id="{760BC65F-8ACF-4611-ADA4-DEC8EB15654B}"/>
-              </a:ext>
-            </a:extLst>
-          </p:cNvPr>
-          <p:cNvSpPr>
-            <a:spLocks noGrp="1"/>
-          </p:cNvSpPr>
-          <p:nvPr>
-            <p:ph type="sldNum" sz="quarter" idx="12"/>
-          </p:nvPr>
-        </p:nvSpPr>
-        <p:spPr/>
-        <p:txBody>
-          <a:bodyPr/>
-          <a:lstStyle/>
-          <a:p>
-            <a:fld id="{D57F1E4F-1CFF-5643-939E-217C01CDF565}" type="slidenum">
-              <a:rPr lang="en-US" smtClean="0"/>
-              <a:pPr/>
-              <a:t>4</a:t>
-            </a:fld>
-            <a:endParaRPr lang="en-US" dirty="0"/>
-          </a:p>
-        </p:txBody>
-      </p:sp>
-    </p:spTree>
-    <p:extLst>
-      <p:ext uri="{BB962C8B-B14F-4D97-AF65-F5344CB8AC3E}">
-        <p14:creationId xmlns:p14="http://schemas.microsoft.com/office/powerpoint/2010/main" val="2910095436"/>
-      </p:ext>
-    </p:extLst>
-  </p:cSld>
-  <p:clrMapOvr>
-    <a:masterClrMapping/>
-  </p:clrMapOvr>
-</p:sld>
-</file>
-
-<file path=ppt/slides/slide5.xml><?xml version="1.0" encoding="utf-8"?>
-<p:sld xmlns:a="http://schemas.openxmlformats.org/drawingml/2006/main" xmlns:r="http://schemas.openxmlformats.org/officeDocument/2006/relationships" xmlns:p="http://schemas.openxmlformats.org/presentationml/2006/main">
-  <p:cSld>
-    <p:spTree>
-      <p:nvGrpSpPr>
-        <p:cNvPr id="1" name=""/>
-        <p:cNvGrpSpPr/>
-        <p:nvPr/>
-      </p:nvGrpSpPr>
-      <p:grpSpPr>
-        <a:xfrm>
-          <a:off x="0" y="0"/>
-          <a:ext cx="0" cy="0"/>
-          <a:chOff x="0" y="0"/>
-          <a:chExt cx="0" cy="0"/>
-        </a:xfrm>
-      </p:grpSpPr>
-      <p:sp>
-        <p:nvSpPr>
-          <p:cNvPr id="2" name="Title 1">
-            <a:extLst>
-              <a:ext uri="{FF2B5EF4-FFF2-40B4-BE49-F238E27FC236}">
-                <a16:creationId xmlns:a16="http://schemas.microsoft.com/office/drawing/2014/main" id="{2654394B-3F30-4D08-9195-3CEF42C044AA}"/>
-              </a:ext>
-            </a:extLst>
-          </p:cNvPr>
-          <p:cNvSpPr>
-            <a:spLocks noGrp="1"/>
-          </p:cNvSpPr>
-          <p:nvPr>
-            <p:ph type="title"/>
-          </p:nvPr>
-        </p:nvSpPr>
-        <p:spPr/>
-        <p:txBody>
-          <a:bodyPr/>
-          <a:lstStyle/>
-          <a:p>
-            <a:r>
-              <a:rPr lang="en-IN" dirty="0"/>
-              <a:t>Measure of Shape</a:t>
-            </a:r>
-          </a:p>
-        </p:txBody>
-      </p:sp>
-      <p:sp>
-        <p:nvSpPr>
-          <p:cNvPr id="3" name="Content Placeholder 2">
-            <a:extLst>
-              <a:ext uri="{FF2B5EF4-FFF2-40B4-BE49-F238E27FC236}">
-                <a16:creationId xmlns:a16="http://schemas.microsoft.com/office/drawing/2014/main" id="{7445594E-0471-42C6-8BC1-E03141C5F54D}"/>
-              </a:ext>
-            </a:extLst>
-          </p:cNvPr>
-          <p:cNvSpPr>
-            <a:spLocks noGrp="1"/>
-          </p:cNvSpPr>
-          <p:nvPr>
-            <p:ph idx="1"/>
-          </p:nvPr>
-        </p:nvSpPr>
-        <p:spPr/>
-        <p:txBody>
-          <a:bodyPr/>
-          <a:lstStyle/>
-          <a:p>
-            <a:r>
-              <a:rPr lang="en-IN" dirty="0"/>
-              <a:t>Skewness – A characteristic of a distribution that assesses its symmetry about he mean</a:t>
-            </a:r>
-          </a:p>
-          <a:p>
-            <a:r>
-              <a:rPr lang="en-IN" dirty="0"/>
-              <a:t>Kurtosis – A measure of the relative </a:t>
-            </a:r>
-            <a:r>
-              <a:rPr lang="en-IN" dirty="0" err="1"/>
-              <a:t>peakedness</a:t>
-            </a:r>
-            <a:r>
-              <a:rPr lang="en-IN" dirty="0"/>
-              <a:t> or flatness of the curve defined by the frequency distribution.</a:t>
-            </a:r>
-          </a:p>
-          <a:p>
-            <a:endParaRPr lang="en-IN" dirty="0"/>
-          </a:p>
-          <a:p>
-            <a:endParaRPr lang="en-IN" dirty="0"/>
-          </a:p>
-          <a:p>
-            <a:endParaRPr lang="en-IN" dirty="0"/>
-          </a:p>
-          <a:p>
-            <a:r>
-              <a:rPr lang="en-IN" dirty="0"/>
-              <a:t>A random variable, is a variable whose possible values are numerical outcomes of a random phenomenon. There are two types of random variables, discrete and continuous.</a:t>
-            </a:r>
-          </a:p>
-        </p:txBody>
-      </p:sp>
-      <p:sp>
-        <p:nvSpPr>
-          <p:cNvPr id="4" name="Title 1">
-            <a:extLst>
-              <a:ext uri="{FF2B5EF4-FFF2-40B4-BE49-F238E27FC236}">
-                <a16:creationId xmlns:a16="http://schemas.microsoft.com/office/drawing/2014/main" id="{AE0C8A0B-912E-4C76-BBA3-CC08C6477117}"/>
+                <a16:creationId xmlns:a16="http://schemas.microsoft.com/office/drawing/2014/main" id="{576426AE-E65A-4BB4-BE49-D0B4F76A7D93}"/>
               </a:ext>
             </a:extLst>
           </p:cNvPr>
@@ -12276,7 +10074,7 @@
         </p:nvSpPr>
         <p:spPr>
           <a:xfrm>
-            <a:off x="603486" y="3797431"/>
+            <a:off x="612917" y="3561759"/>
             <a:ext cx="8596668" cy="1320800"/>
           </a:xfrm>
           <a:prstGeom prst="rect">
@@ -12360,16 +10158,5227 @@
             </a:lvl9pPr>
           </a:lstStyle>
           <a:p>
+            <a:r>
+              <a:rPr lang="en-IN" dirty="0"/>
+              <a:t>Confidence Interval</a:t>
+            </a:r>
+          </a:p>
+        </p:txBody>
+      </p:sp>
+      <p:pic>
+        <p:nvPicPr>
+          <p:cNvPr id="5" name="Picture 4">
+            <a:extLst>
+              <a:ext uri="{FF2B5EF4-FFF2-40B4-BE49-F238E27FC236}">
+                <a16:creationId xmlns:a16="http://schemas.microsoft.com/office/drawing/2014/main" id="{83EB3994-40ED-4D96-96B2-B4E0A30BD672}"/>
+              </a:ext>
+            </a:extLst>
+          </p:cNvPr>
+          <p:cNvPicPr>
+            <a:picLocks noChangeAspect="1"/>
+          </p:cNvPicPr>
+          <p:nvPr/>
+        </p:nvPicPr>
+        <p:blipFill>
+          <a:blip r:embed="rId2"/>
+          <a:stretch>
+            <a:fillRect/>
+          </a:stretch>
+        </p:blipFill>
+        <p:spPr>
+          <a:xfrm>
+            <a:off x="1433358" y="4961284"/>
+            <a:ext cx="4156737" cy="1659479"/>
+          </a:xfrm>
+          <a:prstGeom prst="rect">
+            <a:avLst/>
+          </a:prstGeom>
+        </p:spPr>
+      </p:pic>
+      <p:sp>
+        <p:nvSpPr>
+          <p:cNvPr id="7" name="Slide Number Placeholder 6">
+            <a:extLst>
+              <a:ext uri="{FF2B5EF4-FFF2-40B4-BE49-F238E27FC236}">
+                <a16:creationId xmlns:a16="http://schemas.microsoft.com/office/drawing/2014/main" id="{BBD614D8-E429-41D3-A811-39363A1D9895}"/>
+              </a:ext>
+            </a:extLst>
+          </p:cNvPr>
+          <p:cNvSpPr>
+            <a:spLocks noGrp="1"/>
+          </p:cNvSpPr>
+          <p:nvPr>
+            <p:ph type="sldNum" sz="quarter" idx="12"/>
+          </p:nvPr>
+        </p:nvSpPr>
+        <p:spPr/>
+        <p:txBody>
+          <a:bodyPr/>
+          <a:lstStyle/>
+          <a:p>
+            <a:fld id="{D57F1E4F-1CFF-5643-939E-217C01CDF565}" type="slidenum">
+              <a:rPr lang="en-US" smtClean="0"/>
+              <a:pPr/>
+              <a:t>11</a:t>
+            </a:fld>
+            <a:endParaRPr lang="en-US" dirty="0"/>
+          </a:p>
+        </p:txBody>
+      </p:sp>
+    </p:spTree>
+    <p:extLst>
+      <p:ext uri="{BB962C8B-B14F-4D97-AF65-F5344CB8AC3E}">
+        <p14:creationId xmlns:p14="http://schemas.microsoft.com/office/powerpoint/2010/main" val="1109995556"/>
+      </p:ext>
+    </p:extLst>
+  </p:cSld>
+  <p:clrMapOvr>
+    <a:masterClrMapping/>
+  </p:clrMapOvr>
+</p:sld>
+</file>
+
+<file path=ppt/slides/slide12.xml><?xml version="1.0" encoding="utf-8"?>
+<p:sld xmlns:a="http://schemas.openxmlformats.org/drawingml/2006/main" xmlns:r="http://schemas.openxmlformats.org/officeDocument/2006/relationships" xmlns:p="http://schemas.openxmlformats.org/presentationml/2006/main">
+  <p:cSld>
+    <p:spTree>
+      <p:nvGrpSpPr>
+        <p:cNvPr id="1" name=""/>
+        <p:cNvGrpSpPr/>
+        <p:nvPr/>
+      </p:nvGrpSpPr>
+      <p:grpSpPr>
+        <a:xfrm>
+          <a:off x="0" y="0"/>
+          <a:ext cx="0" cy="0"/>
+          <a:chOff x="0" y="0"/>
+          <a:chExt cx="0" cy="0"/>
+        </a:xfrm>
+      </p:grpSpPr>
+      <p:sp>
+        <p:nvSpPr>
+          <p:cNvPr id="2" name="Title 1">
+            <a:extLst>
+              <a:ext uri="{FF2B5EF4-FFF2-40B4-BE49-F238E27FC236}">
+                <a16:creationId xmlns:a16="http://schemas.microsoft.com/office/drawing/2014/main" id="{921797F0-8E22-41A2-876D-FAE426E0EEB2}"/>
+              </a:ext>
+            </a:extLst>
+          </p:cNvPr>
+          <p:cNvSpPr>
+            <a:spLocks noGrp="1"/>
+          </p:cNvSpPr>
+          <p:nvPr>
+            <p:ph type="title"/>
+          </p:nvPr>
+        </p:nvSpPr>
+        <p:spPr/>
+        <p:txBody>
+          <a:bodyPr/>
+          <a:lstStyle/>
+          <a:p>
+            <a:r>
+              <a:rPr lang="en-IN" dirty="0"/>
+              <a:t>Hypothesis</a:t>
+            </a:r>
+          </a:p>
+        </p:txBody>
+      </p:sp>
+      <p:sp>
+        <p:nvSpPr>
+          <p:cNvPr id="3" name="Content Placeholder 2">
+            <a:extLst>
+              <a:ext uri="{FF2B5EF4-FFF2-40B4-BE49-F238E27FC236}">
+                <a16:creationId xmlns:a16="http://schemas.microsoft.com/office/drawing/2014/main" id="{F5B4B7CB-225D-48A6-B109-8C7D0BB379EC}"/>
+              </a:ext>
+            </a:extLst>
+          </p:cNvPr>
+          <p:cNvSpPr>
+            <a:spLocks noGrp="1"/>
+          </p:cNvSpPr>
+          <p:nvPr>
+            <p:ph idx="1"/>
+          </p:nvPr>
+        </p:nvSpPr>
+        <p:spPr/>
+        <p:txBody>
+          <a:bodyPr/>
+          <a:lstStyle/>
+          <a:p>
+            <a:r>
+              <a:rPr lang="en-IN" dirty="0"/>
+              <a:t>It refers to a supposition which is not to be </a:t>
+            </a:r>
+            <a:r>
+              <a:rPr lang="en-IN" dirty="0" err="1"/>
+              <a:t>rejeced</a:t>
+            </a:r>
+            <a:r>
+              <a:rPr lang="en-IN" dirty="0"/>
+              <a:t> or rejected.</a:t>
+            </a:r>
+          </a:p>
+          <a:p>
+            <a:r>
+              <a:rPr lang="en-IN" dirty="0"/>
+              <a:t>There are two hypothesis testing procedures, i.e. parametric test and non-parametric test, </a:t>
+            </a:r>
+          </a:p>
+          <a:p>
+            <a:r>
+              <a:rPr lang="en-IN" dirty="0"/>
+              <a:t>Parametric test is based on the fact that the variables are measured on an interval scale. There can be two types of test (t-test and z-test)</a:t>
+            </a:r>
+          </a:p>
+          <a:p>
+            <a:r>
+              <a:rPr lang="en-IN" dirty="0"/>
+              <a:t>Non-parametric test is based on the fact that the variables are measured on an ordinal scale. </a:t>
+            </a:r>
+          </a:p>
+        </p:txBody>
+      </p:sp>
+      <p:sp>
+        <p:nvSpPr>
+          <p:cNvPr id="5" name="Slide Number Placeholder 4">
+            <a:extLst>
+              <a:ext uri="{FF2B5EF4-FFF2-40B4-BE49-F238E27FC236}">
+                <a16:creationId xmlns:a16="http://schemas.microsoft.com/office/drawing/2014/main" id="{FC918BCF-57E6-4BCF-94E4-0E183CBB6AA5}"/>
+              </a:ext>
+            </a:extLst>
+          </p:cNvPr>
+          <p:cNvSpPr>
+            <a:spLocks noGrp="1"/>
+          </p:cNvSpPr>
+          <p:nvPr>
+            <p:ph type="sldNum" sz="quarter" idx="12"/>
+          </p:nvPr>
+        </p:nvSpPr>
+        <p:spPr/>
+        <p:txBody>
+          <a:bodyPr/>
+          <a:lstStyle/>
+          <a:p>
+            <a:fld id="{D57F1E4F-1CFF-5643-939E-217C01CDF565}" type="slidenum">
+              <a:rPr lang="en-US" smtClean="0"/>
+              <a:pPr/>
+              <a:t>12</a:t>
+            </a:fld>
+            <a:endParaRPr lang="en-US" dirty="0"/>
+          </a:p>
+        </p:txBody>
+      </p:sp>
+    </p:spTree>
+    <p:extLst>
+      <p:ext uri="{BB962C8B-B14F-4D97-AF65-F5344CB8AC3E}">
+        <p14:creationId xmlns:p14="http://schemas.microsoft.com/office/powerpoint/2010/main" val="1091195330"/>
+      </p:ext>
+    </p:extLst>
+  </p:cSld>
+  <p:clrMapOvr>
+    <a:masterClrMapping/>
+  </p:clrMapOvr>
+</p:sld>
+</file>
+
+<file path=ppt/slides/slide13.xml><?xml version="1.0" encoding="utf-8"?>
+<p:sld xmlns:a="http://schemas.openxmlformats.org/drawingml/2006/main" xmlns:r="http://schemas.openxmlformats.org/officeDocument/2006/relationships" xmlns:p="http://schemas.openxmlformats.org/presentationml/2006/main">
+  <p:cSld>
+    <p:spTree>
+      <p:nvGrpSpPr>
+        <p:cNvPr id="1" name=""/>
+        <p:cNvGrpSpPr/>
+        <p:nvPr/>
+      </p:nvGrpSpPr>
+      <p:grpSpPr>
+        <a:xfrm>
+          <a:off x="0" y="0"/>
+          <a:ext cx="0" cy="0"/>
+          <a:chOff x="0" y="0"/>
+          <a:chExt cx="0" cy="0"/>
+        </a:xfrm>
+      </p:grpSpPr>
+      <p:sp>
+        <p:nvSpPr>
+          <p:cNvPr id="5" name="Slide Number Placeholder 4">
+            <a:extLst>
+              <a:ext uri="{FF2B5EF4-FFF2-40B4-BE49-F238E27FC236}">
+                <a16:creationId xmlns:a16="http://schemas.microsoft.com/office/drawing/2014/main" id="{FC918BCF-57E6-4BCF-94E4-0E183CBB6AA5}"/>
+              </a:ext>
+            </a:extLst>
+          </p:cNvPr>
+          <p:cNvSpPr>
+            <a:spLocks noGrp="1"/>
+          </p:cNvSpPr>
+          <p:nvPr>
+            <p:ph type="sldNum" sz="quarter" idx="12"/>
+          </p:nvPr>
+        </p:nvSpPr>
+        <p:spPr/>
+        <p:txBody>
+          <a:bodyPr/>
+          <a:lstStyle/>
+          <a:p>
+            <a:fld id="{D57F1E4F-1CFF-5643-939E-217C01CDF565}" type="slidenum">
+              <a:rPr lang="en-US" smtClean="0"/>
+              <a:pPr/>
+              <a:t>13</a:t>
+            </a:fld>
+            <a:endParaRPr lang="en-US" dirty="0"/>
+          </a:p>
+        </p:txBody>
+      </p:sp>
+      <p:pic>
+        <p:nvPicPr>
+          <p:cNvPr id="6" name="Picture 5"/>
+          <p:cNvPicPr>
+            <a:picLocks noChangeAspect="1"/>
+          </p:cNvPicPr>
+          <p:nvPr/>
+        </p:nvPicPr>
+        <p:blipFill>
+          <a:blip r:embed="rId2">
+            <a:extLst>
+              <a:ext uri="{28A0092B-C50C-407E-A947-70E740481C1C}">
+                <a14:useLocalDpi xmlns:a14="http://schemas.microsoft.com/office/drawing/2010/main" val="0"/>
+              </a:ext>
+            </a:extLst>
+          </a:blip>
+          <a:stretch>
+            <a:fillRect/>
+          </a:stretch>
+        </p:blipFill>
+        <p:spPr>
+          <a:xfrm>
+            <a:off x="391234" y="458337"/>
+            <a:ext cx="8463317" cy="5642212"/>
+          </a:xfrm>
+          <a:prstGeom prst="rect">
+            <a:avLst/>
+          </a:prstGeom>
+        </p:spPr>
+      </p:pic>
+    </p:spTree>
+    <p:extLst>
+      <p:ext uri="{BB962C8B-B14F-4D97-AF65-F5344CB8AC3E}">
+        <p14:creationId xmlns:p14="http://schemas.microsoft.com/office/powerpoint/2010/main" val="2933038651"/>
+      </p:ext>
+    </p:extLst>
+  </p:cSld>
+  <p:clrMapOvr>
+    <a:masterClrMapping/>
+  </p:clrMapOvr>
+</p:sld>
+</file>
+
+<file path=ppt/slides/slide14.xml><?xml version="1.0" encoding="utf-8"?>
+<p:sld xmlns:a="http://schemas.openxmlformats.org/drawingml/2006/main" xmlns:r="http://schemas.openxmlformats.org/officeDocument/2006/relationships" xmlns:p="http://schemas.openxmlformats.org/presentationml/2006/main">
+  <p:cSld>
+    <p:bg>
+      <p:bgPr>
+        <a:solidFill>
+          <a:schemeClr val="bg1"/>
+        </a:solidFill>
+        <a:effectLst/>
+      </p:bgPr>
+    </p:bg>
+    <p:spTree>
+      <p:nvGrpSpPr>
+        <p:cNvPr id="1" name=""/>
+        <p:cNvGrpSpPr/>
+        <p:nvPr/>
+      </p:nvGrpSpPr>
+      <p:grpSpPr>
+        <a:xfrm>
+          <a:off x="0" y="0"/>
+          <a:ext cx="0" cy="0"/>
+          <a:chOff x="0" y="0"/>
+          <a:chExt cx="0" cy="0"/>
+        </a:xfrm>
+      </p:grpSpPr>
+      <p:sp useBgFill="1">
+        <p:nvSpPr>
+          <p:cNvPr id="9" name="Rectangle 8">
+            <a:extLst>
+              <a:ext uri="{FF2B5EF4-FFF2-40B4-BE49-F238E27FC236}">
+                <a16:creationId xmlns:a16="http://schemas.microsoft.com/office/drawing/2014/main" id="{9F4444CE-BC8D-4D61-B303-4C05614E62AB}"/>
+              </a:ext>
+              <a:ext uri="{C183D7F6-B498-43B3-948B-1728B52AA6E4}">
+                <adec:decorative xmlns:adec="http://schemas.microsoft.com/office/drawing/2017/decorative" val="1"/>
+              </a:ext>
+            </a:extLst>
+          </p:cNvPr>
+          <p:cNvSpPr>
+            <a:spLocks noGrp="1" noRot="1" noChangeAspect="1" noMove="1" noResize="1" noEditPoints="1" noAdjustHandles="1" noChangeArrowheads="1" noChangeShapeType="1" noTextEdit="1"/>
+          </p:cNvSpPr>
+          <p:nvPr>
+            <p:extLst>
+              <p:ext uri="{386F3935-93C4-4BCD-93E2-E3B085C9AB24}">
+                <p16:designElem xmlns:p16="http://schemas.microsoft.com/office/powerpoint/2015/main" val="1"/>
+              </p:ext>
+            </p:extLst>
+          </p:nvPr>
+        </p:nvSpPr>
+        <p:spPr>
+          <a:xfrm>
+            <a:off x="0" y="0"/>
+            <a:ext cx="12192000" cy="6858000"/>
+          </a:xfrm>
+          <a:prstGeom prst="rect">
+            <a:avLst/>
+          </a:prstGeom>
+          <a:ln>
+            <a:noFill/>
+          </a:ln>
+        </p:spPr>
+        <p:style>
+          <a:lnRef idx="2">
+            <a:schemeClr val="accent1">
+              <a:shade val="50000"/>
+            </a:schemeClr>
+          </a:lnRef>
+          <a:fillRef idx="1">
+            <a:schemeClr val="accent1"/>
+          </a:fillRef>
+          <a:effectRef idx="0">
+            <a:schemeClr val="accent1"/>
+          </a:effectRef>
+          <a:fontRef idx="minor">
+            <a:schemeClr val="lt1"/>
+          </a:fontRef>
+        </p:style>
+        <p:txBody>
+          <a:bodyPr rtlCol="0" anchor="ctr"/>
+          <a:lstStyle/>
+          <a:p>
+            <a:pPr algn="ctr"/>
+            <a:endParaRPr lang="en-US"/>
+          </a:p>
+        </p:txBody>
+      </p:sp>
+      <p:sp>
+        <p:nvSpPr>
+          <p:cNvPr id="11" name="Rectangle 10">
+            <a:extLst>
+              <a:ext uri="{FF2B5EF4-FFF2-40B4-BE49-F238E27FC236}">
+                <a16:creationId xmlns:a16="http://schemas.microsoft.com/office/drawing/2014/main" id="{62423CA5-E2E1-4789-B759-9906C1C94063}"/>
+              </a:ext>
+              <a:ext uri="{C183D7F6-B498-43B3-948B-1728B52AA6E4}">
+                <adec:decorative xmlns:adec="http://schemas.microsoft.com/office/drawing/2017/decorative" val="1"/>
+              </a:ext>
+            </a:extLst>
+          </p:cNvPr>
+          <p:cNvSpPr>
+            <a:spLocks noGrp="1" noRot="1" noChangeAspect="1" noMove="1" noResize="1" noEditPoints="1" noAdjustHandles="1" noChangeArrowheads="1" noChangeShapeType="1" noTextEdit="1"/>
+          </p:cNvSpPr>
+          <p:nvPr>
+            <p:extLst>
+              <p:ext uri="{386F3935-93C4-4BCD-93E2-E3B085C9AB24}">
+                <p16:designElem xmlns:p16="http://schemas.microsoft.com/office/powerpoint/2015/main" val="1"/>
+              </p:ext>
+            </p:extLst>
+          </p:nvPr>
+        </p:nvSpPr>
+        <p:spPr>
+          <a:xfrm>
+            <a:off x="0" y="-3"/>
+            <a:ext cx="4660126" cy="6858000"/>
+          </a:xfrm>
+          <a:prstGeom prst="rect">
+            <a:avLst/>
+          </a:prstGeom>
+          <a:solidFill>
+            <a:schemeClr val="tx2"/>
+          </a:solidFill>
+          <a:ln>
+            <a:noFill/>
+          </a:ln>
+          <a:effectLst/>
+        </p:spPr>
+        <p:style>
+          <a:lnRef idx="1">
+            <a:schemeClr val="accent1"/>
+          </a:lnRef>
+          <a:fillRef idx="3">
+            <a:schemeClr val="accent1"/>
+          </a:fillRef>
+          <a:effectRef idx="2">
+            <a:schemeClr val="accent1"/>
+          </a:effectRef>
+          <a:fontRef idx="minor">
+            <a:schemeClr val="lt1"/>
+          </a:fontRef>
+        </p:style>
+        <p:txBody>
+          <a:bodyPr/>
+          <a:lstStyle/>
+          <a:p>
+            <a:endParaRPr lang="en-US"/>
+          </a:p>
+        </p:txBody>
+      </p:sp>
+      <p:sp>
+        <p:nvSpPr>
+          <p:cNvPr id="13" name="Isosceles Triangle 12">
+            <a:extLst>
+              <a:ext uri="{FF2B5EF4-FFF2-40B4-BE49-F238E27FC236}">
+                <a16:creationId xmlns:a16="http://schemas.microsoft.com/office/drawing/2014/main" id="{73772B81-181F-48B7-8826-4D9686D15DF5}"/>
+              </a:ext>
+              <a:ext uri="{C183D7F6-B498-43B3-948B-1728B52AA6E4}">
+                <adec:decorative xmlns:adec="http://schemas.microsoft.com/office/drawing/2017/decorative" val="1"/>
+              </a:ext>
+            </a:extLst>
+          </p:cNvPr>
+          <p:cNvSpPr>
+            <a:spLocks noGrp="1" noRot="1" noChangeAspect="1" noMove="1" noResize="1" noEditPoints="1" noAdjustHandles="1" noChangeArrowheads="1" noChangeShapeType="1" noTextEdit="1"/>
+          </p:cNvSpPr>
+          <p:nvPr>
+            <p:extLst>
+              <p:ext uri="{386F3935-93C4-4BCD-93E2-E3B085C9AB24}">
+                <p16:designElem xmlns:p16="http://schemas.microsoft.com/office/powerpoint/2015/main" val="1"/>
+              </p:ext>
+            </p:extLst>
+          </p:nvPr>
+        </p:nvSpPr>
+        <p:spPr>
+          <a:xfrm rot="10800000">
+            <a:off x="4660127" y="-3"/>
+            <a:ext cx="1056745" cy="6858001"/>
+          </a:xfrm>
+          <a:prstGeom prst="triangle">
+            <a:avLst>
+              <a:gd name="adj" fmla="val 100000"/>
+            </a:avLst>
+          </a:prstGeom>
+          <a:solidFill>
+            <a:schemeClr val="tx2"/>
+          </a:solidFill>
+          <a:ln>
+            <a:noFill/>
+          </a:ln>
+          <a:effectLst/>
+        </p:spPr>
+        <p:style>
+          <a:lnRef idx="1">
+            <a:schemeClr val="accent1"/>
+          </a:lnRef>
+          <a:fillRef idx="3">
+            <a:schemeClr val="accent1"/>
+          </a:fillRef>
+          <a:effectRef idx="2">
+            <a:schemeClr val="accent1"/>
+          </a:effectRef>
+          <a:fontRef idx="minor">
+            <a:schemeClr val="lt1"/>
+          </a:fontRef>
+        </p:style>
+        <p:txBody>
+          <a:bodyPr/>
+          <a:lstStyle/>
+          <a:p>
+            <a:endParaRPr lang="en-US" dirty="0"/>
+          </a:p>
+        </p:txBody>
+      </p:sp>
+      <p:sp>
+        <p:nvSpPr>
+          <p:cNvPr id="2" name="Title 1">
+            <a:extLst>
+              <a:ext uri="{FF2B5EF4-FFF2-40B4-BE49-F238E27FC236}">
+                <a16:creationId xmlns:a16="http://schemas.microsoft.com/office/drawing/2014/main" id="{A755AC2E-738A-4ABB-8CC5-42224F2FDBAB}"/>
+              </a:ext>
+            </a:extLst>
+          </p:cNvPr>
+          <p:cNvSpPr>
+            <a:spLocks noGrp="1"/>
+          </p:cNvSpPr>
+          <p:nvPr>
+            <p:ph type="title"/>
+          </p:nvPr>
+        </p:nvSpPr>
+        <p:spPr>
+          <a:xfrm>
+            <a:off x="673754" y="643467"/>
+            <a:ext cx="4203045" cy="1375608"/>
+          </a:xfrm>
+        </p:spPr>
+        <p:txBody>
+          <a:bodyPr anchor="ctr">
+            <a:normAutofit/>
+          </a:bodyPr>
+          <a:lstStyle/>
+          <a:p>
+            <a:r>
+              <a:rPr lang="en-IN">
+                <a:solidFill>
+                  <a:schemeClr val="bg1"/>
+                </a:solidFill>
+              </a:rPr>
+              <a:t>z-test</a:t>
+            </a:r>
+          </a:p>
+        </p:txBody>
+      </p:sp>
+      <p:sp>
+        <p:nvSpPr>
+          <p:cNvPr id="3" name="Content Placeholder 2">
+            <a:extLst>
+              <a:ext uri="{FF2B5EF4-FFF2-40B4-BE49-F238E27FC236}">
+                <a16:creationId xmlns:a16="http://schemas.microsoft.com/office/drawing/2014/main" id="{707EA69A-DAAD-41EF-821B-D6A522A52450}"/>
+              </a:ext>
+            </a:extLst>
+          </p:cNvPr>
+          <p:cNvSpPr>
+            <a:spLocks noGrp="1"/>
+          </p:cNvSpPr>
+          <p:nvPr>
+            <p:ph idx="1"/>
+          </p:nvPr>
+        </p:nvSpPr>
+        <p:spPr>
+          <a:xfrm>
+            <a:off x="673754" y="2160590"/>
+            <a:ext cx="3973943" cy="3440110"/>
+          </a:xfrm>
+        </p:spPr>
+        <p:txBody>
+          <a:bodyPr>
+            <a:normAutofit/>
+          </a:bodyPr>
+          <a:lstStyle/>
+          <a:p>
+            <a:pPr>
+              <a:lnSpc>
+                <a:spcPct val="90000"/>
+              </a:lnSpc>
+            </a:pPr>
+            <a:r>
+              <a:rPr lang="en-IN">
+                <a:solidFill>
+                  <a:schemeClr val="bg1"/>
+                </a:solidFill>
+              </a:rPr>
+              <a:t>It determines to what extent a data point is away from its mean of the data set, in standard deviation</a:t>
+            </a:r>
+          </a:p>
+          <a:p>
+            <a:pPr>
+              <a:lnSpc>
+                <a:spcPct val="90000"/>
+              </a:lnSpc>
+            </a:pPr>
+            <a:r>
+              <a:rPr lang="en-IN">
+                <a:solidFill>
+                  <a:schemeClr val="bg1"/>
+                </a:solidFill>
+              </a:rPr>
+              <a:t>The researcher adopts z-test, when the population variance is known</a:t>
+            </a:r>
+          </a:p>
+          <a:p>
+            <a:pPr>
+              <a:lnSpc>
+                <a:spcPct val="90000"/>
+              </a:lnSpc>
+            </a:pPr>
+            <a:r>
+              <a:rPr lang="en-IN">
+                <a:solidFill>
+                  <a:schemeClr val="bg1"/>
+                </a:solidFill>
+              </a:rPr>
+              <a:t>When there is a large sample size</a:t>
+            </a:r>
+          </a:p>
+          <a:p>
+            <a:pPr>
+              <a:lnSpc>
+                <a:spcPct val="90000"/>
+              </a:lnSpc>
+            </a:pPr>
+            <a:r>
+              <a:rPr lang="en-IN">
+                <a:solidFill>
+                  <a:schemeClr val="bg1"/>
+                </a:solidFill>
+              </a:rPr>
+              <a:t>Sample variance is deemed to be approximately equal to the population variance.</a:t>
+            </a:r>
+          </a:p>
+          <a:p>
+            <a:pPr marL="0" indent="0">
+              <a:lnSpc>
+                <a:spcPct val="90000"/>
+              </a:lnSpc>
+              <a:buNone/>
+            </a:pPr>
+            <a:endParaRPr lang="en-IN">
+              <a:solidFill>
+                <a:schemeClr val="bg1"/>
+              </a:solidFill>
+            </a:endParaRPr>
+          </a:p>
+          <a:p>
+            <a:pPr marL="0" indent="0">
+              <a:lnSpc>
+                <a:spcPct val="90000"/>
+              </a:lnSpc>
+              <a:buNone/>
+            </a:pPr>
+            <a:endParaRPr lang="en-IN">
+              <a:solidFill>
+                <a:schemeClr val="bg1"/>
+              </a:solidFill>
+            </a:endParaRPr>
+          </a:p>
+        </p:txBody>
+      </p:sp>
+      <p:pic>
+        <p:nvPicPr>
+          <p:cNvPr id="4" name="Picture 3">
+            <a:extLst>
+              <a:ext uri="{FF2B5EF4-FFF2-40B4-BE49-F238E27FC236}">
+                <a16:creationId xmlns:a16="http://schemas.microsoft.com/office/drawing/2014/main" id="{97380694-A32B-47AA-BDE2-2558141A2E2B}"/>
+              </a:ext>
+            </a:extLst>
+          </p:cNvPr>
+          <p:cNvPicPr>
+            <a:picLocks noChangeAspect="1"/>
+          </p:cNvPicPr>
+          <p:nvPr/>
+        </p:nvPicPr>
+        <p:blipFill>
+          <a:blip r:embed="rId2"/>
+          <a:stretch>
+            <a:fillRect/>
+          </a:stretch>
+        </p:blipFill>
+        <p:spPr>
+          <a:xfrm>
+            <a:off x="6096000" y="2059715"/>
+            <a:ext cx="5909519" cy="3132045"/>
+          </a:xfrm>
+          <a:prstGeom prst="rect">
+            <a:avLst/>
+          </a:prstGeom>
+        </p:spPr>
+      </p:pic>
+      <p:sp>
+        <p:nvSpPr>
+          <p:cNvPr id="15" name="Isosceles Triangle 14">
+            <a:extLst>
+              <a:ext uri="{FF2B5EF4-FFF2-40B4-BE49-F238E27FC236}">
+                <a16:creationId xmlns:a16="http://schemas.microsoft.com/office/drawing/2014/main" id="{B2205F6E-03C6-4E92-877C-E2482F6599AA}"/>
+              </a:ext>
+              <a:ext uri="{C183D7F6-B498-43B3-948B-1728B52AA6E4}">
+                <adec:decorative xmlns:adec="http://schemas.microsoft.com/office/drawing/2017/decorative" val="1"/>
+              </a:ext>
+            </a:extLst>
+          </p:cNvPr>
+          <p:cNvSpPr>
+            <a:spLocks noGrp="1" noRot="1" noChangeAspect="1" noMove="1" noResize="1" noEditPoints="1" noAdjustHandles="1" noChangeArrowheads="1" noChangeShapeType="1" noTextEdit="1"/>
+          </p:cNvSpPr>
+          <p:nvPr>
+            <p:extLst>
+              <p:ext uri="{386F3935-93C4-4BCD-93E2-E3B085C9AB24}">
+                <p16:designElem xmlns:p16="http://schemas.microsoft.com/office/powerpoint/2015/main" val="1"/>
+              </p:ext>
+            </p:extLst>
+          </p:nvPr>
+        </p:nvSpPr>
+        <p:spPr>
+          <a:xfrm flipH="1">
+            <a:off x="11755696" y="4013200"/>
+            <a:ext cx="448733" cy="2844800"/>
+          </a:xfrm>
+          <a:prstGeom prst="triangle">
+            <a:avLst>
+              <a:gd name="adj" fmla="val 0"/>
+            </a:avLst>
+          </a:prstGeom>
+          <a:solidFill>
+            <a:schemeClr val="accent1">
+              <a:alpha val="85000"/>
+            </a:schemeClr>
+          </a:solidFill>
+          <a:ln>
+            <a:noFill/>
+          </a:ln>
+          <a:effectLst/>
+        </p:spPr>
+        <p:style>
+          <a:lnRef idx="1">
+            <a:schemeClr val="accent1"/>
+          </a:lnRef>
+          <a:fillRef idx="3">
+            <a:schemeClr val="accent1"/>
+          </a:fillRef>
+          <a:effectRef idx="2">
+            <a:schemeClr val="accent1"/>
+          </a:effectRef>
+          <a:fontRef idx="minor">
+            <a:schemeClr val="lt1"/>
+          </a:fontRef>
+        </p:style>
+        <p:txBody>
+          <a:bodyPr/>
+          <a:lstStyle/>
+          <a:p>
+            <a:endParaRPr lang="en-US" dirty="0"/>
+          </a:p>
+        </p:txBody>
+      </p:sp>
+      <p:sp>
+        <p:nvSpPr>
+          <p:cNvPr id="6" name="Slide Number Placeholder 5">
+            <a:extLst>
+              <a:ext uri="{FF2B5EF4-FFF2-40B4-BE49-F238E27FC236}">
+                <a16:creationId xmlns:a16="http://schemas.microsoft.com/office/drawing/2014/main" id="{61347268-DC4A-4883-BD56-DDC550604BA5}"/>
+              </a:ext>
+            </a:extLst>
+          </p:cNvPr>
+          <p:cNvSpPr>
+            <a:spLocks noGrp="1"/>
+          </p:cNvSpPr>
+          <p:nvPr>
+            <p:ph type="sldNum" sz="quarter" idx="12"/>
+          </p:nvPr>
+        </p:nvSpPr>
+        <p:spPr/>
+        <p:txBody>
+          <a:bodyPr/>
+          <a:lstStyle/>
+          <a:p>
+            <a:fld id="{D57F1E4F-1CFF-5643-939E-217C01CDF565}" type="slidenum">
+              <a:rPr lang="en-US" smtClean="0"/>
+              <a:pPr/>
+              <a:t>14</a:t>
+            </a:fld>
+            <a:endParaRPr lang="en-US" dirty="0"/>
+          </a:p>
+        </p:txBody>
+      </p:sp>
+      <p:pic>
+        <p:nvPicPr>
+          <p:cNvPr id="5" name="Picture 4"/>
+          <p:cNvPicPr>
+            <a:picLocks noChangeAspect="1"/>
+          </p:cNvPicPr>
+          <p:nvPr/>
+        </p:nvPicPr>
+        <p:blipFill>
+          <a:blip r:embed="rId3">
+            <a:extLst>
+              <a:ext uri="{28A0092B-C50C-407E-A947-70E740481C1C}">
+                <a14:useLocalDpi xmlns:a14="http://schemas.microsoft.com/office/drawing/2010/main" val="0"/>
+              </a:ext>
+            </a:extLst>
+          </a:blip>
+          <a:stretch>
+            <a:fillRect/>
+          </a:stretch>
+        </p:blipFill>
+        <p:spPr>
+          <a:xfrm>
+            <a:off x="11186160" y="0"/>
+            <a:ext cx="1005840" cy="1005840"/>
+          </a:xfrm>
+          <a:prstGeom prst="rect">
+            <a:avLst/>
+          </a:prstGeom>
+        </p:spPr>
+      </p:pic>
+    </p:spTree>
+    <p:extLst>
+      <p:ext uri="{BB962C8B-B14F-4D97-AF65-F5344CB8AC3E}">
+        <p14:creationId xmlns:p14="http://schemas.microsoft.com/office/powerpoint/2010/main" val="2316231733"/>
+      </p:ext>
+    </p:extLst>
+  </p:cSld>
+  <p:clrMapOvr>
+    <a:masterClrMapping/>
+  </p:clrMapOvr>
+</p:sld>
+</file>
+
+<file path=ppt/slides/slide15.xml><?xml version="1.0" encoding="utf-8"?>
+<p:sld xmlns:a="http://schemas.openxmlformats.org/drawingml/2006/main" xmlns:r="http://schemas.openxmlformats.org/officeDocument/2006/relationships" xmlns:p="http://schemas.openxmlformats.org/presentationml/2006/main">
+  <p:cSld>
+    <p:bg>
+      <p:bgPr>
+        <a:solidFill>
+          <a:schemeClr val="bg1"/>
+        </a:solidFill>
+        <a:effectLst/>
+      </p:bgPr>
+    </p:bg>
+    <p:spTree>
+      <p:nvGrpSpPr>
+        <p:cNvPr id="1" name=""/>
+        <p:cNvGrpSpPr/>
+        <p:nvPr/>
+      </p:nvGrpSpPr>
+      <p:grpSpPr>
+        <a:xfrm>
+          <a:off x="0" y="0"/>
+          <a:ext cx="0" cy="0"/>
+          <a:chOff x="0" y="0"/>
+          <a:chExt cx="0" cy="0"/>
+        </a:xfrm>
+      </p:grpSpPr>
+      <p:sp useBgFill="1">
+        <p:nvSpPr>
+          <p:cNvPr id="9" name="Rectangle 8">
+            <a:extLst>
+              <a:ext uri="{FF2B5EF4-FFF2-40B4-BE49-F238E27FC236}">
+                <a16:creationId xmlns:a16="http://schemas.microsoft.com/office/drawing/2014/main" id="{9F4444CE-BC8D-4D61-B303-4C05614E62AB}"/>
+              </a:ext>
+              <a:ext uri="{C183D7F6-B498-43B3-948B-1728B52AA6E4}">
+                <adec:decorative xmlns:adec="http://schemas.microsoft.com/office/drawing/2017/decorative" val="1"/>
+              </a:ext>
+            </a:extLst>
+          </p:cNvPr>
+          <p:cNvSpPr>
+            <a:spLocks noGrp="1" noRot="1" noChangeAspect="1" noMove="1" noResize="1" noEditPoints="1" noAdjustHandles="1" noChangeArrowheads="1" noChangeShapeType="1" noTextEdit="1"/>
+          </p:cNvSpPr>
+          <p:nvPr>
+            <p:extLst>
+              <p:ext uri="{386F3935-93C4-4BCD-93E2-E3B085C9AB24}">
+                <p16:designElem xmlns:p16="http://schemas.microsoft.com/office/powerpoint/2015/main" val="1"/>
+              </p:ext>
+            </p:extLst>
+          </p:nvPr>
+        </p:nvSpPr>
+        <p:spPr>
+          <a:xfrm>
+            <a:off x="0" y="0"/>
+            <a:ext cx="12192000" cy="6858000"/>
+          </a:xfrm>
+          <a:prstGeom prst="rect">
+            <a:avLst/>
+          </a:prstGeom>
+          <a:ln>
+            <a:noFill/>
+          </a:ln>
+        </p:spPr>
+        <p:style>
+          <a:lnRef idx="2">
+            <a:schemeClr val="accent1">
+              <a:shade val="50000"/>
+            </a:schemeClr>
+          </a:lnRef>
+          <a:fillRef idx="1">
+            <a:schemeClr val="accent1"/>
+          </a:fillRef>
+          <a:effectRef idx="0">
+            <a:schemeClr val="accent1"/>
+          </a:effectRef>
+          <a:fontRef idx="minor">
+            <a:schemeClr val="lt1"/>
+          </a:fontRef>
+        </p:style>
+        <p:txBody>
+          <a:bodyPr rtlCol="0" anchor="ctr"/>
+          <a:lstStyle/>
+          <a:p>
+            <a:pPr algn="ctr"/>
+            <a:endParaRPr lang="en-US"/>
+          </a:p>
+        </p:txBody>
+      </p:sp>
+      <p:sp>
+        <p:nvSpPr>
+          <p:cNvPr id="11" name="Rectangle 10">
+            <a:extLst>
+              <a:ext uri="{FF2B5EF4-FFF2-40B4-BE49-F238E27FC236}">
+                <a16:creationId xmlns:a16="http://schemas.microsoft.com/office/drawing/2014/main" id="{62423CA5-E2E1-4789-B759-9906C1C94063}"/>
+              </a:ext>
+              <a:ext uri="{C183D7F6-B498-43B3-948B-1728B52AA6E4}">
+                <adec:decorative xmlns:adec="http://schemas.microsoft.com/office/drawing/2017/decorative" val="1"/>
+              </a:ext>
+            </a:extLst>
+          </p:cNvPr>
+          <p:cNvSpPr>
+            <a:spLocks noGrp="1" noRot="1" noChangeAspect="1" noMove="1" noResize="1" noEditPoints="1" noAdjustHandles="1" noChangeArrowheads="1" noChangeShapeType="1" noTextEdit="1"/>
+          </p:cNvSpPr>
+          <p:nvPr>
+            <p:extLst>
+              <p:ext uri="{386F3935-93C4-4BCD-93E2-E3B085C9AB24}">
+                <p16:designElem xmlns:p16="http://schemas.microsoft.com/office/powerpoint/2015/main" val="1"/>
+              </p:ext>
+            </p:extLst>
+          </p:nvPr>
+        </p:nvSpPr>
+        <p:spPr>
+          <a:xfrm>
+            <a:off x="0" y="-3"/>
+            <a:ext cx="4660126" cy="6858000"/>
+          </a:xfrm>
+          <a:prstGeom prst="rect">
+            <a:avLst/>
+          </a:prstGeom>
+          <a:solidFill>
+            <a:schemeClr val="tx2"/>
+          </a:solidFill>
+          <a:ln>
+            <a:noFill/>
+          </a:ln>
+          <a:effectLst/>
+        </p:spPr>
+        <p:style>
+          <a:lnRef idx="1">
+            <a:schemeClr val="accent1"/>
+          </a:lnRef>
+          <a:fillRef idx="3">
+            <a:schemeClr val="accent1"/>
+          </a:fillRef>
+          <a:effectRef idx="2">
+            <a:schemeClr val="accent1"/>
+          </a:effectRef>
+          <a:fontRef idx="minor">
+            <a:schemeClr val="lt1"/>
+          </a:fontRef>
+        </p:style>
+        <p:txBody>
+          <a:bodyPr/>
+          <a:lstStyle/>
+          <a:p>
+            <a:endParaRPr lang="en-US"/>
+          </a:p>
+        </p:txBody>
+      </p:sp>
+      <p:sp>
+        <p:nvSpPr>
+          <p:cNvPr id="13" name="Isosceles Triangle 12">
+            <a:extLst>
+              <a:ext uri="{FF2B5EF4-FFF2-40B4-BE49-F238E27FC236}">
+                <a16:creationId xmlns:a16="http://schemas.microsoft.com/office/drawing/2014/main" id="{73772B81-181F-48B7-8826-4D9686D15DF5}"/>
+              </a:ext>
+              <a:ext uri="{C183D7F6-B498-43B3-948B-1728B52AA6E4}">
+                <adec:decorative xmlns:adec="http://schemas.microsoft.com/office/drawing/2017/decorative" val="1"/>
+              </a:ext>
+            </a:extLst>
+          </p:cNvPr>
+          <p:cNvSpPr>
+            <a:spLocks noGrp="1" noRot="1" noChangeAspect="1" noMove="1" noResize="1" noEditPoints="1" noAdjustHandles="1" noChangeArrowheads="1" noChangeShapeType="1" noTextEdit="1"/>
+          </p:cNvSpPr>
+          <p:nvPr>
+            <p:extLst>
+              <p:ext uri="{386F3935-93C4-4BCD-93E2-E3B085C9AB24}">
+                <p16:designElem xmlns:p16="http://schemas.microsoft.com/office/powerpoint/2015/main" val="1"/>
+              </p:ext>
+            </p:extLst>
+          </p:nvPr>
+        </p:nvSpPr>
+        <p:spPr>
+          <a:xfrm rot="10800000">
+            <a:off x="4660127" y="-3"/>
+            <a:ext cx="1056745" cy="6858001"/>
+          </a:xfrm>
+          <a:prstGeom prst="triangle">
+            <a:avLst>
+              <a:gd name="adj" fmla="val 100000"/>
+            </a:avLst>
+          </a:prstGeom>
+          <a:solidFill>
+            <a:schemeClr val="tx2"/>
+          </a:solidFill>
+          <a:ln>
+            <a:noFill/>
+          </a:ln>
+          <a:effectLst/>
+        </p:spPr>
+        <p:style>
+          <a:lnRef idx="1">
+            <a:schemeClr val="accent1"/>
+          </a:lnRef>
+          <a:fillRef idx="3">
+            <a:schemeClr val="accent1"/>
+          </a:fillRef>
+          <a:effectRef idx="2">
+            <a:schemeClr val="accent1"/>
+          </a:effectRef>
+          <a:fontRef idx="minor">
+            <a:schemeClr val="lt1"/>
+          </a:fontRef>
+        </p:style>
+        <p:txBody>
+          <a:bodyPr/>
+          <a:lstStyle/>
+          <a:p>
+            <a:endParaRPr lang="en-US" dirty="0"/>
+          </a:p>
+        </p:txBody>
+      </p:sp>
+      <p:sp>
+        <p:nvSpPr>
+          <p:cNvPr id="2" name="Title 1">
+            <a:extLst>
+              <a:ext uri="{FF2B5EF4-FFF2-40B4-BE49-F238E27FC236}">
+                <a16:creationId xmlns:a16="http://schemas.microsoft.com/office/drawing/2014/main" id="{A755AC2E-738A-4ABB-8CC5-42224F2FDBAB}"/>
+              </a:ext>
+            </a:extLst>
+          </p:cNvPr>
+          <p:cNvSpPr>
+            <a:spLocks noGrp="1"/>
+          </p:cNvSpPr>
+          <p:nvPr>
+            <p:ph type="title"/>
+          </p:nvPr>
+        </p:nvSpPr>
+        <p:spPr>
+          <a:xfrm>
+            <a:off x="673754" y="643467"/>
+            <a:ext cx="4203045" cy="1375608"/>
+          </a:xfrm>
+        </p:spPr>
+        <p:txBody>
+          <a:bodyPr anchor="ctr">
+            <a:normAutofit/>
+          </a:bodyPr>
+          <a:lstStyle/>
+          <a:p>
+            <a:r>
+              <a:rPr lang="en-IN">
+                <a:solidFill>
+                  <a:schemeClr val="bg1"/>
+                </a:solidFill>
+              </a:rPr>
+              <a:t>z-test</a:t>
+            </a:r>
+          </a:p>
+        </p:txBody>
+      </p:sp>
+      <p:sp>
+        <p:nvSpPr>
+          <p:cNvPr id="3" name="Content Placeholder 2">
+            <a:extLst>
+              <a:ext uri="{FF2B5EF4-FFF2-40B4-BE49-F238E27FC236}">
+                <a16:creationId xmlns:a16="http://schemas.microsoft.com/office/drawing/2014/main" id="{707EA69A-DAAD-41EF-821B-D6A522A52450}"/>
+              </a:ext>
+            </a:extLst>
+          </p:cNvPr>
+          <p:cNvSpPr>
+            <a:spLocks noGrp="1"/>
+          </p:cNvSpPr>
+          <p:nvPr>
+            <p:ph idx="1"/>
+          </p:nvPr>
+        </p:nvSpPr>
+        <p:spPr>
+          <a:xfrm>
+            <a:off x="673754" y="2160590"/>
+            <a:ext cx="3973943" cy="3440110"/>
+          </a:xfrm>
+        </p:spPr>
+        <p:txBody>
+          <a:bodyPr>
+            <a:normAutofit fontScale="92500" lnSpcReduction="10000"/>
+          </a:bodyPr>
+          <a:lstStyle/>
+          <a:p>
+            <a:pPr marL="0" indent="0">
+              <a:lnSpc>
+                <a:spcPct val="90000"/>
+              </a:lnSpc>
+              <a:buNone/>
+            </a:pPr>
+            <a:r>
+              <a:rPr lang="en-US" dirty="0">
+                <a:solidFill>
+                  <a:schemeClr val="bg1"/>
+                </a:solidFill>
+              </a:rPr>
+              <a:t>Example</a:t>
+            </a:r>
+          </a:p>
+          <a:p>
+            <a:pPr marL="0" indent="0">
+              <a:lnSpc>
+                <a:spcPct val="90000"/>
+              </a:lnSpc>
+              <a:buNone/>
+            </a:pPr>
+            <a:r>
+              <a:rPr lang="en-US" dirty="0">
+                <a:solidFill>
+                  <a:schemeClr val="bg1"/>
+                </a:solidFill>
+              </a:rPr>
+              <a:t>Boys of a certain age are known to have a mean weight of μ = 85 pounds. A complaint is made that the boys living in a municipal children's home are underfed. As one bit of evidence, n = 25 boys (of the same age) are weighed and found to have a mean weight of x= 80.94 pounds. It is known that the population standard deviation σ is 11.6 pounds (the unrealistic part of this example!).  Based on the available data, what should be concluded concerning the complaint?</a:t>
+            </a:r>
+            <a:endParaRPr lang="en-IN" dirty="0">
+              <a:solidFill>
+                <a:schemeClr val="bg1"/>
+              </a:solidFill>
+            </a:endParaRPr>
+          </a:p>
+          <a:p>
+            <a:pPr marL="0" indent="0">
+              <a:lnSpc>
+                <a:spcPct val="90000"/>
+              </a:lnSpc>
+              <a:buNone/>
+            </a:pPr>
+            <a:endParaRPr lang="en-IN" dirty="0">
+              <a:solidFill>
+                <a:schemeClr val="bg1"/>
+              </a:solidFill>
+            </a:endParaRPr>
+          </a:p>
+        </p:txBody>
+      </p:sp>
+      <p:sp>
+        <p:nvSpPr>
+          <p:cNvPr id="15" name="Isosceles Triangle 14">
+            <a:extLst>
+              <a:ext uri="{FF2B5EF4-FFF2-40B4-BE49-F238E27FC236}">
+                <a16:creationId xmlns:a16="http://schemas.microsoft.com/office/drawing/2014/main" id="{B2205F6E-03C6-4E92-877C-E2482F6599AA}"/>
+              </a:ext>
+              <a:ext uri="{C183D7F6-B498-43B3-948B-1728B52AA6E4}">
+                <adec:decorative xmlns:adec="http://schemas.microsoft.com/office/drawing/2017/decorative" val="1"/>
+              </a:ext>
+            </a:extLst>
+          </p:cNvPr>
+          <p:cNvSpPr>
+            <a:spLocks noGrp="1" noRot="1" noChangeAspect="1" noMove="1" noResize="1" noEditPoints="1" noAdjustHandles="1" noChangeArrowheads="1" noChangeShapeType="1" noTextEdit="1"/>
+          </p:cNvSpPr>
+          <p:nvPr>
+            <p:extLst>
+              <p:ext uri="{386F3935-93C4-4BCD-93E2-E3B085C9AB24}">
+                <p16:designElem xmlns:p16="http://schemas.microsoft.com/office/powerpoint/2015/main" val="1"/>
+              </p:ext>
+            </p:extLst>
+          </p:nvPr>
+        </p:nvSpPr>
+        <p:spPr>
+          <a:xfrm flipH="1">
+            <a:off x="11755696" y="4013200"/>
+            <a:ext cx="448733" cy="2844800"/>
+          </a:xfrm>
+          <a:prstGeom prst="triangle">
+            <a:avLst>
+              <a:gd name="adj" fmla="val 0"/>
+            </a:avLst>
+          </a:prstGeom>
+          <a:solidFill>
+            <a:schemeClr val="accent1">
+              <a:alpha val="85000"/>
+            </a:schemeClr>
+          </a:solidFill>
+          <a:ln>
+            <a:noFill/>
+          </a:ln>
+          <a:effectLst/>
+        </p:spPr>
+        <p:style>
+          <a:lnRef idx="1">
+            <a:schemeClr val="accent1"/>
+          </a:lnRef>
+          <a:fillRef idx="3">
+            <a:schemeClr val="accent1"/>
+          </a:fillRef>
+          <a:effectRef idx="2">
+            <a:schemeClr val="accent1"/>
+          </a:effectRef>
+          <a:fontRef idx="minor">
+            <a:schemeClr val="lt1"/>
+          </a:fontRef>
+        </p:style>
+        <p:txBody>
+          <a:bodyPr/>
+          <a:lstStyle/>
+          <a:p>
+            <a:endParaRPr lang="en-US" dirty="0"/>
+          </a:p>
+        </p:txBody>
+      </p:sp>
+      <p:sp>
+        <p:nvSpPr>
+          <p:cNvPr id="6" name="Slide Number Placeholder 5">
+            <a:extLst>
+              <a:ext uri="{FF2B5EF4-FFF2-40B4-BE49-F238E27FC236}">
+                <a16:creationId xmlns:a16="http://schemas.microsoft.com/office/drawing/2014/main" id="{61347268-DC4A-4883-BD56-DDC550604BA5}"/>
+              </a:ext>
+            </a:extLst>
+          </p:cNvPr>
+          <p:cNvSpPr>
+            <a:spLocks noGrp="1"/>
+          </p:cNvSpPr>
+          <p:nvPr>
+            <p:ph type="sldNum" sz="quarter" idx="12"/>
+          </p:nvPr>
+        </p:nvSpPr>
+        <p:spPr/>
+        <p:txBody>
+          <a:bodyPr/>
+          <a:lstStyle/>
+          <a:p>
+            <a:fld id="{D57F1E4F-1CFF-5643-939E-217C01CDF565}" type="slidenum">
+              <a:rPr lang="en-US" smtClean="0"/>
+              <a:pPr/>
+              <a:t>15</a:t>
+            </a:fld>
+            <a:endParaRPr lang="en-US" dirty="0"/>
+          </a:p>
+        </p:txBody>
+      </p:sp>
+      <p:pic>
+        <p:nvPicPr>
+          <p:cNvPr id="5122" name="Picture 2"/>
+          <p:cNvPicPr>
+            <a:picLocks noChangeAspect="1" noChangeArrowheads="1"/>
+          </p:cNvPicPr>
+          <p:nvPr/>
+        </p:nvPicPr>
+        <p:blipFill>
+          <a:blip r:embed="rId2">
+            <a:extLst>
+              <a:ext uri="{28A0092B-C50C-407E-A947-70E740481C1C}">
+                <a14:useLocalDpi xmlns:a14="http://schemas.microsoft.com/office/drawing/2010/main" val="0"/>
+              </a:ext>
+            </a:extLst>
+          </a:blip>
+          <a:srcRect/>
+          <a:stretch>
+            <a:fillRect/>
+          </a:stretch>
+        </p:blipFill>
+        <p:spPr bwMode="auto">
+          <a:xfrm>
+            <a:off x="6566136" y="3908105"/>
+            <a:ext cx="4663385" cy="2666786"/>
+          </a:xfrm>
+          <a:prstGeom prst="rect">
+            <a:avLst/>
+          </a:prstGeom>
+          <a:noFill/>
+          <a:ln>
+            <a:noFill/>
+          </a:ln>
+          <a:effectLst/>
+          <a:extLst>
+            <a:ext uri="{909E8E84-426E-40DD-AFC4-6F175D3DCCD1}">
+              <a14:hiddenFill xmlns:a14="http://schemas.microsoft.com/office/drawing/2010/main">
+                <a:solidFill>
+                  <a:schemeClr val="accent1"/>
+                </a:solidFill>
+              </a14:hiddenFill>
+            </a:ext>
+            <a:ext uri="{91240B29-F687-4F45-9708-019B960494DF}">
+              <a14:hiddenLine xmlns:a14="http://schemas.microsoft.com/office/drawing/2010/main" w="9525">
+                <a:solidFill>
+                  <a:schemeClr val="tx1"/>
+                </a:solidFill>
+                <a:miter lim="800000"/>
+                <a:headEnd/>
+                <a:tailEnd/>
+              </a14:hiddenLine>
+            </a:ext>
+            <a:ext uri="{AF507438-7753-43E0-B8FC-AC1667EBCBE1}">
+              <a14:hiddenEffects xmlns:a14="http://schemas.microsoft.com/office/drawing/2010/main">
+                <a:effectLst>
+                  <a:outerShdw dist="35921" dir="2700000" algn="ctr" rotWithShape="0">
+                    <a:schemeClr val="bg2"/>
+                  </a:outerShdw>
+                </a:effectLst>
+              </a14:hiddenEffects>
+            </a:ext>
+          </a:extLst>
+        </p:spPr>
+      </p:pic>
+      <p:pic>
+        <p:nvPicPr>
+          <p:cNvPr id="5123" name="Picture 3"/>
+          <p:cNvPicPr>
+            <a:picLocks noChangeAspect="1" noChangeArrowheads="1"/>
+          </p:cNvPicPr>
+          <p:nvPr/>
+        </p:nvPicPr>
+        <p:blipFill>
+          <a:blip r:embed="rId3">
+            <a:extLst>
+              <a:ext uri="{28A0092B-C50C-407E-A947-70E740481C1C}">
+                <a14:useLocalDpi xmlns:a14="http://schemas.microsoft.com/office/drawing/2010/main" val="0"/>
+              </a:ext>
+            </a:extLst>
+          </a:blip>
+          <a:srcRect/>
+          <a:stretch>
+            <a:fillRect/>
+          </a:stretch>
+        </p:blipFill>
+        <p:spPr bwMode="auto">
+          <a:xfrm>
+            <a:off x="5884062" y="1791340"/>
+            <a:ext cx="6096000" cy="1419225"/>
+          </a:xfrm>
+          <a:prstGeom prst="rect">
+            <a:avLst/>
+          </a:prstGeom>
+          <a:noFill/>
+          <a:ln>
+            <a:noFill/>
+          </a:ln>
+          <a:effectLst/>
+          <a:extLst>
+            <a:ext uri="{909E8E84-426E-40DD-AFC4-6F175D3DCCD1}">
+              <a14:hiddenFill xmlns:a14="http://schemas.microsoft.com/office/drawing/2010/main">
+                <a:solidFill>
+                  <a:schemeClr val="accent1"/>
+                </a:solidFill>
+              </a14:hiddenFill>
+            </a:ext>
+            <a:ext uri="{91240B29-F687-4F45-9708-019B960494DF}">
+              <a14:hiddenLine xmlns:a14="http://schemas.microsoft.com/office/drawing/2010/main" w="9525">
+                <a:solidFill>
+                  <a:schemeClr val="tx1"/>
+                </a:solidFill>
+                <a:miter lim="800000"/>
+                <a:headEnd/>
+                <a:tailEnd/>
+              </a14:hiddenLine>
+            </a:ext>
+            <a:ext uri="{AF507438-7753-43E0-B8FC-AC1667EBCBE1}">
+              <a14:hiddenEffects xmlns:a14="http://schemas.microsoft.com/office/drawing/2010/main">
+                <a:effectLst>
+                  <a:outerShdw dist="35921" dir="2700000" algn="ctr" rotWithShape="0">
+                    <a:schemeClr val="bg2"/>
+                  </a:outerShdw>
+                </a:effectLst>
+              </a14:hiddenEffects>
+            </a:ext>
+          </a:extLst>
+        </p:spPr>
+      </p:pic>
+      <p:pic>
+        <p:nvPicPr>
+          <p:cNvPr id="4" name="Picture 3"/>
+          <p:cNvPicPr>
+            <a:picLocks noChangeAspect="1"/>
+          </p:cNvPicPr>
+          <p:nvPr/>
+        </p:nvPicPr>
+        <p:blipFill>
+          <a:blip r:embed="rId4">
+            <a:extLst>
+              <a:ext uri="{28A0092B-C50C-407E-A947-70E740481C1C}">
+                <a14:useLocalDpi xmlns:a14="http://schemas.microsoft.com/office/drawing/2010/main" val="0"/>
+              </a:ext>
+            </a:extLst>
+          </a:blip>
+          <a:stretch>
+            <a:fillRect/>
+          </a:stretch>
+        </p:blipFill>
+        <p:spPr>
+          <a:xfrm>
+            <a:off x="11186160" y="0"/>
+            <a:ext cx="1005840" cy="1005840"/>
+          </a:xfrm>
+          <a:prstGeom prst="rect">
+            <a:avLst/>
+          </a:prstGeom>
+        </p:spPr>
+      </p:pic>
+    </p:spTree>
+    <p:extLst>
+      <p:ext uri="{BB962C8B-B14F-4D97-AF65-F5344CB8AC3E}">
+        <p14:creationId xmlns:p14="http://schemas.microsoft.com/office/powerpoint/2010/main" val="4172830415"/>
+      </p:ext>
+    </p:extLst>
+  </p:cSld>
+  <p:clrMapOvr>
+    <a:masterClrMapping/>
+  </p:clrMapOvr>
+</p:sld>
+</file>
+
+<file path=ppt/slides/slide16.xml><?xml version="1.0" encoding="utf-8"?>
+<p:sld xmlns:a="http://schemas.openxmlformats.org/drawingml/2006/main" xmlns:r="http://schemas.openxmlformats.org/officeDocument/2006/relationships" xmlns:p="http://schemas.openxmlformats.org/presentationml/2006/main">
+  <p:cSld>
+    <p:bg>
+      <p:bgPr>
+        <a:solidFill>
+          <a:schemeClr val="bg1"/>
+        </a:solidFill>
+        <a:effectLst/>
+      </p:bgPr>
+    </p:bg>
+    <p:spTree>
+      <p:nvGrpSpPr>
+        <p:cNvPr id="1" name=""/>
+        <p:cNvGrpSpPr/>
+        <p:nvPr/>
+      </p:nvGrpSpPr>
+      <p:grpSpPr>
+        <a:xfrm>
+          <a:off x="0" y="0"/>
+          <a:ext cx="0" cy="0"/>
+          <a:chOff x="0" y="0"/>
+          <a:chExt cx="0" cy="0"/>
+        </a:xfrm>
+      </p:grpSpPr>
+      <p:sp useBgFill="1">
+        <p:nvSpPr>
+          <p:cNvPr id="9" name="Rectangle 8">
+            <a:extLst>
+              <a:ext uri="{FF2B5EF4-FFF2-40B4-BE49-F238E27FC236}">
+                <a16:creationId xmlns:a16="http://schemas.microsoft.com/office/drawing/2014/main" id="{9F4444CE-BC8D-4D61-B303-4C05614E62AB}"/>
+              </a:ext>
+              <a:ext uri="{C183D7F6-B498-43B3-948B-1728B52AA6E4}">
+                <adec:decorative xmlns:adec="http://schemas.microsoft.com/office/drawing/2017/decorative" val="1"/>
+              </a:ext>
+            </a:extLst>
+          </p:cNvPr>
+          <p:cNvSpPr>
+            <a:spLocks noGrp="1" noRot="1" noChangeAspect="1" noMove="1" noResize="1" noEditPoints="1" noAdjustHandles="1" noChangeArrowheads="1" noChangeShapeType="1" noTextEdit="1"/>
+          </p:cNvSpPr>
+          <p:nvPr>
+            <p:extLst>
+              <p:ext uri="{386F3935-93C4-4BCD-93E2-E3B085C9AB24}">
+                <p16:designElem xmlns:p16="http://schemas.microsoft.com/office/powerpoint/2015/main" val="1"/>
+              </p:ext>
+            </p:extLst>
+          </p:nvPr>
+        </p:nvSpPr>
+        <p:spPr>
+          <a:xfrm>
+            <a:off x="0" y="0"/>
+            <a:ext cx="12192000" cy="6858000"/>
+          </a:xfrm>
+          <a:prstGeom prst="rect">
+            <a:avLst/>
+          </a:prstGeom>
+          <a:ln>
+            <a:noFill/>
+          </a:ln>
+        </p:spPr>
+        <p:style>
+          <a:lnRef idx="2">
+            <a:schemeClr val="accent1">
+              <a:shade val="50000"/>
+            </a:schemeClr>
+          </a:lnRef>
+          <a:fillRef idx="1">
+            <a:schemeClr val="accent1"/>
+          </a:fillRef>
+          <a:effectRef idx="0">
+            <a:schemeClr val="accent1"/>
+          </a:effectRef>
+          <a:fontRef idx="minor">
+            <a:schemeClr val="lt1"/>
+          </a:fontRef>
+        </p:style>
+        <p:txBody>
+          <a:bodyPr rtlCol="0" anchor="ctr"/>
+          <a:lstStyle/>
+          <a:p>
+            <a:pPr algn="ctr"/>
+            <a:endParaRPr lang="en-US"/>
+          </a:p>
+        </p:txBody>
+      </p:sp>
+      <p:sp>
+        <p:nvSpPr>
+          <p:cNvPr id="11" name="Rectangle 10">
+            <a:extLst>
+              <a:ext uri="{FF2B5EF4-FFF2-40B4-BE49-F238E27FC236}">
+                <a16:creationId xmlns:a16="http://schemas.microsoft.com/office/drawing/2014/main" id="{62423CA5-E2E1-4789-B759-9906C1C94063}"/>
+              </a:ext>
+              <a:ext uri="{C183D7F6-B498-43B3-948B-1728B52AA6E4}">
+                <adec:decorative xmlns:adec="http://schemas.microsoft.com/office/drawing/2017/decorative" val="1"/>
+              </a:ext>
+            </a:extLst>
+          </p:cNvPr>
+          <p:cNvSpPr>
+            <a:spLocks noGrp="1" noRot="1" noChangeAspect="1" noMove="1" noResize="1" noEditPoints="1" noAdjustHandles="1" noChangeArrowheads="1" noChangeShapeType="1" noTextEdit="1"/>
+          </p:cNvSpPr>
+          <p:nvPr>
+            <p:extLst>
+              <p:ext uri="{386F3935-93C4-4BCD-93E2-E3B085C9AB24}">
+                <p16:designElem xmlns:p16="http://schemas.microsoft.com/office/powerpoint/2015/main" val="1"/>
+              </p:ext>
+            </p:extLst>
+          </p:nvPr>
+        </p:nvSpPr>
+        <p:spPr>
+          <a:xfrm>
+            <a:off x="0" y="-3"/>
+            <a:ext cx="4660126" cy="6858000"/>
+          </a:xfrm>
+          <a:prstGeom prst="rect">
+            <a:avLst/>
+          </a:prstGeom>
+          <a:solidFill>
+            <a:schemeClr val="tx2"/>
+          </a:solidFill>
+          <a:ln>
+            <a:noFill/>
+          </a:ln>
+          <a:effectLst/>
+        </p:spPr>
+        <p:style>
+          <a:lnRef idx="1">
+            <a:schemeClr val="accent1"/>
+          </a:lnRef>
+          <a:fillRef idx="3">
+            <a:schemeClr val="accent1"/>
+          </a:fillRef>
+          <a:effectRef idx="2">
+            <a:schemeClr val="accent1"/>
+          </a:effectRef>
+          <a:fontRef idx="minor">
+            <a:schemeClr val="lt1"/>
+          </a:fontRef>
+        </p:style>
+        <p:txBody>
+          <a:bodyPr/>
+          <a:lstStyle/>
+          <a:p>
+            <a:endParaRPr lang="en-US"/>
+          </a:p>
+        </p:txBody>
+      </p:sp>
+      <p:sp>
+        <p:nvSpPr>
+          <p:cNvPr id="13" name="Isosceles Triangle 12">
+            <a:extLst>
+              <a:ext uri="{FF2B5EF4-FFF2-40B4-BE49-F238E27FC236}">
+                <a16:creationId xmlns:a16="http://schemas.microsoft.com/office/drawing/2014/main" id="{73772B81-181F-48B7-8826-4D9686D15DF5}"/>
+              </a:ext>
+              <a:ext uri="{C183D7F6-B498-43B3-948B-1728B52AA6E4}">
+                <adec:decorative xmlns:adec="http://schemas.microsoft.com/office/drawing/2017/decorative" val="1"/>
+              </a:ext>
+            </a:extLst>
+          </p:cNvPr>
+          <p:cNvSpPr>
+            <a:spLocks noGrp="1" noRot="1" noChangeAspect="1" noMove="1" noResize="1" noEditPoints="1" noAdjustHandles="1" noChangeArrowheads="1" noChangeShapeType="1" noTextEdit="1"/>
+          </p:cNvSpPr>
+          <p:nvPr>
+            <p:extLst>
+              <p:ext uri="{386F3935-93C4-4BCD-93E2-E3B085C9AB24}">
+                <p16:designElem xmlns:p16="http://schemas.microsoft.com/office/powerpoint/2015/main" val="1"/>
+              </p:ext>
+            </p:extLst>
+          </p:nvPr>
+        </p:nvSpPr>
+        <p:spPr>
+          <a:xfrm rot="10800000">
+            <a:off x="4660127" y="-3"/>
+            <a:ext cx="1056745" cy="6858001"/>
+          </a:xfrm>
+          <a:prstGeom prst="triangle">
+            <a:avLst>
+              <a:gd name="adj" fmla="val 100000"/>
+            </a:avLst>
+          </a:prstGeom>
+          <a:solidFill>
+            <a:schemeClr val="tx2"/>
+          </a:solidFill>
+          <a:ln>
+            <a:noFill/>
+          </a:ln>
+          <a:effectLst/>
+        </p:spPr>
+        <p:style>
+          <a:lnRef idx="1">
+            <a:schemeClr val="accent1"/>
+          </a:lnRef>
+          <a:fillRef idx="3">
+            <a:schemeClr val="accent1"/>
+          </a:fillRef>
+          <a:effectRef idx="2">
+            <a:schemeClr val="accent1"/>
+          </a:effectRef>
+          <a:fontRef idx="minor">
+            <a:schemeClr val="lt1"/>
+          </a:fontRef>
+        </p:style>
+        <p:txBody>
+          <a:bodyPr/>
+          <a:lstStyle/>
+          <a:p>
+            <a:endParaRPr lang="en-US" dirty="0"/>
+          </a:p>
+        </p:txBody>
+      </p:sp>
+      <p:sp>
+        <p:nvSpPr>
+          <p:cNvPr id="2" name="Title 1">
+            <a:extLst>
+              <a:ext uri="{FF2B5EF4-FFF2-40B4-BE49-F238E27FC236}">
+                <a16:creationId xmlns:a16="http://schemas.microsoft.com/office/drawing/2014/main" id="{CB781611-DC4D-477E-818E-37A668BEABD7}"/>
+              </a:ext>
+            </a:extLst>
+          </p:cNvPr>
+          <p:cNvSpPr>
+            <a:spLocks noGrp="1"/>
+          </p:cNvSpPr>
+          <p:nvPr>
+            <p:ph type="title"/>
+          </p:nvPr>
+        </p:nvSpPr>
+        <p:spPr>
+          <a:xfrm>
+            <a:off x="673754" y="643467"/>
+            <a:ext cx="4203045" cy="1375608"/>
+          </a:xfrm>
+        </p:spPr>
+        <p:txBody>
+          <a:bodyPr anchor="ctr">
+            <a:normAutofit/>
+          </a:bodyPr>
+          <a:lstStyle/>
+          <a:p>
+            <a:r>
+              <a:rPr lang="en-IN">
+                <a:solidFill>
+                  <a:schemeClr val="bg1"/>
+                </a:solidFill>
+              </a:rPr>
+              <a:t>t-Test</a:t>
+            </a:r>
+          </a:p>
+        </p:txBody>
+      </p:sp>
+      <p:sp>
+        <p:nvSpPr>
+          <p:cNvPr id="3" name="Content Placeholder 2">
+            <a:extLst>
+              <a:ext uri="{FF2B5EF4-FFF2-40B4-BE49-F238E27FC236}">
+                <a16:creationId xmlns:a16="http://schemas.microsoft.com/office/drawing/2014/main" id="{7781D079-FFF7-4E97-9721-886F25BD248C}"/>
+              </a:ext>
+            </a:extLst>
+          </p:cNvPr>
+          <p:cNvSpPr>
+            <a:spLocks noGrp="1"/>
+          </p:cNvSpPr>
+          <p:nvPr>
+            <p:ph idx="1"/>
+          </p:nvPr>
+        </p:nvSpPr>
+        <p:spPr>
+          <a:xfrm>
+            <a:off x="673754" y="2160589"/>
+            <a:ext cx="3973943" cy="4053943"/>
+          </a:xfrm>
+        </p:spPr>
+        <p:txBody>
+          <a:bodyPr>
+            <a:normAutofit/>
+          </a:bodyPr>
+          <a:lstStyle/>
+          <a:p>
+            <a:pPr>
+              <a:lnSpc>
+                <a:spcPct val="90000"/>
+              </a:lnSpc>
+            </a:pPr>
+            <a:r>
+              <a:rPr lang="en-IN" sz="1600" dirty="0">
+                <a:solidFill>
+                  <a:schemeClr val="bg1"/>
+                </a:solidFill>
+              </a:rPr>
+              <a:t>t-test is used to examine how the means taken from two independent samples differ.</a:t>
+            </a:r>
+          </a:p>
+          <a:p>
+            <a:pPr>
+              <a:lnSpc>
+                <a:spcPct val="90000"/>
+              </a:lnSpc>
+            </a:pPr>
+            <a:r>
+              <a:rPr lang="en-IN" sz="1600" dirty="0">
+                <a:solidFill>
+                  <a:schemeClr val="bg1"/>
+                </a:solidFill>
+              </a:rPr>
+              <a:t>T-test follows t-distribution, which is appropriate when the sample size is small, and the population standard deviation is not known.</a:t>
+            </a:r>
+          </a:p>
+          <a:p>
+            <a:pPr>
+              <a:lnSpc>
+                <a:spcPct val="90000"/>
+              </a:lnSpc>
+            </a:pPr>
+            <a:r>
+              <a:rPr lang="en-IN" sz="1600" dirty="0">
+                <a:solidFill>
+                  <a:schemeClr val="bg1"/>
+                </a:solidFill>
+              </a:rPr>
+              <a:t>The shape of a t-distribution is highly affected by the degree of freedom.</a:t>
+            </a:r>
+          </a:p>
+          <a:p>
+            <a:pPr>
+              <a:lnSpc>
+                <a:spcPct val="90000"/>
+              </a:lnSpc>
+            </a:pPr>
+            <a:r>
+              <a:rPr lang="en-IN" sz="1600" dirty="0">
+                <a:solidFill>
+                  <a:schemeClr val="bg1"/>
+                </a:solidFill>
+              </a:rPr>
+              <a:t>The degree of freedom implies the number of independent observations in a given set of observations.</a:t>
+            </a:r>
+          </a:p>
+          <a:p>
+            <a:pPr marL="0" indent="0">
+              <a:lnSpc>
+                <a:spcPct val="90000"/>
+              </a:lnSpc>
+              <a:buNone/>
+            </a:pPr>
+            <a:endParaRPr lang="en-IN" sz="1200" dirty="0">
+              <a:solidFill>
+                <a:schemeClr val="bg1"/>
+              </a:solidFill>
+            </a:endParaRPr>
+          </a:p>
+        </p:txBody>
+      </p:sp>
+      <p:pic>
+        <p:nvPicPr>
+          <p:cNvPr id="4" name="Picture 3">
+            <a:extLst>
+              <a:ext uri="{FF2B5EF4-FFF2-40B4-BE49-F238E27FC236}">
+                <a16:creationId xmlns:a16="http://schemas.microsoft.com/office/drawing/2014/main" id="{EFD8E9B3-7E88-43A8-9840-6A456BF3EE1D}"/>
+              </a:ext>
+            </a:extLst>
+          </p:cNvPr>
+          <p:cNvPicPr>
+            <a:picLocks noChangeAspect="1"/>
+          </p:cNvPicPr>
+          <p:nvPr/>
+        </p:nvPicPr>
+        <p:blipFill>
+          <a:blip r:embed="rId2"/>
+          <a:stretch>
+            <a:fillRect/>
+          </a:stretch>
+        </p:blipFill>
+        <p:spPr>
+          <a:xfrm>
+            <a:off x="6319559" y="2160590"/>
+            <a:ext cx="4919941" cy="2644468"/>
+          </a:xfrm>
+          <a:prstGeom prst="rect">
+            <a:avLst/>
+          </a:prstGeom>
+        </p:spPr>
+      </p:pic>
+      <p:sp>
+        <p:nvSpPr>
+          <p:cNvPr id="15" name="Isosceles Triangle 14">
+            <a:extLst>
+              <a:ext uri="{FF2B5EF4-FFF2-40B4-BE49-F238E27FC236}">
+                <a16:creationId xmlns:a16="http://schemas.microsoft.com/office/drawing/2014/main" id="{B2205F6E-03C6-4E92-877C-E2482F6599AA}"/>
+              </a:ext>
+              <a:ext uri="{C183D7F6-B498-43B3-948B-1728B52AA6E4}">
+                <adec:decorative xmlns:adec="http://schemas.microsoft.com/office/drawing/2017/decorative" val="1"/>
+              </a:ext>
+            </a:extLst>
+          </p:cNvPr>
+          <p:cNvSpPr>
+            <a:spLocks noGrp="1" noRot="1" noChangeAspect="1" noMove="1" noResize="1" noEditPoints="1" noAdjustHandles="1" noChangeArrowheads="1" noChangeShapeType="1" noTextEdit="1"/>
+          </p:cNvSpPr>
+          <p:nvPr>
+            <p:extLst>
+              <p:ext uri="{386F3935-93C4-4BCD-93E2-E3B085C9AB24}">
+                <p16:designElem xmlns:p16="http://schemas.microsoft.com/office/powerpoint/2015/main" val="1"/>
+              </p:ext>
+            </p:extLst>
+          </p:nvPr>
+        </p:nvSpPr>
+        <p:spPr>
+          <a:xfrm flipH="1">
+            <a:off x="11755696" y="4013200"/>
+            <a:ext cx="448733" cy="2844800"/>
+          </a:xfrm>
+          <a:prstGeom prst="triangle">
+            <a:avLst>
+              <a:gd name="adj" fmla="val 0"/>
+            </a:avLst>
+          </a:prstGeom>
+          <a:solidFill>
+            <a:schemeClr val="accent1">
+              <a:alpha val="85000"/>
+            </a:schemeClr>
+          </a:solidFill>
+          <a:ln>
+            <a:noFill/>
+          </a:ln>
+          <a:effectLst/>
+        </p:spPr>
+        <p:style>
+          <a:lnRef idx="1">
+            <a:schemeClr val="accent1"/>
+          </a:lnRef>
+          <a:fillRef idx="3">
+            <a:schemeClr val="accent1"/>
+          </a:fillRef>
+          <a:effectRef idx="2">
+            <a:schemeClr val="accent1"/>
+          </a:effectRef>
+          <a:fontRef idx="minor">
+            <a:schemeClr val="lt1"/>
+          </a:fontRef>
+        </p:style>
+        <p:txBody>
+          <a:bodyPr/>
+          <a:lstStyle/>
+          <a:p>
+            <a:endParaRPr lang="en-US" dirty="0"/>
+          </a:p>
+        </p:txBody>
+      </p:sp>
+      <p:sp>
+        <p:nvSpPr>
+          <p:cNvPr id="6" name="Slide Number Placeholder 5">
+            <a:extLst>
+              <a:ext uri="{FF2B5EF4-FFF2-40B4-BE49-F238E27FC236}">
+                <a16:creationId xmlns:a16="http://schemas.microsoft.com/office/drawing/2014/main" id="{76E32274-F981-40F6-8BD9-266A517B7A1B}"/>
+              </a:ext>
+            </a:extLst>
+          </p:cNvPr>
+          <p:cNvSpPr>
+            <a:spLocks noGrp="1"/>
+          </p:cNvSpPr>
+          <p:nvPr>
+            <p:ph type="sldNum" sz="quarter" idx="12"/>
+          </p:nvPr>
+        </p:nvSpPr>
+        <p:spPr/>
+        <p:txBody>
+          <a:bodyPr/>
+          <a:lstStyle/>
+          <a:p>
+            <a:fld id="{D57F1E4F-1CFF-5643-939E-217C01CDF565}" type="slidenum">
+              <a:rPr lang="en-US" smtClean="0"/>
+              <a:pPr/>
+              <a:t>16</a:t>
+            </a:fld>
+            <a:endParaRPr lang="en-US" dirty="0"/>
+          </a:p>
+        </p:txBody>
+      </p:sp>
+      <p:pic>
+        <p:nvPicPr>
+          <p:cNvPr id="5" name="Picture 4"/>
+          <p:cNvPicPr>
+            <a:picLocks noChangeAspect="1"/>
+          </p:cNvPicPr>
+          <p:nvPr/>
+        </p:nvPicPr>
+        <p:blipFill>
+          <a:blip r:embed="rId3">
+            <a:extLst>
+              <a:ext uri="{28A0092B-C50C-407E-A947-70E740481C1C}">
+                <a14:useLocalDpi xmlns:a14="http://schemas.microsoft.com/office/drawing/2010/main" val="0"/>
+              </a:ext>
+            </a:extLst>
+          </a:blip>
+          <a:stretch>
+            <a:fillRect/>
+          </a:stretch>
+        </p:blipFill>
+        <p:spPr>
+          <a:xfrm>
+            <a:off x="11198589" y="0"/>
+            <a:ext cx="1005840" cy="1005840"/>
+          </a:xfrm>
+          <a:prstGeom prst="rect">
+            <a:avLst/>
+          </a:prstGeom>
+        </p:spPr>
+      </p:pic>
+    </p:spTree>
+    <p:extLst>
+      <p:ext uri="{BB962C8B-B14F-4D97-AF65-F5344CB8AC3E}">
+        <p14:creationId xmlns:p14="http://schemas.microsoft.com/office/powerpoint/2010/main" val="24361797"/>
+      </p:ext>
+    </p:extLst>
+  </p:cSld>
+  <p:clrMapOvr>
+    <a:masterClrMapping/>
+  </p:clrMapOvr>
+</p:sld>
+</file>
+
+<file path=ppt/slides/slide17.xml><?xml version="1.0" encoding="utf-8"?>
+<p:sld xmlns:a="http://schemas.openxmlformats.org/drawingml/2006/main" xmlns:r="http://schemas.openxmlformats.org/officeDocument/2006/relationships" xmlns:p="http://schemas.openxmlformats.org/presentationml/2006/main">
+  <p:cSld>
+    <p:bg>
+      <p:bgPr>
+        <a:solidFill>
+          <a:schemeClr val="bg1"/>
+        </a:solidFill>
+        <a:effectLst/>
+      </p:bgPr>
+    </p:bg>
+    <p:spTree>
+      <p:nvGrpSpPr>
+        <p:cNvPr id="1" name=""/>
+        <p:cNvGrpSpPr/>
+        <p:nvPr/>
+      </p:nvGrpSpPr>
+      <p:grpSpPr>
+        <a:xfrm>
+          <a:off x="0" y="0"/>
+          <a:ext cx="0" cy="0"/>
+          <a:chOff x="0" y="0"/>
+          <a:chExt cx="0" cy="0"/>
+        </a:xfrm>
+      </p:grpSpPr>
+      <p:sp useBgFill="1">
+        <p:nvSpPr>
+          <p:cNvPr id="9" name="Rectangle 8">
+            <a:extLst>
+              <a:ext uri="{FF2B5EF4-FFF2-40B4-BE49-F238E27FC236}">
+                <a16:creationId xmlns:a16="http://schemas.microsoft.com/office/drawing/2014/main" id="{9F4444CE-BC8D-4D61-B303-4C05614E62AB}"/>
+              </a:ext>
+              <a:ext uri="{C183D7F6-B498-43B3-948B-1728B52AA6E4}">
+                <adec:decorative xmlns:adec="http://schemas.microsoft.com/office/drawing/2017/decorative" val="1"/>
+              </a:ext>
+            </a:extLst>
+          </p:cNvPr>
+          <p:cNvSpPr>
+            <a:spLocks noGrp="1" noRot="1" noChangeAspect="1" noMove="1" noResize="1" noEditPoints="1" noAdjustHandles="1" noChangeArrowheads="1" noChangeShapeType="1" noTextEdit="1"/>
+          </p:cNvSpPr>
+          <p:nvPr>
+            <p:extLst>
+              <p:ext uri="{386F3935-93C4-4BCD-93E2-E3B085C9AB24}">
+                <p16:designElem xmlns:p16="http://schemas.microsoft.com/office/powerpoint/2015/main" val="1"/>
+              </p:ext>
+            </p:extLst>
+          </p:nvPr>
+        </p:nvSpPr>
+        <p:spPr>
+          <a:xfrm>
+            <a:off x="0" y="0"/>
+            <a:ext cx="12192000" cy="6858000"/>
+          </a:xfrm>
+          <a:prstGeom prst="rect">
+            <a:avLst/>
+          </a:prstGeom>
+          <a:ln>
+            <a:noFill/>
+          </a:ln>
+        </p:spPr>
+        <p:style>
+          <a:lnRef idx="2">
+            <a:schemeClr val="accent1">
+              <a:shade val="50000"/>
+            </a:schemeClr>
+          </a:lnRef>
+          <a:fillRef idx="1">
+            <a:schemeClr val="accent1"/>
+          </a:fillRef>
+          <a:effectRef idx="0">
+            <a:schemeClr val="accent1"/>
+          </a:effectRef>
+          <a:fontRef idx="minor">
+            <a:schemeClr val="lt1"/>
+          </a:fontRef>
+        </p:style>
+        <p:txBody>
+          <a:bodyPr rtlCol="0" anchor="ctr"/>
+          <a:lstStyle/>
+          <a:p>
+            <a:pPr algn="ctr"/>
+            <a:endParaRPr lang="en-US"/>
+          </a:p>
+        </p:txBody>
+      </p:sp>
+      <p:sp>
+        <p:nvSpPr>
+          <p:cNvPr id="11" name="Rectangle 10">
+            <a:extLst>
+              <a:ext uri="{FF2B5EF4-FFF2-40B4-BE49-F238E27FC236}">
+                <a16:creationId xmlns:a16="http://schemas.microsoft.com/office/drawing/2014/main" id="{62423CA5-E2E1-4789-B759-9906C1C94063}"/>
+              </a:ext>
+              <a:ext uri="{C183D7F6-B498-43B3-948B-1728B52AA6E4}">
+                <adec:decorative xmlns:adec="http://schemas.microsoft.com/office/drawing/2017/decorative" val="1"/>
+              </a:ext>
+            </a:extLst>
+          </p:cNvPr>
+          <p:cNvSpPr>
+            <a:spLocks noGrp="1" noRot="1" noChangeAspect="1" noMove="1" noResize="1" noEditPoints="1" noAdjustHandles="1" noChangeArrowheads="1" noChangeShapeType="1" noTextEdit="1"/>
+          </p:cNvSpPr>
+          <p:nvPr>
+            <p:extLst>
+              <p:ext uri="{386F3935-93C4-4BCD-93E2-E3B085C9AB24}">
+                <p16:designElem xmlns:p16="http://schemas.microsoft.com/office/powerpoint/2015/main" val="1"/>
+              </p:ext>
+            </p:extLst>
+          </p:nvPr>
+        </p:nvSpPr>
+        <p:spPr>
+          <a:xfrm>
+            <a:off x="0" y="-3"/>
+            <a:ext cx="4660126" cy="6858000"/>
+          </a:xfrm>
+          <a:prstGeom prst="rect">
+            <a:avLst/>
+          </a:prstGeom>
+          <a:solidFill>
+            <a:schemeClr val="tx2"/>
+          </a:solidFill>
+          <a:ln>
+            <a:noFill/>
+          </a:ln>
+          <a:effectLst/>
+        </p:spPr>
+        <p:style>
+          <a:lnRef idx="1">
+            <a:schemeClr val="accent1"/>
+          </a:lnRef>
+          <a:fillRef idx="3">
+            <a:schemeClr val="accent1"/>
+          </a:fillRef>
+          <a:effectRef idx="2">
+            <a:schemeClr val="accent1"/>
+          </a:effectRef>
+          <a:fontRef idx="minor">
+            <a:schemeClr val="lt1"/>
+          </a:fontRef>
+        </p:style>
+        <p:txBody>
+          <a:bodyPr/>
+          <a:lstStyle/>
+          <a:p>
+            <a:endParaRPr lang="en-US"/>
+          </a:p>
+        </p:txBody>
+      </p:sp>
+      <p:sp>
+        <p:nvSpPr>
+          <p:cNvPr id="13" name="Isosceles Triangle 12">
+            <a:extLst>
+              <a:ext uri="{FF2B5EF4-FFF2-40B4-BE49-F238E27FC236}">
+                <a16:creationId xmlns:a16="http://schemas.microsoft.com/office/drawing/2014/main" id="{73772B81-181F-48B7-8826-4D9686D15DF5}"/>
+              </a:ext>
+              <a:ext uri="{C183D7F6-B498-43B3-948B-1728B52AA6E4}">
+                <adec:decorative xmlns:adec="http://schemas.microsoft.com/office/drawing/2017/decorative" val="1"/>
+              </a:ext>
+            </a:extLst>
+          </p:cNvPr>
+          <p:cNvSpPr>
+            <a:spLocks noGrp="1" noRot="1" noChangeAspect="1" noMove="1" noResize="1" noEditPoints="1" noAdjustHandles="1" noChangeArrowheads="1" noChangeShapeType="1" noTextEdit="1"/>
+          </p:cNvSpPr>
+          <p:nvPr>
+            <p:extLst>
+              <p:ext uri="{386F3935-93C4-4BCD-93E2-E3B085C9AB24}">
+                <p16:designElem xmlns:p16="http://schemas.microsoft.com/office/powerpoint/2015/main" val="1"/>
+              </p:ext>
+            </p:extLst>
+          </p:nvPr>
+        </p:nvSpPr>
+        <p:spPr>
+          <a:xfrm rot="10800000">
+            <a:off x="4660127" y="-3"/>
+            <a:ext cx="1056745" cy="6858001"/>
+          </a:xfrm>
+          <a:prstGeom prst="triangle">
+            <a:avLst>
+              <a:gd name="adj" fmla="val 100000"/>
+            </a:avLst>
+          </a:prstGeom>
+          <a:solidFill>
+            <a:schemeClr val="tx2"/>
+          </a:solidFill>
+          <a:ln>
+            <a:noFill/>
+          </a:ln>
+          <a:effectLst/>
+        </p:spPr>
+        <p:style>
+          <a:lnRef idx="1">
+            <a:schemeClr val="accent1"/>
+          </a:lnRef>
+          <a:fillRef idx="3">
+            <a:schemeClr val="accent1"/>
+          </a:fillRef>
+          <a:effectRef idx="2">
+            <a:schemeClr val="accent1"/>
+          </a:effectRef>
+          <a:fontRef idx="minor">
+            <a:schemeClr val="lt1"/>
+          </a:fontRef>
+        </p:style>
+        <p:txBody>
+          <a:bodyPr/>
+          <a:lstStyle/>
+          <a:p>
+            <a:endParaRPr lang="en-US" dirty="0"/>
+          </a:p>
+        </p:txBody>
+      </p:sp>
+      <p:sp>
+        <p:nvSpPr>
+          <p:cNvPr id="2" name="Title 1">
+            <a:extLst>
+              <a:ext uri="{FF2B5EF4-FFF2-40B4-BE49-F238E27FC236}">
+                <a16:creationId xmlns:a16="http://schemas.microsoft.com/office/drawing/2014/main" id="{CB781611-DC4D-477E-818E-37A668BEABD7}"/>
+              </a:ext>
+            </a:extLst>
+          </p:cNvPr>
+          <p:cNvSpPr>
+            <a:spLocks noGrp="1"/>
+          </p:cNvSpPr>
+          <p:nvPr>
+            <p:ph type="title"/>
+          </p:nvPr>
+        </p:nvSpPr>
+        <p:spPr>
+          <a:xfrm>
+            <a:off x="673754" y="643467"/>
+            <a:ext cx="4203045" cy="1375608"/>
+          </a:xfrm>
+        </p:spPr>
+        <p:txBody>
+          <a:bodyPr anchor="ctr">
+            <a:normAutofit/>
+          </a:bodyPr>
+          <a:lstStyle/>
+          <a:p>
+            <a:r>
+              <a:rPr lang="en-IN">
+                <a:solidFill>
+                  <a:schemeClr val="bg1"/>
+                </a:solidFill>
+              </a:rPr>
+              <a:t>t-Test</a:t>
+            </a:r>
+          </a:p>
+        </p:txBody>
+      </p:sp>
+      <p:sp>
+        <p:nvSpPr>
+          <p:cNvPr id="3" name="Content Placeholder 2">
+            <a:extLst>
+              <a:ext uri="{FF2B5EF4-FFF2-40B4-BE49-F238E27FC236}">
+                <a16:creationId xmlns:a16="http://schemas.microsoft.com/office/drawing/2014/main" id="{7781D079-FFF7-4E97-9721-886F25BD248C}"/>
+              </a:ext>
+            </a:extLst>
+          </p:cNvPr>
+          <p:cNvSpPr>
+            <a:spLocks noGrp="1"/>
+          </p:cNvSpPr>
+          <p:nvPr>
+            <p:ph idx="1"/>
+          </p:nvPr>
+        </p:nvSpPr>
+        <p:spPr>
+          <a:xfrm>
+            <a:off x="673754" y="2160589"/>
+            <a:ext cx="3973943" cy="4053943"/>
+          </a:xfrm>
+        </p:spPr>
+        <p:txBody>
+          <a:bodyPr>
+            <a:normAutofit/>
+          </a:bodyPr>
+          <a:lstStyle/>
+          <a:p>
+            <a:pPr>
+              <a:lnSpc>
+                <a:spcPct val="90000"/>
+              </a:lnSpc>
+            </a:pPr>
+            <a:r>
+              <a:rPr lang="en-US" sz="1600" dirty="0">
+                <a:solidFill>
+                  <a:schemeClr val="bg1"/>
+                </a:solidFill>
+              </a:rPr>
+              <a:t>It is assumed that the mean systolic blood pressure is μ = 120 mm Hg. In the Honolulu Heart Study, a sample of n = 100 people had an average systolic blood pressure of 130.1 mm Hg with a standard deviation of 21.21 mm Hg. Is the group significantly different (with respect to systolic blood pressure!) from the regular population?</a:t>
+            </a:r>
+            <a:endParaRPr lang="en-IN" sz="1200" dirty="0">
+              <a:solidFill>
+                <a:schemeClr val="bg1"/>
+              </a:solidFill>
+            </a:endParaRPr>
+          </a:p>
+        </p:txBody>
+      </p:sp>
+      <p:sp>
+        <p:nvSpPr>
+          <p:cNvPr id="15" name="Isosceles Triangle 14">
+            <a:extLst>
+              <a:ext uri="{FF2B5EF4-FFF2-40B4-BE49-F238E27FC236}">
+                <a16:creationId xmlns:a16="http://schemas.microsoft.com/office/drawing/2014/main" id="{B2205F6E-03C6-4E92-877C-E2482F6599AA}"/>
+              </a:ext>
+              <a:ext uri="{C183D7F6-B498-43B3-948B-1728B52AA6E4}">
+                <adec:decorative xmlns:adec="http://schemas.microsoft.com/office/drawing/2017/decorative" val="1"/>
+              </a:ext>
+            </a:extLst>
+          </p:cNvPr>
+          <p:cNvSpPr>
+            <a:spLocks noGrp="1" noRot="1" noChangeAspect="1" noMove="1" noResize="1" noEditPoints="1" noAdjustHandles="1" noChangeArrowheads="1" noChangeShapeType="1" noTextEdit="1"/>
+          </p:cNvSpPr>
+          <p:nvPr>
+            <p:extLst>
+              <p:ext uri="{386F3935-93C4-4BCD-93E2-E3B085C9AB24}">
+                <p16:designElem xmlns:p16="http://schemas.microsoft.com/office/powerpoint/2015/main" val="1"/>
+              </p:ext>
+            </p:extLst>
+          </p:nvPr>
+        </p:nvSpPr>
+        <p:spPr>
+          <a:xfrm flipH="1">
+            <a:off x="11755696" y="4013200"/>
+            <a:ext cx="448733" cy="2844800"/>
+          </a:xfrm>
+          <a:prstGeom prst="triangle">
+            <a:avLst>
+              <a:gd name="adj" fmla="val 0"/>
+            </a:avLst>
+          </a:prstGeom>
+          <a:solidFill>
+            <a:schemeClr val="accent1">
+              <a:alpha val="85000"/>
+            </a:schemeClr>
+          </a:solidFill>
+          <a:ln>
+            <a:noFill/>
+          </a:ln>
+          <a:effectLst/>
+        </p:spPr>
+        <p:style>
+          <a:lnRef idx="1">
+            <a:schemeClr val="accent1"/>
+          </a:lnRef>
+          <a:fillRef idx="3">
+            <a:schemeClr val="accent1"/>
+          </a:fillRef>
+          <a:effectRef idx="2">
+            <a:schemeClr val="accent1"/>
+          </a:effectRef>
+          <a:fontRef idx="minor">
+            <a:schemeClr val="lt1"/>
+          </a:fontRef>
+        </p:style>
+        <p:txBody>
+          <a:bodyPr/>
+          <a:lstStyle/>
+          <a:p>
+            <a:endParaRPr lang="en-US" dirty="0"/>
+          </a:p>
+        </p:txBody>
+      </p:sp>
+      <p:sp>
+        <p:nvSpPr>
+          <p:cNvPr id="6" name="Slide Number Placeholder 5">
+            <a:extLst>
+              <a:ext uri="{FF2B5EF4-FFF2-40B4-BE49-F238E27FC236}">
+                <a16:creationId xmlns:a16="http://schemas.microsoft.com/office/drawing/2014/main" id="{76E32274-F981-40F6-8BD9-266A517B7A1B}"/>
+              </a:ext>
+            </a:extLst>
+          </p:cNvPr>
+          <p:cNvSpPr>
+            <a:spLocks noGrp="1"/>
+          </p:cNvSpPr>
+          <p:nvPr>
+            <p:ph type="sldNum" sz="quarter" idx="12"/>
+          </p:nvPr>
+        </p:nvSpPr>
+        <p:spPr/>
+        <p:txBody>
+          <a:bodyPr/>
+          <a:lstStyle/>
+          <a:p>
+            <a:fld id="{D57F1E4F-1CFF-5643-939E-217C01CDF565}" type="slidenum">
+              <a:rPr lang="en-US" smtClean="0"/>
+              <a:pPr/>
+              <a:t>17</a:t>
+            </a:fld>
+            <a:endParaRPr lang="en-US" dirty="0"/>
+          </a:p>
+        </p:txBody>
+      </p:sp>
+      <p:pic>
+        <p:nvPicPr>
+          <p:cNvPr id="6146" name="Picture 2"/>
+          <p:cNvPicPr>
+            <a:picLocks noChangeAspect="1" noChangeArrowheads="1"/>
+          </p:cNvPicPr>
+          <p:nvPr/>
+        </p:nvPicPr>
+        <p:blipFill>
+          <a:blip r:embed="rId2">
+            <a:extLst>
+              <a:ext uri="{28A0092B-C50C-407E-A947-70E740481C1C}">
+                <a14:useLocalDpi xmlns:a14="http://schemas.microsoft.com/office/drawing/2010/main" val="0"/>
+              </a:ext>
+            </a:extLst>
+          </a:blip>
+          <a:srcRect/>
+          <a:stretch>
+            <a:fillRect/>
+          </a:stretch>
+        </p:blipFill>
+        <p:spPr bwMode="auto">
+          <a:xfrm>
+            <a:off x="6821593" y="3775974"/>
+            <a:ext cx="4407813" cy="2392813"/>
+          </a:xfrm>
+          <a:prstGeom prst="rect">
+            <a:avLst/>
+          </a:prstGeom>
+          <a:noFill/>
+          <a:ln>
+            <a:noFill/>
+          </a:ln>
+          <a:effectLst/>
+          <a:extLst>
+            <a:ext uri="{909E8E84-426E-40DD-AFC4-6F175D3DCCD1}">
+              <a14:hiddenFill xmlns:a14="http://schemas.microsoft.com/office/drawing/2010/main">
+                <a:solidFill>
+                  <a:schemeClr val="accent1"/>
+                </a:solidFill>
+              </a14:hiddenFill>
+            </a:ext>
+            <a:ext uri="{91240B29-F687-4F45-9708-019B960494DF}">
+              <a14:hiddenLine xmlns:a14="http://schemas.microsoft.com/office/drawing/2010/main" w="9525">
+                <a:solidFill>
+                  <a:schemeClr val="tx1"/>
+                </a:solidFill>
+                <a:miter lim="800000"/>
+                <a:headEnd/>
+                <a:tailEnd/>
+              </a14:hiddenLine>
+            </a:ext>
+            <a:ext uri="{AF507438-7753-43E0-B8FC-AC1667EBCBE1}">
+              <a14:hiddenEffects xmlns:a14="http://schemas.microsoft.com/office/drawing/2010/main">
+                <a:effectLst>
+                  <a:outerShdw dist="35921" dir="2700000" algn="ctr" rotWithShape="0">
+                    <a:schemeClr val="bg2"/>
+                  </a:outerShdw>
+                </a:effectLst>
+              </a14:hiddenEffects>
+            </a:ext>
+          </a:extLst>
+        </p:spPr>
+      </p:pic>
+      <p:pic>
+        <p:nvPicPr>
+          <p:cNvPr id="6147" name="Picture 3"/>
+          <p:cNvPicPr>
+            <a:picLocks noChangeAspect="1" noChangeArrowheads="1"/>
+          </p:cNvPicPr>
+          <p:nvPr/>
+        </p:nvPicPr>
+        <p:blipFill>
+          <a:blip r:embed="rId3">
+            <a:extLst>
+              <a:ext uri="{28A0092B-C50C-407E-A947-70E740481C1C}">
+                <a14:useLocalDpi xmlns:a14="http://schemas.microsoft.com/office/drawing/2010/main" val="0"/>
+              </a:ext>
+            </a:extLst>
+          </a:blip>
+          <a:srcRect/>
+          <a:stretch>
+            <a:fillRect/>
+          </a:stretch>
+        </p:blipFill>
+        <p:spPr bwMode="auto">
+          <a:xfrm>
+            <a:off x="6697425" y="1727367"/>
+            <a:ext cx="4725397" cy="1469621"/>
+          </a:xfrm>
+          <a:prstGeom prst="rect">
+            <a:avLst/>
+          </a:prstGeom>
+          <a:noFill/>
+          <a:ln>
+            <a:noFill/>
+          </a:ln>
+          <a:effectLst/>
+          <a:extLst>
+            <a:ext uri="{909E8E84-426E-40DD-AFC4-6F175D3DCCD1}">
+              <a14:hiddenFill xmlns:a14="http://schemas.microsoft.com/office/drawing/2010/main">
+                <a:solidFill>
+                  <a:schemeClr val="accent1"/>
+                </a:solidFill>
+              </a14:hiddenFill>
+            </a:ext>
+            <a:ext uri="{91240B29-F687-4F45-9708-019B960494DF}">
+              <a14:hiddenLine xmlns:a14="http://schemas.microsoft.com/office/drawing/2010/main" w="9525">
+                <a:solidFill>
+                  <a:schemeClr val="tx1"/>
+                </a:solidFill>
+                <a:miter lim="800000"/>
+                <a:headEnd/>
+                <a:tailEnd/>
+              </a14:hiddenLine>
+            </a:ext>
+            <a:ext uri="{AF507438-7753-43E0-B8FC-AC1667EBCBE1}">
+              <a14:hiddenEffects xmlns:a14="http://schemas.microsoft.com/office/drawing/2010/main">
+                <a:effectLst>
+                  <a:outerShdw dist="35921" dir="2700000" algn="ctr" rotWithShape="0">
+                    <a:schemeClr val="bg2"/>
+                  </a:outerShdw>
+                </a:effectLst>
+              </a14:hiddenEffects>
+            </a:ext>
+          </a:extLst>
+        </p:spPr>
+      </p:pic>
+      <p:pic>
+        <p:nvPicPr>
+          <p:cNvPr id="4" name="Picture 3"/>
+          <p:cNvPicPr>
+            <a:picLocks noChangeAspect="1"/>
+          </p:cNvPicPr>
+          <p:nvPr/>
+        </p:nvPicPr>
+        <p:blipFill>
+          <a:blip r:embed="rId4">
+            <a:extLst>
+              <a:ext uri="{28A0092B-C50C-407E-A947-70E740481C1C}">
+                <a14:useLocalDpi xmlns:a14="http://schemas.microsoft.com/office/drawing/2010/main" val="0"/>
+              </a:ext>
+            </a:extLst>
+          </a:blip>
+          <a:stretch>
+            <a:fillRect/>
+          </a:stretch>
+        </p:blipFill>
+        <p:spPr>
+          <a:xfrm>
+            <a:off x="11186160" y="-9662"/>
+            <a:ext cx="1005840" cy="1005840"/>
+          </a:xfrm>
+          <a:prstGeom prst="rect">
+            <a:avLst/>
+          </a:prstGeom>
+        </p:spPr>
+      </p:pic>
+    </p:spTree>
+    <p:extLst>
+      <p:ext uri="{BB962C8B-B14F-4D97-AF65-F5344CB8AC3E}">
+        <p14:creationId xmlns:p14="http://schemas.microsoft.com/office/powerpoint/2010/main" val="3150261849"/>
+      </p:ext>
+    </p:extLst>
+  </p:cSld>
+  <p:clrMapOvr>
+    <a:masterClrMapping/>
+  </p:clrMapOvr>
+</p:sld>
+</file>
+
+<file path=ppt/slides/slide18.xml><?xml version="1.0" encoding="utf-8"?>
+<p:sld xmlns:a="http://schemas.openxmlformats.org/drawingml/2006/main" xmlns:r="http://schemas.openxmlformats.org/officeDocument/2006/relationships" xmlns:p="http://schemas.openxmlformats.org/presentationml/2006/main">
+  <p:cSld>
+    <p:spTree>
+      <p:nvGrpSpPr>
+        <p:cNvPr id="1" name=""/>
+        <p:cNvGrpSpPr/>
+        <p:nvPr/>
+      </p:nvGrpSpPr>
+      <p:grpSpPr>
+        <a:xfrm>
+          <a:off x="0" y="0"/>
+          <a:ext cx="0" cy="0"/>
+          <a:chOff x="0" y="0"/>
+          <a:chExt cx="0" cy="0"/>
+        </a:xfrm>
+      </p:grpSpPr>
+      <p:sp>
+        <p:nvSpPr>
+          <p:cNvPr id="2" name="Title 1">
+            <a:extLst>
+              <a:ext uri="{FF2B5EF4-FFF2-40B4-BE49-F238E27FC236}">
+                <a16:creationId xmlns:a16="http://schemas.microsoft.com/office/drawing/2014/main" id="{DAE5843F-B9CD-4454-85A1-A873A46C8921}"/>
+              </a:ext>
+            </a:extLst>
+          </p:cNvPr>
+          <p:cNvSpPr>
+            <a:spLocks noGrp="1"/>
+          </p:cNvSpPr>
+          <p:nvPr>
+            <p:ph type="title"/>
+          </p:nvPr>
+        </p:nvSpPr>
+        <p:spPr/>
+        <p:txBody>
+          <a:bodyPr>
+            <a:normAutofit fontScale="90000"/>
+          </a:bodyPr>
+          <a:lstStyle/>
+          <a:p>
+            <a:r>
+              <a:rPr lang="en-IN" dirty="0"/>
+              <a:t>Key Differences Between T-test and Z-test</a:t>
+            </a:r>
+            <a:br>
+              <a:rPr lang="en-IN" dirty="0"/>
+            </a:br>
             <a:endParaRPr lang="en-IN" dirty="0"/>
           </a:p>
         </p:txBody>
       </p:sp>
       <p:sp>
         <p:nvSpPr>
-          <p:cNvPr id="5" name="Title 1">
+          <p:cNvPr id="3" name="Content Placeholder 2">
             <a:extLst>
               <a:ext uri="{FF2B5EF4-FFF2-40B4-BE49-F238E27FC236}">
-                <a16:creationId xmlns:a16="http://schemas.microsoft.com/office/drawing/2014/main" id="{F77D39A3-231A-4AC9-BA03-68EA87149552}"/>
+                <a16:creationId xmlns:a16="http://schemas.microsoft.com/office/drawing/2014/main" id="{124152AA-3F8C-424B-A902-45B0F0DC9E15}"/>
+              </a:ext>
+            </a:extLst>
+          </p:cNvPr>
+          <p:cNvSpPr>
+            <a:spLocks noGrp="1"/>
+          </p:cNvSpPr>
+          <p:nvPr>
+            <p:ph idx="1"/>
+          </p:nvPr>
+        </p:nvSpPr>
+        <p:spPr/>
+        <p:txBody>
+          <a:bodyPr>
+            <a:normAutofit/>
+          </a:bodyPr>
+          <a:lstStyle/>
+          <a:p>
+            <a:r>
+              <a:rPr lang="en-IN" dirty="0"/>
+              <a:t>The t-test is used to compare and analyse whether the means of the two population is different from one another or not when the standard deviation is not known. As against, Z-test is a parametric test, which is applied when the standard deviation is known, to determine, if the means of the two datasets differ from each other.</a:t>
+            </a:r>
+          </a:p>
+          <a:p>
+            <a:r>
+              <a:rPr lang="en-IN" dirty="0"/>
+              <a:t>The t-test is based on Student’s t-distribution. On the contrary, z-test relies on the assumption that the distribution of sample means is normal. </a:t>
+            </a:r>
+          </a:p>
+          <a:p>
+            <a:r>
+              <a:rPr lang="en-IN" dirty="0"/>
+              <a:t>One of the important conditions for adopting t-test is that population variance is unknown. Conversely, population variance should be known or assumed to be known in case of a z-test.</a:t>
+            </a:r>
+          </a:p>
+          <a:p>
+            <a:r>
+              <a:rPr lang="en-IN" dirty="0"/>
+              <a:t>Z-test is used to when the sample size is large, i.e. n &gt; 30, and t-test is appropriate when the size of the sample is small, in the sense that n &lt; 30.</a:t>
+            </a:r>
+          </a:p>
+          <a:p>
+            <a:endParaRPr lang="en-IN" dirty="0"/>
+          </a:p>
+        </p:txBody>
+      </p:sp>
+      <p:sp>
+        <p:nvSpPr>
+          <p:cNvPr id="5" name="Slide Number Placeholder 4">
+            <a:extLst>
+              <a:ext uri="{FF2B5EF4-FFF2-40B4-BE49-F238E27FC236}">
+                <a16:creationId xmlns:a16="http://schemas.microsoft.com/office/drawing/2014/main" id="{69603E78-2C21-491E-BE2C-0386025767F9}"/>
+              </a:ext>
+            </a:extLst>
+          </p:cNvPr>
+          <p:cNvSpPr>
+            <a:spLocks noGrp="1"/>
+          </p:cNvSpPr>
+          <p:nvPr>
+            <p:ph type="sldNum" sz="quarter" idx="12"/>
+          </p:nvPr>
+        </p:nvSpPr>
+        <p:spPr/>
+        <p:txBody>
+          <a:bodyPr/>
+          <a:lstStyle/>
+          <a:p>
+            <a:fld id="{D57F1E4F-1CFF-5643-939E-217C01CDF565}" type="slidenum">
+              <a:rPr lang="en-US" smtClean="0"/>
+              <a:pPr/>
+              <a:t>18</a:t>
+            </a:fld>
+            <a:endParaRPr lang="en-US" dirty="0"/>
+          </a:p>
+        </p:txBody>
+      </p:sp>
+    </p:spTree>
+    <p:extLst>
+      <p:ext uri="{BB962C8B-B14F-4D97-AF65-F5344CB8AC3E}">
+        <p14:creationId xmlns:p14="http://schemas.microsoft.com/office/powerpoint/2010/main" val="2210262529"/>
+      </p:ext>
+    </p:extLst>
+  </p:cSld>
+  <p:clrMapOvr>
+    <a:masterClrMapping/>
+  </p:clrMapOvr>
+</p:sld>
+</file>
+
+<file path=ppt/slides/slide19.xml><?xml version="1.0" encoding="utf-8"?>
+<p:sld xmlns:a="http://schemas.openxmlformats.org/drawingml/2006/main" xmlns:r="http://schemas.openxmlformats.org/officeDocument/2006/relationships" xmlns:p="http://schemas.openxmlformats.org/presentationml/2006/main">
+  <p:cSld>
+    <p:spTree>
+      <p:nvGrpSpPr>
+        <p:cNvPr id="1" name=""/>
+        <p:cNvGrpSpPr/>
+        <p:nvPr/>
+      </p:nvGrpSpPr>
+      <p:grpSpPr>
+        <a:xfrm>
+          <a:off x="0" y="0"/>
+          <a:ext cx="0" cy="0"/>
+          <a:chOff x="0" y="0"/>
+          <a:chExt cx="0" cy="0"/>
+        </a:xfrm>
+      </p:grpSpPr>
+      <p:sp>
+        <p:nvSpPr>
+          <p:cNvPr id="2" name="Title 1">
+            <a:extLst>
+              <a:ext uri="{FF2B5EF4-FFF2-40B4-BE49-F238E27FC236}">
+                <a16:creationId xmlns:a16="http://schemas.microsoft.com/office/drawing/2014/main" id="{44F9F879-CBA5-4ED2-BB95-1C047BBD2BCF}"/>
+              </a:ext>
+            </a:extLst>
+          </p:cNvPr>
+          <p:cNvSpPr>
+            <a:spLocks noGrp="1"/>
+          </p:cNvSpPr>
+          <p:nvPr>
+            <p:ph type="title"/>
+          </p:nvPr>
+        </p:nvSpPr>
+        <p:spPr/>
+        <p:txBody>
+          <a:bodyPr/>
+          <a:lstStyle/>
+          <a:p>
+            <a:r>
+              <a:rPr lang="en-IN" dirty="0"/>
+              <a:t>Chi-Square test</a:t>
+            </a:r>
+          </a:p>
+        </p:txBody>
+      </p:sp>
+      <p:sp>
+        <p:nvSpPr>
+          <p:cNvPr id="3" name="Content Placeholder 2">
+            <a:extLst>
+              <a:ext uri="{FF2B5EF4-FFF2-40B4-BE49-F238E27FC236}">
+                <a16:creationId xmlns:a16="http://schemas.microsoft.com/office/drawing/2014/main" id="{85301E6B-5812-479E-AC3E-AC14349C5CC9}"/>
+              </a:ext>
+            </a:extLst>
+          </p:cNvPr>
+          <p:cNvSpPr>
+            <a:spLocks noGrp="1"/>
+          </p:cNvSpPr>
+          <p:nvPr>
+            <p:ph idx="1"/>
+          </p:nvPr>
+        </p:nvSpPr>
+        <p:spPr/>
+        <p:txBody>
+          <a:bodyPr/>
+          <a:lstStyle/>
+          <a:p>
+            <a:r>
+              <a:rPr lang="en-IN" dirty="0"/>
+              <a:t>It assists us in determining whether a systematic association exists between the two categorical variables in some population.  </a:t>
+            </a:r>
+          </a:p>
+          <a:p>
+            <a:r>
+              <a:rPr lang="en-IN" dirty="0"/>
+              <a:t>It’s a skewed distribution whose shape depends on the number of degree of freedom.</a:t>
+            </a:r>
+          </a:p>
+          <a:p>
+            <a:r>
+              <a:rPr lang="en-IN" dirty="0"/>
+              <a:t>The analysis should not be conducted if the theoretical frequencies in any cell less than 5</a:t>
+            </a:r>
+          </a:p>
+        </p:txBody>
+      </p:sp>
+      <p:sp>
+        <p:nvSpPr>
+          <p:cNvPr id="5" name="Slide Number Placeholder 4">
+            <a:extLst>
+              <a:ext uri="{FF2B5EF4-FFF2-40B4-BE49-F238E27FC236}">
+                <a16:creationId xmlns:a16="http://schemas.microsoft.com/office/drawing/2014/main" id="{DB1F666D-F61B-4AA6-B2F2-D6B7470053EB}"/>
+              </a:ext>
+            </a:extLst>
+          </p:cNvPr>
+          <p:cNvSpPr>
+            <a:spLocks noGrp="1"/>
+          </p:cNvSpPr>
+          <p:nvPr>
+            <p:ph type="sldNum" sz="quarter" idx="12"/>
+          </p:nvPr>
+        </p:nvSpPr>
+        <p:spPr/>
+        <p:txBody>
+          <a:bodyPr/>
+          <a:lstStyle/>
+          <a:p>
+            <a:fld id="{D57F1E4F-1CFF-5643-939E-217C01CDF565}" type="slidenum">
+              <a:rPr lang="en-US" smtClean="0"/>
+              <a:pPr/>
+              <a:t>19</a:t>
+            </a:fld>
+            <a:endParaRPr lang="en-US" dirty="0"/>
+          </a:p>
+        </p:txBody>
+      </p:sp>
+    </p:spTree>
+    <p:extLst>
+      <p:ext uri="{BB962C8B-B14F-4D97-AF65-F5344CB8AC3E}">
+        <p14:creationId xmlns:p14="http://schemas.microsoft.com/office/powerpoint/2010/main" val="1152450434"/>
+      </p:ext>
+    </p:extLst>
+  </p:cSld>
+  <p:clrMapOvr>
+    <a:masterClrMapping/>
+  </p:clrMapOvr>
+</p:sld>
+</file>
+
+<file path=ppt/slides/slide2.xml><?xml version="1.0" encoding="utf-8"?>
+<p:sld xmlns:a="http://schemas.openxmlformats.org/drawingml/2006/main" xmlns:r="http://schemas.openxmlformats.org/officeDocument/2006/relationships" xmlns:p="http://schemas.openxmlformats.org/presentationml/2006/main">
+  <p:cSld>
+    <p:spTree>
+      <p:nvGrpSpPr>
+        <p:cNvPr id="1" name=""/>
+        <p:cNvGrpSpPr/>
+        <p:nvPr/>
+      </p:nvGrpSpPr>
+      <p:grpSpPr>
+        <a:xfrm>
+          <a:off x="0" y="0"/>
+          <a:ext cx="0" cy="0"/>
+          <a:chOff x="0" y="0"/>
+          <a:chExt cx="0" cy="0"/>
+        </a:xfrm>
+      </p:grpSpPr>
+      <p:sp>
+        <p:nvSpPr>
+          <p:cNvPr id="2" name="Title 1">
+            <a:extLst>
+              <a:ext uri="{FF2B5EF4-FFF2-40B4-BE49-F238E27FC236}">
+                <a16:creationId xmlns:a16="http://schemas.microsoft.com/office/drawing/2014/main" id="{3E0E4F1A-CC75-426F-9C98-ACC97EA0D9C7}"/>
+              </a:ext>
+            </a:extLst>
+          </p:cNvPr>
+          <p:cNvSpPr>
+            <a:spLocks noGrp="1"/>
+          </p:cNvSpPr>
+          <p:nvPr>
+            <p:ph type="title"/>
+          </p:nvPr>
+        </p:nvSpPr>
+        <p:spPr/>
+        <p:txBody>
+          <a:bodyPr/>
+          <a:lstStyle/>
+          <a:p>
+            <a:r>
+              <a:rPr lang="en-IN" dirty="0"/>
+              <a:t>Topics Covered</a:t>
+            </a:r>
+          </a:p>
+        </p:txBody>
+      </p:sp>
+      <p:sp>
+        <p:nvSpPr>
+          <p:cNvPr id="3" name="Content Placeholder 2">
+            <a:extLst>
+              <a:ext uri="{FF2B5EF4-FFF2-40B4-BE49-F238E27FC236}">
+                <a16:creationId xmlns:a16="http://schemas.microsoft.com/office/drawing/2014/main" id="{BAA4EAF4-61FA-4819-B641-D744D46348A6}"/>
+              </a:ext>
+            </a:extLst>
+          </p:cNvPr>
+          <p:cNvSpPr>
+            <a:spLocks noGrp="1"/>
+          </p:cNvSpPr>
+          <p:nvPr>
+            <p:ph idx="1"/>
+          </p:nvPr>
+        </p:nvSpPr>
+        <p:spPr>
+          <a:xfrm>
+            <a:off x="677334" y="1480008"/>
+            <a:ext cx="8596668" cy="4768391"/>
+          </a:xfrm>
+        </p:spPr>
+        <p:txBody>
+          <a:bodyPr>
+            <a:normAutofit fontScale="92500" lnSpcReduction="10000"/>
+          </a:bodyPr>
+          <a:lstStyle/>
+          <a:p>
+            <a:r>
+              <a:rPr lang="en-IN" dirty="0"/>
+              <a:t>Measure Of Location</a:t>
+            </a:r>
+          </a:p>
+          <a:p>
+            <a:r>
+              <a:rPr lang="en-IN" dirty="0"/>
+              <a:t>Measure of Variability</a:t>
+            </a:r>
+          </a:p>
+          <a:p>
+            <a:r>
+              <a:rPr lang="en-IN" dirty="0"/>
+              <a:t>Measure of Shape</a:t>
+            </a:r>
+          </a:p>
+          <a:p>
+            <a:r>
+              <a:rPr lang="en-IN" dirty="0"/>
+              <a:t>Random Variables</a:t>
+            </a:r>
+          </a:p>
+          <a:p>
+            <a:r>
+              <a:rPr lang="en-IN" dirty="0"/>
+              <a:t>Measure of Scale</a:t>
+            </a:r>
+          </a:p>
+          <a:p>
+            <a:r>
+              <a:rPr lang="en-IN" dirty="0"/>
+              <a:t>Normalisation/Standardization of Data</a:t>
+            </a:r>
+          </a:p>
+          <a:p>
+            <a:r>
+              <a:rPr lang="en-IN" dirty="0"/>
+              <a:t>Central Limit Theorem</a:t>
+            </a:r>
+          </a:p>
+          <a:p>
+            <a:r>
+              <a:rPr lang="en-IN" dirty="0"/>
+              <a:t>Confidence Interval</a:t>
+            </a:r>
+          </a:p>
+          <a:p>
+            <a:r>
+              <a:rPr lang="en-IN" dirty="0"/>
+              <a:t>Test Statistic </a:t>
+            </a:r>
+          </a:p>
+          <a:p>
+            <a:r>
+              <a:rPr lang="en-IN" dirty="0"/>
+              <a:t>Hypothesis</a:t>
+            </a:r>
+          </a:p>
+          <a:p>
+            <a:r>
+              <a:rPr lang="en-IN" dirty="0"/>
+              <a:t>Analysis of Variance</a:t>
+            </a:r>
+          </a:p>
+          <a:p>
+            <a:r>
+              <a:rPr lang="en-IN" dirty="0"/>
+              <a:t>One Way Analysis of Variance</a:t>
+            </a:r>
+          </a:p>
+          <a:p>
+            <a:r>
+              <a:rPr lang="en-IN" dirty="0"/>
+              <a:t>Covariance, Correlation and Collinearity</a:t>
+            </a:r>
+          </a:p>
+          <a:p>
+            <a:endParaRPr lang="en-IN" dirty="0"/>
+          </a:p>
+          <a:p>
+            <a:endParaRPr lang="en-IN" dirty="0"/>
+          </a:p>
+          <a:p>
+            <a:endParaRPr lang="en-IN" dirty="0"/>
+          </a:p>
+        </p:txBody>
+      </p:sp>
+      <p:sp>
+        <p:nvSpPr>
+          <p:cNvPr id="5" name="Slide Number Placeholder 4">
+            <a:extLst>
+              <a:ext uri="{FF2B5EF4-FFF2-40B4-BE49-F238E27FC236}">
+                <a16:creationId xmlns:a16="http://schemas.microsoft.com/office/drawing/2014/main" id="{E6ABC1AC-2CEC-4CC3-A6D0-24E19674C4B6}"/>
+              </a:ext>
+            </a:extLst>
+          </p:cNvPr>
+          <p:cNvSpPr>
+            <a:spLocks noGrp="1"/>
+          </p:cNvSpPr>
+          <p:nvPr>
+            <p:ph type="sldNum" sz="quarter" idx="12"/>
+          </p:nvPr>
+        </p:nvSpPr>
+        <p:spPr/>
+        <p:txBody>
+          <a:bodyPr/>
+          <a:lstStyle/>
+          <a:p>
+            <a:fld id="{D57F1E4F-1CFF-5643-939E-217C01CDF565}" type="slidenum">
+              <a:rPr lang="en-US" sz="1200" smtClean="0"/>
+              <a:pPr/>
+              <a:t>2</a:t>
+            </a:fld>
+            <a:endParaRPr lang="en-US" sz="1200" dirty="0"/>
+          </a:p>
+        </p:txBody>
+      </p:sp>
+    </p:spTree>
+    <p:extLst>
+      <p:ext uri="{BB962C8B-B14F-4D97-AF65-F5344CB8AC3E}">
+        <p14:creationId xmlns:p14="http://schemas.microsoft.com/office/powerpoint/2010/main" val="1583127510"/>
+      </p:ext>
+    </p:extLst>
+  </p:cSld>
+  <p:clrMapOvr>
+    <a:masterClrMapping/>
+  </p:clrMapOvr>
+</p:sld>
+</file>
+
+<file path=ppt/slides/slide20.xml><?xml version="1.0" encoding="utf-8"?>
+<p:sld xmlns:a="http://schemas.openxmlformats.org/drawingml/2006/main" xmlns:r="http://schemas.openxmlformats.org/officeDocument/2006/relationships" xmlns:p="http://schemas.openxmlformats.org/presentationml/2006/main">
+  <p:cSld>
+    <p:spTree>
+      <p:nvGrpSpPr>
+        <p:cNvPr id="1" name=""/>
+        <p:cNvGrpSpPr/>
+        <p:nvPr/>
+      </p:nvGrpSpPr>
+      <p:grpSpPr>
+        <a:xfrm>
+          <a:off x="0" y="0"/>
+          <a:ext cx="0" cy="0"/>
+          <a:chOff x="0" y="0"/>
+          <a:chExt cx="0" cy="0"/>
+        </a:xfrm>
+      </p:grpSpPr>
+      <p:sp>
+        <p:nvSpPr>
+          <p:cNvPr id="2" name="Title 1">
+            <a:extLst>
+              <a:ext uri="{FF2B5EF4-FFF2-40B4-BE49-F238E27FC236}">
+                <a16:creationId xmlns:a16="http://schemas.microsoft.com/office/drawing/2014/main" id="{44F9F879-CBA5-4ED2-BB95-1C047BBD2BCF}"/>
+              </a:ext>
+            </a:extLst>
+          </p:cNvPr>
+          <p:cNvSpPr>
+            <a:spLocks noGrp="1"/>
+          </p:cNvSpPr>
+          <p:nvPr>
+            <p:ph type="title"/>
+          </p:nvPr>
+        </p:nvSpPr>
+        <p:spPr/>
+        <p:txBody>
+          <a:bodyPr/>
+          <a:lstStyle/>
+          <a:p>
+            <a:r>
+              <a:rPr lang="en-IN" dirty="0"/>
+              <a:t>Chi-Square test</a:t>
+            </a:r>
+          </a:p>
+        </p:txBody>
+      </p:sp>
+      <p:sp>
+        <p:nvSpPr>
+          <p:cNvPr id="5" name="Slide Number Placeholder 4">
+            <a:extLst>
+              <a:ext uri="{FF2B5EF4-FFF2-40B4-BE49-F238E27FC236}">
+                <a16:creationId xmlns:a16="http://schemas.microsoft.com/office/drawing/2014/main" id="{DB1F666D-F61B-4AA6-B2F2-D6B7470053EB}"/>
+              </a:ext>
+            </a:extLst>
+          </p:cNvPr>
+          <p:cNvSpPr>
+            <a:spLocks noGrp="1"/>
+          </p:cNvSpPr>
+          <p:nvPr>
+            <p:ph type="sldNum" sz="quarter" idx="12"/>
+          </p:nvPr>
+        </p:nvSpPr>
+        <p:spPr/>
+        <p:txBody>
+          <a:bodyPr/>
+          <a:lstStyle/>
+          <a:p>
+            <a:fld id="{D57F1E4F-1CFF-5643-939E-217C01CDF565}" type="slidenum">
+              <a:rPr lang="en-US" smtClean="0"/>
+              <a:pPr/>
+              <a:t>20</a:t>
+            </a:fld>
+            <a:endParaRPr lang="en-US" dirty="0"/>
+          </a:p>
+        </p:txBody>
+      </p:sp>
+      <p:sp>
+        <p:nvSpPr>
+          <p:cNvPr id="4" name="Content Placeholder 3"/>
+          <p:cNvSpPr>
+            <a:spLocks noGrp="1"/>
+          </p:cNvSpPr>
+          <p:nvPr>
+            <p:ph idx="1"/>
+          </p:nvPr>
+        </p:nvSpPr>
+        <p:spPr/>
+        <p:txBody>
+          <a:bodyPr/>
+          <a:lstStyle/>
+          <a:p>
+            <a:r>
+              <a:rPr lang="en-US" dirty="0"/>
+              <a:t>Example: a scientist wants to know if education level and marital status are related for all people in some country. He collects data on a simple random sample of n = 300 people, part of which are shown below.</a:t>
+            </a:r>
+          </a:p>
+        </p:txBody>
+      </p:sp>
+      <p:pic>
+        <p:nvPicPr>
+          <p:cNvPr id="6" name="Picture 5"/>
+          <p:cNvPicPr>
+            <a:picLocks noChangeAspect="1"/>
+          </p:cNvPicPr>
+          <p:nvPr/>
+        </p:nvPicPr>
+        <p:blipFill>
+          <a:blip r:embed="rId2">
+            <a:extLst>
+              <a:ext uri="{28A0092B-C50C-407E-A947-70E740481C1C}">
+                <a14:useLocalDpi xmlns:a14="http://schemas.microsoft.com/office/drawing/2010/main" val="0"/>
+              </a:ext>
+            </a:extLst>
+          </a:blip>
+          <a:stretch>
+            <a:fillRect/>
+          </a:stretch>
+        </p:blipFill>
+        <p:spPr>
+          <a:xfrm>
+            <a:off x="537950" y="3260747"/>
+            <a:ext cx="9820701" cy="2905291"/>
+          </a:xfrm>
+          <a:prstGeom prst="rect">
+            <a:avLst/>
+          </a:prstGeom>
+        </p:spPr>
+      </p:pic>
+    </p:spTree>
+    <p:extLst>
+      <p:ext uri="{BB962C8B-B14F-4D97-AF65-F5344CB8AC3E}">
+        <p14:creationId xmlns:p14="http://schemas.microsoft.com/office/powerpoint/2010/main" val="1040366751"/>
+      </p:ext>
+    </p:extLst>
+  </p:cSld>
+  <p:clrMapOvr>
+    <a:masterClrMapping/>
+  </p:clrMapOvr>
+</p:sld>
+</file>
+
+<file path=ppt/slides/slide21.xml><?xml version="1.0" encoding="utf-8"?>
+<p:sld xmlns:a="http://schemas.openxmlformats.org/drawingml/2006/main" xmlns:r="http://schemas.openxmlformats.org/officeDocument/2006/relationships" xmlns:p="http://schemas.openxmlformats.org/presentationml/2006/main">
+  <p:cSld>
+    <p:spTree>
+      <p:nvGrpSpPr>
+        <p:cNvPr id="1" name=""/>
+        <p:cNvGrpSpPr/>
+        <p:nvPr/>
+      </p:nvGrpSpPr>
+      <p:grpSpPr>
+        <a:xfrm>
+          <a:off x="0" y="0"/>
+          <a:ext cx="0" cy="0"/>
+          <a:chOff x="0" y="0"/>
+          <a:chExt cx="0" cy="0"/>
+        </a:xfrm>
+      </p:grpSpPr>
+      <p:sp>
+        <p:nvSpPr>
+          <p:cNvPr id="2" name="Title 1">
+            <a:extLst>
+              <a:ext uri="{FF2B5EF4-FFF2-40B4-BE49-F238E27FC236}">
+                <a16:creationId xmlns:a16="http://schemas.microsoft.com/office/drawing/2014/main" id="{44F9F879-CBA5-4ED2-BB95-1C047BBD2BCF}"/>
+              </a:ext>
+            </a:extLst>
+          </p:cNvPr>
+          <p:cNvSpPr>
+            <a:spLocks noGrp="1"/>
+          </p:cNvSpPr>
+          <p:nvPr>
+            <p:ph type="title"/>
+          </p:nvPr>
+        </p:nvSpPr>
+        <p:spPr/>
+        <p:txBody>
+          <a:bodyPr/>
+          <a:lstStyle/>
+          <a:p>
+            <a:r>
+              <a:rPr lang="en-IN" dirty="0"/>
+              <a:t>Chi-Square test</a:t>
+            </a:r>
+          </a:p>
+        </p:txBody>
+      </p:sp>
+      <p:sp>
+        <p:nvSpPr>
+          <p:cNvPr id="5" name="Slide Number Placeholder 4">
+            <a:extLst>
+              <a:ext uri="{FF2B5EF4-FFF2-40B4-BE49-F238E27FC236}">
+                <a16:creationId xmlns:a16="http://schemas.microsoft.com/office/drawing/2014/main" id="{DB1F666D-F61B-4AA6-B2F2-D6B7470053EB}"/>
+              </a:ext>
+            </a:extLst>
+          </p:cNvPr>
+          <p:cNvSpPr>
+            <a:spLocks noGrp="1"/>
+          </p:cNvSpPr>
+          <p:nvPr>
+            <p:ph type="sldNum" sz="quarter" idx="12"/>
+          </p:nvPr>
+        </p:nvSpPr>
+        <p:spPr/>
+        <p:txBody>
+          <a:bodyPr/>
+          <a:lstStyle/>
+          <a:p>
+            <a:fld id="{D57F1E4F-1CFF-5643-939E-217C01CDF565}" type="slidenum">
+              <a:rPr lang="en-US" smtClean="0"/>
+              <a:pPr/>
+              <a:t>21</a:t>
+            </a:fld>
+            <a:endParaRPr lang="en-US" dirty="0"/>
+          </a:p>
+        </p:txBody>
+      </p:sp>
+      <p:sp>
+        <p:nvSpPr>
+          <p:cNvPr id="4" name="Content Placeholder 3"/>
+          <p:cNvSpPr>
+            <a:spLocks noGrp="1"/>
+          </p:cNvSpPr>
+          <p:nvPr>
+            <p:ph idx="1"/>
+          </p:nvPr>
+        </p:nvSpPr>
+        <p:spPr/>
+        <p:txBody>
+          <a:bodyPr/>
+          <a:lstStyle/>
+          <a:p>
+            <a:r>
+              <a:rPr lang="en-US" dirty="0"/>
+              <a:t>The null hypothesis for a chi-square independence test is that two categorical variables are independent in some population.</a:t>
+            </a:r>
+          </a:p>
+        </p:txBody>
+      </p:sp>
+      <p:pic>
+        <p:nvPicPr>
+          <p:cNvPr id="3" name="Picture 2"/>
+          <p:cNvPicPr>
+            <a:picLocks noChangeAspect="1"/>
+          </p:cNvPicPr>
+          <p:nvPr/>
+        </p:nvPicPr>
+        <p:blipFill>
+          <a:blip r:embed="rId2">
+            <a:extLst>
+              <a:ext uri="{28A0092B-C50C-407E-A947-70E740481C1C}">
+                <a14:useLocalDpi xmlns:a14="http://schemas.microsoft.com/office/drawing/2010/main" val="0"/>
+              </a:ext>
+            </a:extLst>
+          </a:blip>
+          <a:stretch>
+            <a:fillRect/>
+          </a:stretch>
+        </p:blipFill>
+        <p:spPr>
+          <a:xfrm>
+            <a:off x="1042916" y="3001441"/>
+            <a:ext cx="10475858" cy="3099108"/>
+          </a:xfrm>
+          <a:prstGeom prst="rect">
+            <a:avLst/>
+          </a:prstGeom>
+        </p:spPr>
+      </p:pic>
+    </p:spTree>
+    <p:extLst>
+      <p:ext uri="{BB962C8B-B14F-4D97-AF65-F5344CB8AC3E}">
+        <p14:creationId xmlns:p14="http://schemas.microsoft.com/office/powerpoint/2010/main" val="3400639192"/>
+      </p:ext>
+    </p:extLst>
+  </p:cSld>
+  <p:clrMapOvr>
+    <a:masterClrMapping/>
+  </p:clrMapOvr>
+</p:sld>
+</file>
+
+<file path=ppt/slides/slide22.xml><?xml version="1.0" encoding="utf-8"?>
+<p:sld xmlns:a="http://schemas.openxmlformats.org/drawingml/2006/main" xmlns:r="http://schemas.openxmlformats.org/officeDocument/2006/relationships" xmlns:p="http://schemas.openxmlformats.org/presentationml/2006/main">
+  <p:cSld>
+    <p:spTree>
+      <p:nvGrpSpPr>
+        <p:cNvPr id="1" name=""/>
+        <p:cNvGrpSpPr/>
+        <p:nvPr/>
+      </p:nvGrpSpPr>
+      <p:grpSpPr>
+        <a:xfrm>
+          <a:off x="0" y="0"/>
+          <a:ext cx="0" cy="0"/>
+          <a:chOff x="0" y="0"/>
+          <a:chExt cx="0" cy="0"/>
+        </a:xfrm>
+      </p:grpSpPr>
+      <p:sp>
+        <p:nvSpPr>
+          <p:cNvPr id="2" name="Title 1">
+            <a:extLst>
+              <a:ext uri="{FF2B5EF4-FFF2-40B4-BE49-F238E27FC236}">
+                <a16:creationId xmlns:a16="http://schemas.microsoft.com/office/drawing/2014/main" id="{44F9F879-CBA5-4ED2-BB95-1C047BBD2BCF}"/>
+              </a:ext>
+            </a:extLst>
+          </p:cNvPr>
+          <p:cNvSpPr>
+            <a:spLocks noGrp="1"/>
+          </p:cNvSpPr>
+          <p:nvPr>
+            <p:ph type="title"/>
+          </p:nvPr>
+        </p:nvSpPr>
+        <p:spPr/>
+        <p:txBody>
+          <a:bodyPr/>
+          <a:lstStyle/>
+          <a:p>
+            <a:r>
+              <a:rPr lang="en-IN" dirty="0"/>
+              <a:t>Chi-Square test</a:t>
+            </a:r>
+          </a:p>
+        </p:txBody>
+      </p:sp>
+      <p:sp>
+        <p:nvSpPr>
+          <p:cNvPr id="5" name="Slide Number Placeholder 4">
+            <a:extLst>
+              <a:ext uri="{FF2B5EF4-FFF2-40B4-BE49-F238E27FC236}">
+                <a16:creationId xmlns:a16="http://schemas.microsoft.com/office/drawing/2014/main" id="{DB1F666D-F61B-4AA6-B2F2-D6B7470053EB}"/>
+              </a:ext>
+            </a:extLst>
+          </p:cNvPr>
+          <p:cNvSpPr>
+            <a:spLocks noGrp="1"/>
+          </p:cNvSpPr>
+          <p:nvPr>
+            <p:ph type="sldNum" sz="quarter" idx="12"/>
+          </p:nvPr>
+        </p:nvSpPr>
+        <p:spPr/>
+        <p:txBody>
+          <a:bodyPr/>
+          <a:lstStyle/>
+          <a:p>
+            <a:fld id="{D57F1E4F-1CFF-5643-939E-217C01CDF565}" type="slidenum">
+              <a:rPr lang="en-US" smtClean="0"/>
+              <a:pPr/>
+              <a:t>22</a:t>
+            </a:fld>
+            <a:endParaRPr lang="en-US" dirty="0"/>
+          </a:p>
+        </p:txBody>
+      </p:sp>
+      <p:pic>
+        <p:nvPicPr>
+          <p:cNvPr id="3074" name="Picture 2"/>
+          <p:cNvPicPr>
+            <a:picLocks noChangeAspect="1" noChangeArrowheads="1"/>
+          </p:cNvPicPr>
+          <p:nvPr/>
+        </p:nvPicPr>
+        <p:blipFill>
+          <a:blip r:embed="rId2">
+            <a:extLst>
+              <a:ext uri="{28A0092B-C50C-407E-A947-70E740481C1C}">
+                <a14:useLocalDpi xmlns:a14="http://schemas.microsoft.com/office/drawing/2010/main" val="0"/>
+              </a:ext>
+            </a:extLst>
+          </a:blip>
+          <a:srcRect/>
+          <a:stretch>
+            <a:fillRect/>
+          </a:stretch>
+        </p:blipFill>
+        <p:spPr bwMode="auto">
+          <a:xfrm>
+            <a:off x="529988" y="1534378"/>
+            <a:ext cx="5181600" cy="704850"/>
+          </a:xfrm>
+          <a:prstGeom prst="rect">
+            <a:avLst/>
+          </a:prstGeom>
+          <a:noFill/>
+          <a:ln>
+            <a:noFill/>
+          </a:ln>
+          <a:effectLst/>
+          <a:extLst>
+            <a:ext uri="{909E8E84-426E-40DD-AFC4-6F175D3DCCD1}">
+              <a14:hiddenFill xmlns:a14="http://schemas.microsoft.com/office/drawing/2010/main">
+                <a:solidFill>
+                  <a:schemeClr val="accent1"/>
+                </a:solidFill>
+              </a14:hiddenFill>
+            </a:ext>
+            <a:ext uri="{91240B29-F687-4F45-9708-019B960494DF}">
+              <a14:hiddenLine xmlns:a14="http://schemas.microsoft.com/office/drawing/2010/main" w="9525">
+                <a:solidFill>
+                  <a:schemeClr val="tx1"/>
+                </a:solidFill>
+                <a:miter lim="800000"/>
+                <a:headEnd/>
+                <a:tailEnd/>
+              </a14:hiddenLine>
+            </a:ext>
+            <a:ext uri="{AF507438-7753-43E0-B8FC-AC1667EBCBE1}">
+              <a14:hiddenEffects xmlns:a14="http://schemas.microsoft.com/office/drawing/2010/main">
+                <a:effectLst>
+                  <a:outerShdw dist="35921" dir="2700000" algn="ctr" rotWithShape="0">
+                    <a:schemeClr val="bg2"/>
+                  </a:outerShdw>
+                </a:effectLst>
+              </a14:hiddenEffects>
+            </a:ext>
+          </a:extLst>
+        </p:spPr>
+      </p:pic>
+      <p:pic>
+        <p:nvPicPr>
+          <p:cNvPr id="3075" name="Picture 3"/>
+          <p:cNvPicPr>
+            <a:picLocks noChangeAspect="1" noChangeArrowheads="1"/>
+          </p:cNvPicPr>
+          <p:nvPr/>
+        </p:nvPicPr>
+        <p:blipFill>
+          <a:blip r:embed="rId3">
+            <a:extLst>
+              <a:ext uri="{28A0092B-C50C-407E-A947-70E740481C1C}">
+                <a14:useLocalDpi xmlns:a14="http://schemas.microsoft.com/office/drawing/2010/main" val="0"/>
+              </a:ext>
+            </a:extLst>
+          </a:blip>
+          <a:srcRect/>
+          <a:stretch>
+            <a:fillRect/>
+          </a:stretch>
+        </p:blipFill>
+        <p:spPr bwMode="auto">
+          <a:xfrm>
+            <a:off x="529988" y="2455674"/>
+            <a:ext cx="9095142" cy="3631227"/>
+          </a:xfrm>
+          <a:prstGeom prst="rect">
+            <a:avLst/>
+          </a:prstGeom>
+          <a:noFill/>
+          <a:ln>
+            <a:noFill/>
+          </a:ln>
+          <a:effectLst/>
+          <a:extLst>
+            <a:ext uri="{909E8E84-426E-40DD-AFC4-6F175D3DCCD1}">
+              <a14:hiddenFill xmlns:a14="http://schemas.microsoft.com/office/drawing/2010/main">
+                <a:solidFill>
+                  <a:schemeClr val="accent1"/>
+                </a:solidFill>
+              </a14:hiddenFill>
+            </a:ext>
+            <a:ext uri="{91240B29-F687-4F45-9708-019B960494DF}">
+              <a14:hiddenLine xmlns:a14="http://schemas.microsoft.com/office/drawing/2010/main" w="9525">
+                <a:solidFill>
+                  <a:schemeClr val="tx1"/>
+                </a:solidFill>
+                <a:miter lim="800000"/>
+                <a:headEnd/>
+                <a:tailEnd/>
+              </a14:hiddenLine>
+            </a:ext>
+            <a:ext uri="{AF507438-7753-43E0-B8FC-AC1667EBCBE1}">
+              <a14:hiddenEffects xmlns:a14="http://schemas.microsoft.com/office/drawing/2010/main">
+                <a:effectLst>
+                  <a:outerShdw dist="35921" dir="2700000" algn="ctr" rotWithShape="0">
+                    <a:schemeClr val="bg2"/>
+                  </a:outerShdw>
+                </a:effectLst>
+              </a14:hiddenEffects>
+            </a:ext>
+          </a:extLst>
+        </p:spPr>
+      </p:pic>
+      <p:pic>
+        <p:nvPicPr>
+          <p:cNvPr id="3076" name="Picture 4"/>
+          <p:cNvPicPr>
+            <a:picLocks noChangeAspect="1" noChangeArrowheads="1"/>
+          </p:cNvPicPr>
+          <p:nvPr/>
+        </p:nvPicPr>
+        <p:blipFill>
+          <a:blip r:embed="rId4">
+            <a:extLst>
+              <a:ext uri="{28A0092B-C50C-407E-A947-70E740481C1C}">
+                <a14:useLocalDpi xmlns:a14="http://schemas.microsoft.com/office/drawing/2010/main" val="0"/>
+              </a:ext>
+            </a:extLst>
+          </a:blip>
+          <a:srcRect/>
+          <a:stretch>
+            <a:fillRect/>
+          </a:stretch>
+        </p:blipFill>
+        <p:spPr bwMode="auto">
+          <a:xfrm>
+            <a:off x="1182806" y="6172200"/>
+            <a:ext cx="4105275" cy="685800"/>
+          </a:xfrm>
+          <a:prstGeom prst="rect">
+            <a:avLst/>
+          </a:prstGeom>
+          <a:noFill/>
+          <a:ln>
+            <a:noFill/>
+          </a:ln>
+          <a:effectLst/>
+          <a:extLst>
+            <a:ext uri="{909E8E84-426E-40DD-AFC4-6F175D3DCCD1}">
+              <a14:hiddenFill xmlns:a14="http://schemas.microsoft.com/office/drawing/2010/main">
+                <a:solidFill>
+                  <a:schemeClr val="accent1"/>
+                </a:solidFill>
+              </a14:hiddenFill>
+            </a:ext>
+            <a:ext uri="{91240B29-F687-4F45-9708-019B960494DF}">
+              <a14:hiddenLine xmlns:a14="http://schemas.microsoft.com/office/drawing/2010/main" w="9525">
+                <a:solidFill>
+                  <a:schemeClr val="tx1"/>
+                </a:solidFill>
+                <a:miter lim="800000"/>
+                <a:headEnd/>
+                <a:tailEnd/>
+              </a14:hiddenLine>
+            </a:ext>
+            <a:ext uri="{AF507438-7753-43E0-B8FC-AC1667EBCBE1}">
+              <a14:hiddenEffects xmlns:a14="http://schemas.microsoft.com/office/drawing/2010/main">
+                <a:effectLst>
+                  <a:outerShdw dist="35921" dir="2700000" algn="ctr" rotWithShape="0">
+                    <a:schemeClr val="bg2"/>
+                  </a:outerShdw>
+                </a:effectLst>
+              </a14:hiddenEffects>
+            </a:ext>
+          </a:extLst>
+        </p:spPr>
+      </p:pic>
+    </p:spTree>
+    <p:extLst>
+      <p:ext uri="{BB962C8B-B14F-4D97-AF65-F5344CB8AC3E}">
+        <p14:creationId xmlns:p14="http://schemas.microsoft.com/office/powerpoint/2010/main" val="4255255152"/>
+      </p:ext>
+    </p:extLst>
+  </p:cSld>
+  <p:clrMapOvr>
+    <a:masterClrMapping/>
+  </p:clrMapOvr>
+</p:sld>
+</file>
+
+<file path=ppt/slides/slide23.xml><?xml version="1.0" encoding="utf-8"?>
+<p:sld xmlns:a="http://schemas.openxmlformats.org/drawingml/2006/main" xmlns:r="http://schemas.openxmlformats.org/officeDocument/2006/relationships" xmlns:p="http://schemas.openxmlformats.org/presentationml/2006/main">
+  <p:cSld>
+    <p:spTree>
+      <p:nvGrpSpPr>
+        <p:cNvPr id="1" name=""/>
+        <p:cNvGrpSpPr/>
+        <p:nvPr/>
+      </p:nvGrpSpPr>
+      <p:grpSpPr>
+        <a:xfrm>
+          <a:off x="0" y="0"/>
+          <a:ext cx="0" cy="0"/>
+          <a:chOff x="0" y="0"/>
+          <a:chExt cx="0" cy="0"/>
+        </a:xfrm>
+      </p:grpSpPr>
+      <p:sp>
+        <p:nvSpPr>
+          <p:cNvPr id="2" name="Title 1">
+            <a:extLst>
+              <a:ext uri="{FF2B5EF4-FFF2-40B4-BE49-F238E27FC236}">
+                <a16:creationId xmlns:a16="http://schemas.microsoft.com/office/drawing/2014/main" id="{44F9F879-CBA5-4ED2-BB95-1C047BBD2BCF}"/>
+              </a:ext>
+            </a:extLst>
+          </p:cNvPr>
+          <p:cNvSpPr>
+            <a:spLocks noGrp="1"/>
+          </p:cNvSpPr>
+          <p:nvPr>
+            <p:ph type="title"/>
+          </p:nvPr>
+        </p:nvSpPr>
+        <p:spPr/>
+        <p:txBody>
+          <a:bodyPr/>
+          <a:lstStyle/>
+          <a:p>
+            <a:r>
+              <a:rPr lang="en-IN" dirty="0"/>
+              <a:t>Chi-Square test</a:t>
+            </a:r>
+          </a:p>
+        </p:txBody>
+      </p:sp>
+      <p:sp>
+        <p:nvSpPr>
+          <p:cNvPr id="5" name="Slide Number Placeholder 4">
+            <a:extLst>
+              <a:ext uri="{FF2B5EF4-FFF2-40B4-BE49-F238E27FC236}">
+                <a16:creationId xmlns:a16="http://schemas.microsoft.com/office/drawing/2014/main" id="{DB1F666D-F61B-4AA6-B2F2-D6B7470053EB}"/>
+              </a:ext>
+            </a:extLst>
+          </p:cNvPr>
+          <p:cNvSpPr>
+            <a:spLocks noGrp="1"/>
+          </p:cNvSpPr>
+          <p:nvPr>
+            <p:ph type="sldNum" sz="quarter" idx="12"/>
+          </p:nvPr>
+        </p:nvSpPr>
+        <p:spPr/>
+        <p:txBody>
+          <a:bodyPr/>
+          <a:lstStyle/>
+          <a:p>
+            <a:fld id="{D57F1E4F-1CFF-5643-939E-217C01CDF565}" type="slidenum">
+              <a:rPr lang="en-US" smtClean="0"/>
+              <a:pPr/>
+              <a:t>23</a:t>
+            </a:fld>
+            <a:endParaRPr lang="en-US" dirty="0"/>
+          </a:p>
+        </p:txBody>
+      </p:sp>
+      <p:pic>
+        <p:nvPicPr>
+          <p:cNvPr id="4098" name="Picture 2"/>
+          <p:cNvPicPr>
+            <a:picLocks noChangeAspect="1" noChangeArrowheads="1"/>
+          </p:cNvPicPr>
+          <p:nvPr/>
+        </p:nvPicPr>
+        <p:blipFill>
+          <a:blip r:embed="rId2">
+            <a:extLst>
+              <a:ext uri="{28A0092B-C50C-407E-A947-70E740481C1C}">
+                <a14:useLocalDpi xmlns:a14="http://schemas.microsoft.com/office/drawing/2010/main" val="0"/>
+              </a:ext>
+            </a:extLst>
+          </a:blip>
+          <a:srcRect/>
+          <a:stretch>
+            <a:fillRect/>
+          </a:stretch>
+        </p:blipFill>
+        <p:spPr bwMode="auto">
+          <a:xfrm>
+            <a:off x="672435" y="1659696"/>
+            <a:ext cx="8212811" cy="4208841"/>
+          </a:xfrm>
+          <a:prstGeom prst="rect">
+            <a:avLst/>
+          </a:prstGeom>
+          <a:noFill/>
+          <a:ln>
+            <a:noFill/>
+          </a:ln>
+          <a:effectLst/>
+          <a:extLst>
+            <a:ext uri="{909E8E84-426E-40DD-AFC4-6F175D3DCCD1}">
+              <a14:hiddenFill xmlns:a14="http://schemas.microsoft.com/office/drawing/2010/main">
+                <a:solidFill>
+                  <a:schemeClr val="accent1"/>
+                </a:solidFill>
+              </a14:hiddenFill>
+            </a:ext>
+            <a:ext uri="{91240B29-F687-4F45-9708-019B960494DF}">
+              <a14:hiddenLine xmlns:a14="http://schemas.microsoft.com/office/drawing/2010/main" w="9525">
+                <a:solidFill>
+                  <a:schemeClr val="tx1"/>
+                </a:solidFill>
+                <a:miter lim="800000"/>
+                <a:headEnd/>
+                <a:tailEnd/>
+              </a14:hiddenLine>
+            </a:ext>
+            <a:ext uri="{AF507438-7753-43E0-B8FC-AC1667EBCBE1}">
+              <a14:hiddenEffects xmlns:a14="http://schemas.microsoft.com/office/drawing/2010/main">
+                <a:effectLst>
+                  <a:outerShdw dist="35921" dir="2700000" algn="ctr" rotWithShape="0">
+                    <a:schemeClr val="bg2"/>
+                  </a:outerShdw>
+                </a:effectLst>
+              </a14:hiddenEffects>
+            </a:ext>
+          </a:extLst>
+        </p:spPr>
+      </p:pic>
+      <p:sp>
+        <p:nvSpPr>
+          <p:cNvPr id="3" name="TextBox 2"/>
+          <p:cNvSpPr txBox="1"/>
+          <p:nvPr/>
+        </p:nvSpPr>
+        <p:spPr>
+          <a:xfrm>
+            <a:off x="672435" y="6182436"/>
+            <a:ext cx="6178741" cy="369332"/>
+          </a:xfrm>
+          <a:prstGeom prst="rect">
+            <a:avLst/>
+          </a:prstGeom>
+          <a:noFill/>
+        </p:spPr>
+        <p:txBody>
+          <a:bodyPr wrap="square" rtlCol="0">
+            <a:spAutoFit/>
+          </a:bodyPr>
+          <a:lstStyle/>
+          <a:p>
+            <a:r>
+              <a:rPr lang="en-US" dirty="0"/>
+              <a:t> </a:t>
+            </a:r>
+            <a:r>
+              <a:rPr lang="en-US" b="1" dirty="0"/>
+              <a:t>Conclusion: Marital status and Education are related</a:t>
+            </a:r>
+            <a:endParaRPr lang="en-US" dirty="0"/>
+          </a:p>
+        </p:txBody>
+      </p:sp>
+    </p:spTree>
+    <p:extLst>
+      <p:ext uri="{BB962C8B-B14F-4D97-AF65-F5344CB8AC3E}">
+        <p14:creationId xmlns:p14="http://schemas.microsoft.com/office/powerpoint/2010/main" val="1080903840"/>
+      </p:ext>
+    </p:extLst>
+  </p:cSld>
+  <p:clrMapOvr>
+    <a:masterClrMapping/>
+  </p:clrMapOvr>
+</p:sld>
+</file>
+
+<file path=ppt/slides/slide24.xml><?xml version="1.0" encoding="utf-8"?>
+<p:sld xmlns:a="http://schemas.openxmlformats.org/drawingml/2006/main" xmlns:r="http://schemas.openxmlformats.org/officeDocument/2006/relationships" xmlns:p="http://schemas.openxmlformats.org/presentationml/2006/main">
+  <p:cSld>
+    <p:spTree>
+      <p:nvGrpSpPr>
+        <p:cNvPr id="1" name=""/>
+        <p:cNvGrpSpPr/>
+        <p:nvPr/>
+      </p:nvGrpSpPr>
+      <p:grpSpPr>
+        <a:xfrm>
+          <a:off x="0" y="0"/>
+          <a:ext cx="0" cy="0"/>
+          <a:chOff x="0" y="0"/>
+          <a:chExt cx="0" cy="0"/>
+        </a:xfrm>
+      </p:grpSpPr>
+      <p:sp>
+        <p:nvSpPr>
+          <p:cNvPr id="2" name="Title 1">
+            <a:extLst>
+              <a:ext uri="{FF2B5EF4-FFF2-40B4-BE49-F238E27FC236}">
+                <a16:creationId xmlns:a16="http://schemas.microsoft.com/office/drawing/2014/main" id="{37C378D4-AA49-4A5E-AB45-85B17F521DB8}"/>
+              </a:ext>
+            </a:extLst>
+          </p:cNvPr>
+          <p:cNvSpPr>
+            <a:spLocks noGrp="1"/>
+          </p:cNvSpPr>
+          <p:nvPr>
+            <p:ph type="title"/>
+          </p:nvPr>
+        </p:nvSpPr>
+        <p:spPr/>
+        <p:txBody>
+          <a:bodyPr/>
+          <a:lstStyle/>
+          <a:p>
+            <a:r>
+              <a:rPr lang="en-IN" dirty="0" err="1"/>
+              <a:t>Anova</a:t>
+            </a:r>
+            <a:endParaRPr lang="en-IN" dirty="0"/>
+          </a:p>
+        </p:txBody>
+      </p:sp>
+      <p:sp>
+        <p:nvSpPr>
+          <p:cNvPr id="3" name="Content Placeholder 2">
+            <a:extLst>
+              <a:ext uri="{FF2B5EF4-FFF2-40B4-BE49-F238E27FC236}">
+                <a16:creationId xmlns:a16="http://schemas.microsoft.com/office/drawing/2014/main" id="{EA6E06F9-C34A-47AD-B06E-F1DFE7F78A49}"/>
+              </a:ext>
+            </a:extLst>
+          </p:cNvPr>
+          <p:cNvSpPr>
+            <a:spLocks noGrp="1"/>
+          </p:cNvSpPr>
+          <p:nvPr>
+            <p:ph idx="1"/>
+          </p:nvPr>
+        </p:nvSpPr>
+        <p:spPr/>
+        <p:txBody>
+          <a:bodyPr/>
+          <a:lstStyle/>
+          <a:p>
+            <a:r>
+              <a:rPr lang="en-IN" dirty="0"/>
+              <a:t>A statistical technique for examining the difference among mean for three or more population. </a:t>
+            </a:r>
+          </a:p>
+          <a:p>
+            <a:r>
+              <a:rPr lang="en-IN" dirty="0"/>
+              <a:t>Here the dependent variable is metric and independent variables are categorical. </a:t>
+            </a:r>
+          </a:p>
+          <a:p>
+            <a:r>
+              <a:rPr lang="en-IN" dirty="0"/>
+              <a:t>One-way </a:t>
+            </a:r>
+            <a:r>
+              <a:rPr lang="en-IN" dirty="0" err="1"/>
+              <a:t>Anova</a:t>
+            </a:r>
+            <a:r>
+              <a:rPr lang="en-IN" dirty="0"/>
+              <a:t> – When there is only one factor.</a:t>
+            </a:r>
+          </a:p>
+          <a:p>
+            <a:r>
+              <a:rPr lang="en-US" dirty="0"/>
+              <a:t>One-way ANOVA for comparing 3(+) groups on 1 variable: do all children from school A, B and C have equal mean IQ scores? *</a:t>
+            </a:r>
+          </a:p>
+          <a:p>
+            <a:r>
+              <a:rPr lang="en-US" dirty="0"/>
+              <a:t>Repeated measures ANOVA for comparing 3(+) variables in 1 group: is the mean rating for beer A, B and C equal for all people?*</a:t>
+            </a:r>
+            <a:endParaRPr lang="en-IN" dirty="0"/>
+          </a:p>
+        </p:txBody>
+      </p:sp>
+      <p:sp>
+        <p:nvSpPr>
+          <p:cNvPr id="5" name="Slide Number Placeholder 4">
+            <a:extLst>
+              <a:ext uri="{FF2B5EF4-FFF2-40B4-BE49-F238E27FC236}">
+                <a16:creationId xmlns:a16="http://schemas.microsoft.com/office/drawing/2014/main" id="{467950AA-690B-4AA7-BF1E-AA0C41EBC209}"/>
+              </a:ext>
+            </a:extLst>
+          </p:cNvPr>
+          <p:cNvSpPr>
+            <a:spLocks noGrp="1"/>
+          </p:cNvSpPr>
+          <p:nvPr>
+            <p:ph type="sldNum" sz="quarter" idx="12"/>
+          </p:nvPr>
+        </p:nvSpPr>
+        <p:spPr/>
+        <p:txBody>
+          <a:bodyPr/>
+          <a:lstStyle/>
+          <a:p>
+            <a:fld id="{D57F1E4F-1CFF-5643-939E-217C01CDF565}" type="slidenum">
+              <a:rPr lang="en-US" smtClean="0"/>
+              <a:pPr/>
+              <a:t>24</a:t>
+            </a:fld>
+            <a:endParaRPr lang="en-US" dirty="0"/>
+          </a:p>
+        </p:txBody>
+      </p:sp>
+    </p:spTree>
+    <p:extLst>
+      <p:ext uri="{BB962C8B-B14F-4D97-AF65-F5344CB8AC3E}">
+        <p14:creationId xmlns:p14="http://schemas.microsoft.com/office/powerpoint/2010/main" val="1654247509"/>
+      </p:ext>
+    </p:extLst>
+  </p:cSld>
+  <p:clrMapOvr>
+    <a:masterClrMapping/>
+  </p:clrMapOvr>
+</p:sld>
+</file>
+
+<file path=ppt/slides/slide25.xml><?xml version="1.0" encoding="utf-8"?>
+<p:sld xmlns:a="http://schemas.openxmlformats.org/drawingml/2006/main" xmlns:r="http://schemas.openxmlformats.org/officeDocument/2006/relationships" xmlns:p="http://schemas.openxmlformats.org/presentationml/2006/main">
+  <p:cSld>
+    <p:spTree>
+      <p:nvGrpSpPr>
+        <p:cNvPr id="1" name=""/>
+        <p:cNvGrpSpPr/>
+        <p:nvPr/>
+      </p:nvGrpSpPr>
+      <p:grpSpPr>
+        <a:xfrm>
+          <a:off x="0" y="0"/>
+          <a:ext cx="0" cy="0"/>
+          <a:chOff x="0" y="0"/>
+          <a:chExt cx="0" cy="0"/>
+        </a:xfrm>
+      </p:grpSpPr>
+      <p:sp>
+        <p:nvSpPr>
+          <p:cNvPr id="2" name="Title 1">
+            <a:extLst>
+              <a:ext uri="{FF2B5EF4-FFF2-40B4-BE49-F238E27FC236}">
+                <a16:creationId xmlns:a16="http://schemas.microsoft.com/office/drawing/2014/main" id="{37C378D4-AA49-4A5E-AB45-85B17F521DB8}"/>
+              </a:ext>
+            </a:extLst>
+          </p:cNvPr>
+          <p:cNvSpPr>
+            <a:spLocks noGrp="1"/>
+          </p:cNvSpPr>
+          <p:nvPr>
+            <p:ph type="title"/>
+          </p:nvPr>
+        </p:nvSpPr>
+        <p:spPr/>
+        <p:txBody>
+          <a:bodyPr/>
+          <a:lstStyle/>
+          <a:p>
+            <a:r>
+              <a:rPr lang="en-IN" dirty="0" err="1"/>
+              <a:t>Anova</a:t>
+            </a:r>
+            <a:endParaRPr lang="en-IN" dirty="0"/>
+          </a:p>
+        </p:txBody>
+      </p:sp>
+      <p:sp>
+        <p:nvSpPr>
+          <p:cNvPr id="5" name="Slide Number Placeholder 4">
+            <a:extLst>
+              <a:ext uri="{FF2B5EF4-FFF2-40B4-BE49-F238E27FC236}">
+                <a16:creationId xmlns:a16="http://schemas.microsoft.com/office/drawing/2014/main" id="{467950AA-690B-4AA7-BF1E-AA0C41EBC209}"/>
+              </a:ext>
+            </a:extLst>
+          </p:cNvPr>
+          <p:cNvSpPr>
+            <a:spLocks noGrp="1"/>
+          </p:cNvSpPr>
+          <p:nvPr>
+            <p:ph type="sldNum" sz="quarter" idx="12"/>
+          </p:nvPr>
+        </p:nvSpPr>
+        <p:spPr/>
+        <p:txBody>
+          <a:bodyPr/>
+          <a:lstStyle/>
+          <a:p>
+            <a:fld id="{D57F1E4F-1CFF-5643-939E-217C01CDF565}" type="slidenum">
+              <a:rPr lang="en-US" smtClean="0"/>
+              <a:pPr/>
+              <a:t>25</a:t>
+            </a:fld>
+            <a:endParaRPr lang="en-US" dirty="0"/>
+          </a:p>
+        </p:txBody>
+      </p:sp>
+      <p:pic>
+        <p:nvPicPr>
+          <p:cNvPr id="6" name="Picture 5"/>
+          <p:cNvPicPr>
+            <a:picLocks noChangeAspect="1"/>
+          </p:cNvPicPr>
+          <p:nvPr/>
+        </p:nvPicPr>
+        <p:blipFill>
+          <a:blip r:embed="rId2">
+            <a:extLst>
+              <a:ext uri="{28A0092B-C50C-407E-A947-70E740481C1C}">
+                <a14:useLocalDpi xmlns:a14="http://schemas.microsoft.com/office/drawing/2010/main" val="0"/>
+              </a:ext>
+            </a:extLst>
+          </a:blip>
+          <a:stretch>
+            <a:fillRect/>
+          </a:stretch>
+        </p:blipFill>
+        <p:spPr>
+          <a:xfrm>
+            <a:off x="704817" y="1314810"/>
+            <a:ext cx="9341526" cy="2192664"/>
+          </a:xfrm>
+          <a:prstGeom prst="rect">
+            <a:avLst/>
+          </a:prstGeom>
+        </p:spPr>
+      </p:pic>
+      <p:sp>
+        <p:nvSpPr>
+          <p:cNvPr id="7" name="TextBox 6"/>
+          <p:cNvSpPr txBox="1"/>
+          <p:nvPr/>
+        </p:nvSpPr>
+        <p:spPr>
+          <a:xfrm>
+            <a:off x="941697" y="4018844"/>
+            <a:ext cx="8789158" cy="369332"/>
+          </a:xfrm>
+          <a:prstGeom prst="rect">
+            <a:avLst/>
+          </a:prstGeom>
+          <a:noFill/>
+        </p:spPr>
+        <p:txBody>
+          <a:bodyPr wrap="square" rtlCol="0">
+            <a:spAutoFit/>
+          </a:bodyPr>
+          <a:lstStyle/>
+          <a:p>
+            <a:r>
+              <a:rPr lang="en-US" dirty="0"/>
+              <a:t>The null hypothesis for (any) ANOVA is that all population means are exactly equal.</a:t>
+            </a:r>
+          </a:p>
+        </p:txBody>
+      </p:sp>
+      <p:pic>
+        <p:nvPicPr>
+          <p:cNvPr id="8" name="Picture 7"/>
+          <p:cNvPicPr>
+            <a:picLocks noChangeAspect="1"/>
+          </p:cNvPicPr>
+          <p:nvPr/>
+        </p:nvPicPr>
+        <p:blipFill>
+          <a:blip r:embed="rId3">
+            <a:extLst>
+              <a:ext uri="{28A0092B-C50C-407E-A947-70E740481C1C}">
+                <a14:useLocalDpi xmlns:a14="http://schemas.microsoft.com/office/drawing/2010/main" val="0"/>
+              </a:ext>
+            </a:extLst>
+          </a:blip>
+          <a:stretch>
+            <a:fillRect/>
+          </a:stretch>
+        </p:blipFill>
+        <p:spPr>
+          <a:xfrm>
+            <a:off x="704816" y="4432530"/>
+            <a:ext cx="9556399" cy="2309463"/>
+          </a:xfrm>
+          <a:prstGeom prst="rect">
+            <a:avLst/>
+          </a:prstGeom>
+        </p:spPr>
+      </p:pic>
+    </p:spTree>
+    <p:extLst>
+      <p:ext uri="{BB962C8B-B14F-4D97-AF65-F5344CB8AC3E}">
+        <p14:creationId xmlns:p14="http://schemas.microsoft.com/office/powerpoint/2010/main" val="2358506611"/>
+      </p:ext>
+    </p:extLst>
+  </p:cSld>
+  <p:clrMapOvr>
+    <a:masterClrMapping/>
+  </p:clrMapOvr>
+</p:sld>
+</file>
+
+<file path=ppt/slides/slide26.xml><?xml version="1.0" encoding="utf-8"?>
+<p:sld xmlns:a="http://schemas.openxmlformats.org/drawingml/2006/main" xmlns:r="http://schemas.openxmlformats.org/officeDocument/2006/relationships" xmlns:p="http://schemas.openxmlformats.org/presentationml/2006/main">
+  <p:cSld>
+    <p:spTree>
+      <p:nvGrpSpPr>
+        <p:cNvPr id="1" name=""/>
+        <p:cNvGrpSpPr/>
+        <p:nvPr/>
+      </p:nvGrpSpPr>
+      <p:grpSpPr>
+        <a:xfrm>
+          <a:off x="0" y="0"/>
+          <a:ext cx="0" cy="0"/>
+          <a:chOff x="0" y="0"/>
+          <a:chExt cx="0" cy="0"/>
+        </a:xfrm>
+      </p:grpSpPr>
+      <p:sp>
+        <p:nvSpPr>
+          <p:cNvPr id="2" name="Title 1">
+            <a:extLst>
+              <a:ext uri="{FF2B5EF4-FFF2-40B4-BE49-F238E27FC236}">
+                <a16:creationId xmlns:a16="http://schemas.microsoft.com/office/drawing/2014/main" id="{6094FC42-046A-4A90-AF3D-E5CCEF581FBA}"/>
+              </a:ext>
+            </a:extLst>
+          </p:cNvPr>
+          <p:cNvSpPr>
+            <a:spLocks noGrp="1"/>
+          </p:cNvSpPr>
+          <p:nvPr>
+            <p:ph type="title"/>
+          </p:nvPr>
+        </p:nvSpPr>
+        <p:spPr/>
+        <p:txBody>
+          <a:bodyPr/>
+          <a:lstStyle/>
+          <a:p>
+            <a:r>
+              <a:rPr lang="en-IN" dirty="0"/>
+              <a:t>Covariance</a:t>
+            </a:r>
+          </a:p>
+        </p:txBody>
+      </p:sp>
+      <p:sp>
+        <p:nvSpPr>
+          <p:cNvPr id="3" name="Content Placeholder 2">
+            <a:extLst>
+              <a:ext uri="{FF2B5EF4-FFF2-40B4-BE49-F238E27FC236}">
+                <a16:creationId xmlns:a16="http://schemas.microsoft.com/office/drawing/2014/main" id="{6669E41B-B378-4315-9511-08E80EB6F9A7}"/>
+              </a:ext>
+            </a:extLst>
+          </p:cNvPr>
+          <p:cNvSpPr>
+            <a:spLocks noGrp="1"/>
+          </p:cNvSpPr>
+          <p:nvPr>
+            <p:ph idx="1"/>
+          </p:nvPr>
+        </p:nvSpPr>
+        <p:spPr/>
+        <p:txBody>
+          <a:bodyPr/>
+          <a:lstStyle/>
+          <a:p>
+            <a:r>
+              <a:rPr lang="en-IN" dirty="0"/>
+              <a:t>The covariance of two variables x and y in a data sample measures how the two variables are linearly related and it is a measure of how much two random variables change together</a:t>
+            </a:r>
+          </a:p>
+          <a:p>
+            <a:r>
+              <a:rPr lang="en-IN" dirty="0"/>
+              <a:t>A positive covariance would indicates a positive linear relationship between the variables, and a negative covariance would indicate the opposite.</a:t>
+            </a:r>
+          </a:p>
+          <a:p>
+            <a:endParaRPr lang="en-IN" dirty="0"/>
+          </a:p>
+          <a:p>
+            <a:endParaRPr lang="en-IN" dirty="0"/>
+          </a:p>
+        </p:txBody>
+      </p:sp>
+      <p:pic>
+        <p:nvPicPr>
+          <p:cNvPr id="4" name="Picture 3">
+            <a:extLst>
+              <a:ext uri="{FF2B5EF4-FFF2-40B4-BE49-F238E27FC236}">
+                <a16:creationId xmlns:a16="http://schemas.microsoft.com/office/drawing/2014/main" id="{D0F8E17E-C81C-4F5B-9E4F-41D2647F6235}"/>
+              </a:ext>
+            </a:extLst>
+          </p:cNvPr>
+          <p:cNvPicPr>
+            <a:picLocks noChangeAspect="1"/>
+          </p:cNvPicPr>
+          <p:nvPr/>
+        </p:nvPicPr>
+        <p:blipFill>
+          <a:blip r:embed="rId2"/>
+          <a:stretch>
+            <a:fillRect/>
+          </a:stretch>
+        </p:blipFill>
+        <p:spPr>
+          <a:xfrm>
+            <a:off x="1453495" y="4208822"/>
+            <a:ext cx="6362700" cy="1419225"/>
+          </a:xfrm>
+          <a:prstGeom prst="rect">
+            <a:avLst/>
+          </a:prstGeom>
+        </p:spPr>
+      </p:pic>
+      <p:sp>
+        <p:nvSpPr>
+          <p:cNvPr id="6" name="Slide Number Placeholder 5">
+            <a:extLst>
+              <a:ext uri="{FF2B5EF4-FFF2-40B4-BE49-F238E27FC236}">
+                <a16:creationId xmlns:a16="http://schemas.microsoft.com/office/drawing/2014/main" id="{B2183F79-3FAA-4104-ABE1-FA9A29BD65B4}"/>
+              </a:ext>
+            </a:extLst>
+          </p:cNvPr>
+          <p:cNvSpPr>
+            <a:spLocks noGrp="1"/>
+          </p:cNvSpPr>
+          <p:nvPr>
+            <p:ph type="sldNum" sz="quarter" idx="12"/>
+          </p:nvPr>
+        </p:nvSpPr>
+        <p:spPr/>
+        <p:txBody>
+          <a:bodyPr/>
+          <a:lstStyle/>
+          <a:p>
+            <a:fld id="{D57F1E4F-1CFF-5643-939E-217C01CDF565}" type="slidenum">
+              <a:rPr lang="en-US" smtClean="0"/>
+              <a:pPr/>
+              <a:t>26</a:t>
+            </a:fld>
+            <a:endParaRPr lang="en-US" dirty="0"/>
+          </a:p>
+        </p:txBody>
+      </p:sp>
+    </p:spTree>
+    <p:extLst>
+      <p:ext uri="{BB962C8B-B14F-4D97-AF65-F5344CB8AC3E}">
+        <p14:creationId xmlns:p14="http://schemas.microsoft.com/office/powerpoint/2010/main" val="4247499872"/>
+      </p:ext>
+    </p:extLst>
+  </p:cSld>
+  <p:clrMapOvr>
+    <a:masterClrMapping/>
+  </p:clrMapOvr>
+</p:sld>
+</file>
+
+<file path=ppt/slides/slide27.xml><?xml version="1.0" encoding="utf-8"?>
+<p:sld xmlns:a="http://schemas.openxmlformats.org/drawingml/2006/main" xmlns:r="http://schemas.openxmlformats.org/officeDocument/2006/relationships" xmlns:p="http://schemas.openxmlformats.org/presentationml/2006/main">
+  <p:cSld>
+    <p:bg>
+      <p:bgPr>
+        <a:solidFill>
+          <a:schemeClr val="bg1"/>
+        </a:solidFill>
+        <a:effectLst/>
+      </p:bgPr>
+    </p:bg>
+    <p:spTree>
+      <p:nvGrpSpPr>
+        <p:cNvPr id="1" name=""/>
+        <p:cNvGrpSpPr/>
+        <p:nvPr/>
+      </p:nvGrpSpPr>
+      <p:grpSpPr>
+        <a:xfrm>
+          <a:off x="0" y="0"/>
+          <a:ext cx="0" cy="0"/>
+          <a:chOff x="0" y="0"/>
+          <a:chExt cx="0" cy="0"/>
+        </a:xfrm>
+      </p:grpSpPr>
+      <p:sp>
+        <p:nvSpPr>
+          <p:cNvPr id="2" name="Title 1">
+            <a:extLst>
+              <a:ext uri="{FF2B5EF4-FFF2-40B4-BE49-F238E27FC236}">
+                <a16:creationId xmlns:a16="http://schemas.microsoft.com/office/drawing/2014/main" id="{AE855D1D-FB59-46DF-A180-1BA2099A2CEC}"/>
+              </a:ext>
+            </a:extLst>
+          </p:cNvPr>
+          <p:cNvSpPr>
+            <a:spLocks noGrp="1"/>
+          </p:cNvSpPr>
+          <p:nvPr>
+            <p:ph type="title"/>
+          </p:nvPr>
+        </p:nvSpPr>
+        <p:spPr>
+          <a:xfrm>
+            <a:off x="677334" y="609600"/>
+            <a:ext cx="8596668" cy="1320800"/>
+          </a:xfrm>
+        </p:spPr>
+        <p:txBody>
+          <a:bodyPr anchor="t">
+            <a:normAutofit/>
+          </a:bodyPr>
+          <a:lstStyle/>
+          <a:p>
+            <a:r>
+              <a:rPr lang="en-IN" dirty="0"/>
+              <a:t>Correlation</a:t>
+            </a:r>
+          </a:p>
+        </p:txBody>
+      </p:sp>
+      <p:pic>
+        <p:nvPicPr>
+          <p:cNvPr id="4" name="Picture 3">
+            <a:extLst>
+              <a:ext uri="{FF2B5EF4-FFF2-40B4-BE49-F238E27FC236}">
+                <a16:creationId xmlns:a16="http://schemas.microsoft.com/office/drawing/2014/main" id="{16307308-7A7F-4522-A80C-4F24FB04212E}"/>
+              </a:ext>
+            </a:extLst>
+          </p:cNvPr>
+          <p:cNvPicPr>
+            <a:picLocks noChangeAspect="1"/>
+          </p:cNvPicPr>
+          <p:nvPr/>
+        </p:nvPicPr>
+        <p:blipFill>
+          <a:blip r:embed="rId2"/>
+          <a:stretch>
+            <a:fillRect/>
+          </a:stretch>
+        </p:blipFill>
+        <p:spPr>
+          <a:xfrm>
+            <a:off x="817474" y="2159331"/>
+            <a:ext cx="5283289" cy="1135906"/>
+          </a:xfrm>
+          <a:prstGeom prst="rect">
+            <a:avLst/>
+          </a:prstGeom>
+        </p:spPr>
+      </p:pic>
+      <p:sp>
+        <p:nvSpPr>
+          <p:cNvPr id="3" name="Content Placeholder 2">
+            <a:extLst>
+              <a:ext uri="{FF2B5EF4-FFF2-40B4-BE49-F238E27FC236}">
+                <a16:creationId xmlns:a16="http://schemas.microsoft.com/office/drawing/2014/main" id="{19D355BC-D549-4773-BD9C-D94930ABC376}"/>
+              </a:ext>
+            </a:extLst>
+          </p:cNvPr>
+          <p:cNvSpPr>
+            <a:spLocks noGrp="1"/>
+          </p:cNvSpPr>
+          <p:nvPr>
+            <p:ph idx="1"/>
+          </p:nvPr>
+        </p:nvSpPr>
+        <p:spPr>
+          <a:xfrm>
+            <a:off x="6416039" y="2160589"/>
+            <a:ext cx="2927185" cy="3880773"/>
+          </a:xfrm>
+        </p:spPr>
+        <p:txBody>
+          <a:bodyPr>
+            <a:normAutofit/>
+          </a:bodyPr>
+          <a:lstStyle/>
+          <a:p>
+            <a:r>
+              <a:rPr lang="en-IN" sz="1500"/>
+              <a:t>Correlation is a statistical technique that can show whether and how strongly pairs of variables are related</a:t>
+            </a:r>
+          </a:p>
+          <a:p>
+            <a:r>
+              <a:rPr lang="en-IN" sz="1500"/>
+              <a:t>It is a scaled version of covariance and values ranges from -1 to +1</a:t>
+            </a:r>
+          </a:p>
+          <a:p>
+            <a:endParaRPr lang="en-IN" sz="1500"/>
+          </a:p>
+        </p:txBody>
+      </p:sp>
+      <p:sp>
+        <p:nvSpPr>
+          <p:cNvPr id="6" name="Slide Number Placeholder 5">
+            <a:extLst>
+              <a:ext uri="{FF2B5EF4-FFF2-40B4-BE49-F238E27FC236}">
+                <a16:creationId xmlns:a16="http://schemas.microsoft.com/office/drawing/2014/main" id="{A481C620-E051-4001-BE0A-567AFFB756F3}"/>
+              </a:ext>
+            </a:extLst>
+          </p:cNvPr>
+          <p:cNvSpPr>
+            <a:spLocks noGrp="1"/>
+          </p:cNvSpPr>
+          <p:nvPr>
+            <p:ph type="sldNum" sz="quarter" idx="12"/>
+          </p:nvPr>
+        </p:nvSpPr>
+        <p:spPr/>
+        <p:txBody>
+          <a:bodyPr/>
+          <a:lstStyle/>
+          <a:p>
+            <a:fld id="{D57F1E4F-1CFF-5643-939E-217C01CDF565}" type="slidenum">
+              <a:rPr lang="en-US" smtClean="0"/>
+              <a:pPr/>
+              <a:t>27</a:t>
+            </a:fld>
+            <a:endParaRPr lang="en-US" dirty="0"/>
+          </a:p>
+        </p:txBody>
+      </p:sp>
+    </p:spTree>
+    <p:extLst>
+      <p:ext uri="{BB962C8B-B14F-4D97-AF65-F5344CB8AC3E}">
+        <p14:creationId xmlns:p14="http://schemas.microsoft.com/office/powerpoint/2010/main" val="708340516"/>
+      </p:ext>
+    </p:extLst>
+  </p:cSld>
+  <p:clrMapOvr>
+    <a:masterClrMapping/>
+  </p:clrMapOvr>
+</p:sld>
+</file>
+
+<file path=ppt/slides/slide28.xml><?xml version="1.0" encoding="utf-8"?>
+<p:sld xmlns:a="http://schemas.openxmlformats.org/drawingml/2006/main" xmlns:r="http://schemas.openxmlformats.org/officeDocument/2006/relationships" xmlns:p="http://schemas.openxmlformats.org/presentationml/2006/main">
+  <p:cSld>
+    <p:spTree>
+      <p:nvGrpSpPr>
+        <p:cNvPr id="1" name=""/>
+        <p:cNvGrpSpPr/>
+        <p:nvPr/>
+      </p:nvGrpSpPr>
+      <p:grpSpPr>
+        <a:xfrm>
+          <a:off x="0" y="0"/>
+          <a:ext cx="0" cy="0"/>
+          <a:chOff x="0" y="0"/>
+          <a:chExt cx="0" cy="0"/>
+        </a:xfrm>
+      </p:grpSpPr>
+      <p:sp>
+        <p:nvSpPr>
+          <p:cNvPr id="2" name="Title 1">
+            <a:extLst>
+              <a:ext uri="{FF2B5EF4-FFF2-40B4-BE49-F238E27FC236}">
+                <a16:creationId xmlns:a16="http://schemas.microsoft.com/office/drawing/2014/main" id="{CCCDAC36-6B41-4E64-9D8B-EE16DD0C458F}"/>
+              </a:ext>
+            </a:extLst>
+          </p:cNvPr>
+          <p:cNvSpPr>
+            <a:spLocks noGrp="1"/>
+          </p:cNvSpPr>
+          <p:nvPr>
+            <p:ph type="title"/>
+          </p:nvPr>
+        </p:nvSpPr>
+        <p:spPr/>
+        <p:txBody>
+          <a:bodyPr/>
+          <a:lstStyle/>
+          <a:p>
+            <a:r>
+              <a:rPr lang="en-IN" dirty="0"/>
+              <a:t>Collinearity</a:t>
+            </a:r>
+          </a:p>
+        </p:txBody>
+      </p:sp>
+      <p:sp>
+        <p:nvSpPr>
+          <p:cNvPr id="3" name="Content Placeholder 2">
+            <a:extLst>
+              <a:ext uri="{FF2B5EF4-FFF2-40B4-BE49-F238E27FC236}">
+                <a16:creationId xmlns:a16="http://schemas.microsoft.com/office/drawing/2014/main" id="{CFDE6B62-D972-44E8-AABD-549B8A3C90AA}"/>
+              </a:ext>
+            </a:extLst>
+          </p:cNvPr>
+          <p:cNvSpPr>
+            <a:spLocks noGrp="1"/>
+          </p:cNvSpPr>
+          <p:nvPr>
+            <p:ph idx="1"/>
+          </p:nvPr>
+        </p:nvSpPr>
+        <p:spPr/>
+        <p:txBody>
+          <a:bodyPr/>
+          <a:lstStyle/>
+          <a:p>
+            <a:r>
+              <a:rPr lang="en-IN" dirty="0"/>
+              <a:t>Collinearity or Multicollinearity is the occurrence of several independent variables in a regression model are closely correlated to one another</a:t>
+            </a:r>
+          </a:p>
+          <a:p>
+            <a:r>
+              <a:rPr lang="en-IN" dirty="0"/>
+              <a:t>Collinearity tends to inflate the variance of at least one estimated regression coefficient.</a:t>
+            </a:r>
+          </a:p>
+          <a:p>
+            <a:r>
+              <a:rPr lang="en-IN" dirty="0"/>
+              <a:t>This can cause at least some regression coefficients to have the wrong sign</a:t>
+            </a:r>
+          </a:p>
+          <a:p>
+            <a:r>
+              <a:rPr lang="en-IN" dirty="0"/>
+              <a:t>Get rid of the redundant variables using a variable selection technique</a:t>
+            </a:r>
+          </a:p>
+        </p:txBody>
+      </p:sp>
+      <p:sp>
+        <p:nvSpPr>
+          <p:cNvPr id="5" name="Slide Number Placeholder 4">
+            <a:extLst>
+              <a:ext uri="{FF2B5EF4-FFF2-40B4-BE49-F238E27FC236}">
+                <a16:creationId xmlns:a16="http://schemas.microsoft.com/office/drawing/2014/main" id="{E700DB22-32D1-4723-80B9-DD7CCFC84190}"/>
+              </a:ext>
+            </a:extLst>
+          </p:cNvPr>
+          <p:cNvSpPr>
+            <a:spLocks noGrp="1"/>
+          </p:cNvSpPr>
+          <p:nvPr>
+            <p:ph type="sldNum" sz="quarter" idx="12"/>
+          </p:nvPr>
+        </p:nvSpPr>
+        <p:spPr/>
+        <p:txBody>
+          <a:bodyPr/>
+          <a:lstStyle/>
+          <a:p>
+            <a:fld id="{D57F1E4F-1CFF-5643-939E-217C01CDF565}" type="slidenum">
+              <a:rPr lang="en-US" smtClean="0"/>
+              <a:pPr/>
+              <a:t>28</a:t>
+            </a:fld>
+            <a:endParaRPr lang="en-US" dirty="0"/>
+          </a:p>
+        </p:txBody>
+      </p:sp>
+    </p:spTree>
+    <p:extLst>
+      <p:ext uri="{BB962C8B-B14F-4D97-AF65-F5344CB8AC3E}">
+        <p14:creationId xmlns:p14="http://schemas.microsoft.com/office/powerpoint/2010/main" val="1430282002"/>
+      </p:ext>
+    </p:extLst>
+  </p:cSld>
+  <p:clrMapOvr>
+    <a:masterClrMapping/>
+  </p:clrMapOvr>
+</p:sld>
+</file>
+
+<file path=ppt/slides/slide29.xml><?xml version="1.0" encoding="utf-8"?>
+<p:sld xmlns:a="http://schemas.openxmlformats.org/drawingml/2006/main" xmlns:r="http://schemas.openxmlformats.org/officeDocument/2006/relationships" xmlns:p="http://schemas.openxmlformats.org/presentationml/2006/main">
+  <p:cSld>
+    <p:spTree>
+      <p:nvGrpSpPr>
+        <p:cNvPr id="1" name=""/>
+        <p:cNvGrpSpPr/>
+        <p:nvPr/>
+      </p:nvGrpSpPr>
+      <p:grpSpPr>
+        <a:xfrm>
+          <a:off x="0" y="0"/>
+          <a:ext cx="0" cy="0"/>
+          <a:chOff x="0" y="0"/>
+          <a:chExt cx="0" cy="0"/>
+        </a:xfrm>
+      </p:grpSpPr>
+      <p:sp>
+        <p:nvSpPr>
+          <p:cNvPr id="2" name="Title 1">
+            <a:extLst>
+              <a:ext uri="{FF2B5EF4-FFF2-40B4-BE49-F238E27FC236}">
+                <a16:creationId xmlns:a16="http://schemas.microsoft.com/office/drawing/2014/main" id="{F303301B-54E2-4D35-A54F-AFF5B03F4C9C}"/>
+              </a:ext>
+            </a:extLst>
+          </p:cNvPr>
+          <p:cNvSpPr>
+            <a:spLocks noGrp="1"/>
+          </p:cNvSpPr>
+          <p:nvPr>
+            <p:ph type="title"/>
+          </p:nvPr>
+        </p:nvSpPr>
+        <p:spPr>
+          <a:xfrm>
+            <a:off x="1092114" y="2881460"/>
+            <a:ext cx="8596668" cy="1320800"/>
+          </a:xfrm>
+        </p:spPr>
+        <p:txBody>
+          <a:bodyPr/>
+          <a:lstStyle/>
+          <a:p>
+            <a:r>
+              <a:rPr lang="en-IN" dirty="0"/>
+              <a:t>							Thank You</a:t>
+            </a:r>
+          </a:p>
+        </p:txBody>
+      </p:sp>
+      <p:sp>
+        <p:nvSpPr>
+          <p:cNvPr id="4" name="Slide Number Placeholder 3">
+            <a:extLst>
+              <a:ext uri="{FF2B5EF4-FFF2-40B4-BE49-F238E27FC236}">
+                <a16:creationId xmlns:a16="http://schemas.microsoft.com/office/drawing/2014/main" id="{DAE025FB-CAC8-4746-A338-BAAFC9992CDE}"/>
+              </a:ext>
+            </a:extLst>
+          </p:cNvPr>
+          <p:cNvSpPr>
+            <a:spLocks noGrp="1"/>
+          </p:cNvSpPr>
+          <p:nvPr>
+            <p:ph type="sldNum" sz="quarter" idx="12"/>
+          </p:nvPr>
+        </p:nvSpPr>
+        <p:spPr/>
+        <p:txBody>
+          <a:bodyPr/>
+          <a:lstStyle/>
+          <a:p>
+            <a:fld id="{D57F1E4F-1CFF-5643-939E-217C01CDF565}" type="slidenum">
+              <a:rPr lang="en-US" smtClean="0"/>
+              <a:pPr/>
+              <a:t>29</a:t>
+            </a:fld>
+            <a:endParaRPr lang="en-US" dirty="0"/>
+          </a:p>
+        </p:txBody>
+      </p:sp>
+    </p:spTree>
+    <p:extLst>
+      <p:ext uri="{BB962C8B-B14F-4D97-AF65-F5344CB8AC3E}">
+        <p14:creationId xmlns:p14="http://schemas.microsoft.com/office/powerpoint/2010/main" val="902526157"/>
+      </p:ext>
+    </p:extLst>
+  </p:cSld>
+  <p:clrMapOvr>
+    <a:masterClrMapping/>
+  </p:clrMapOvr>
+</p:sld>
+</file>
+
+<file path=ppt/slides/slide3.xml><?xml version="1.0" encoding="utf-8"?>
+<p:sld xmlns:a="http://schemas.openxmlformats.org/drawingml/2006/main" xmlns:r="http://schemas.openxmlformats.org/officeDocument/2006/relationships" xmlns:p="http://schemas.openxmlformats.org/presentationml/2006/main">
+  <p:cSld>
+    <p:spTree>
+      <p:nvGrpSpPr>
+        <p:cNvPr id="1" name=""/>
+        <p:cNvGrpSpPr/>
+        <p:nvPr/>
+      </p:nvGrpSpPr>
+      <p:grpSpPr>
+        <a:xfrm>
+          <a:off x="0" y="0"/>
+          <a:ext cx="0" cy="0"/>
+          <a:chOff x="0" y="0"/>
+          <a:chExt cx="0" cy="0"/>
+        </a:xfrm>
+      </p:grpSpPr>
+      <p:sp>
+        <p:nvSpPr>
+          <p:cNvPr id="2" name="Title 1">
+            <a:extLst>
+              <a:ext uri="{FF2B5EF4-FFF2-40B4-BE49-F238E27FC236}">
+                <a16:creationId xmlns:a16="http://schemas.microsoft.com/office/drawing/2014/main" id="{74D2585C-D792-4293-98B8-D97158707A38}"/>
+              </a:ext>
+            </a:extLst>
+          </p:cNvPr>
+          <p:cNvSpPr>
+            <a:spLocks noGrp="1"/>
+          </p:cNvSpPr>
+          <p:nvPr>
+            <p:ph type="title"/>
+          </p:nvPr>
+        </p:nvSpPr>
+        <p:spPr/>
+        <p:txBody>
+          <a:bodyPr/>
+          <a:lstStyle/>
+          <a:p>
+            <a:r>
+              <a:rPr lang="en-IN" dirty="0"/>
+              <a:t>Measure of Location</a:t>
+            </a:r>
+          </a:p>
+        </p:txBody>
+      </p:sp>
+      <p:sp>
+        <p:nvSpPr>
+          <p:cNvPr id="3" name="Content Placeholder 2">
+            <a:extLst>
+              <a:ext uri="{FF2B5EF4-FFF2-40B4-BE49-F238E27FC236}">
+                <a16:creationId xmlns:a16="http://schemas.microsoft.com/office/drawing/2014/main" id="{C8B1116A-3031-4D45-86D8-D9BF91CCBDDA}"/>
+              </a:ext>
+            </a:extLst>
+          </p:cNvPr>
+          <p:cNvSpPr>
+            <a:spLocks noGrp="1"/>
+          </p:cNvSpPr>
+          <p:nvPr>
+            <p:ph idx="1"/>
+          </p:nvPr>
+        </p:nvSpPr>
+        <p:spPr>
+          <a:xfrm>
+            <a:off x="677334" y="2160589"/>
+            <a:ext cx="8596668" cy="3880773"/>
+          </a:xfrm>
+        </p:spPr>
+        <p:txBody>
+          <a:bodyPr/>
+          <a:lstStyle/>
+          <a:p>
+            <a:r>
+              <a:rPr lang="en-IN" dirty="0"/>
+              <a:t>Mean – The value obtained by summing all elements in a set and dividing by the number of elements</a:t>
+            </a:r>
+          </a:p>
+          <a:p>
+            <a:r>
+              <a:rPr lang="en-IN" dirty="0"/>
+              <a:t>Median –A measure of central tendency give as the value above which half of the values fall and below which half of the values fall</a:t>
+            </a:r>
+          </a:p>
+          <a:p>
+            <a:r>
+              <a:rPr lang="en-IN" dirty="0"/>
+              <a:t>Mode – A measure of central tendency given as the value that occur the most in a sample distribution.</a:t>
+            </a:r>
+          </a:p>
+          <a:p>
+            <a:pPr marL="0" indent="0">
+              <a:buNone/>
+            </a:pPr>
+            <a:endParaRPr lang="en-IN" dirty="0"/>
+          </a:p>
+          <a:p>
+            <a:pPr marL="0" indent="0">
+              <a:buNone/>
+            </a:pPr>
+            <a:endParaRPr lang="en-IN" dirty="0"/>
+          </a:p>
+        </p:txBody>
+      </p:sp>
+      <p:sp>
+        <p:nvSpPr>
+          <p:cNvPr id="5" name="Slide Number Placeholder 4">
+            <a:extLst>
+              <a:ext uri="{FF2B5EF4-FFF2-40B4-BE49-F238E27FC236}">
+                <a16:creationId xmlns:a16="http://schemas.microsoft.com/office/drawing/2014/main" id="{D2979B01-5B81-4202-94A4-962686EE0152}"/>
+              </a:ext>
+            </a:extLst>
+          </p:cNvPr>
+          <p:cNvSpPr>
+            <a:spLocks noGrp="1"/>
+          </p:cNvSpPr>
+          <p:nvPr>
+            <p:ph type="sldNum" sz="quarter" idx="12"/>
+          </p:nvPr>
+        </p:nvSpPr>
+        <p:spPr/>
+        <p:txBody>
+          <a:bodyPr/>
+          <a:lstStyle/>
+          <a:p>
+            <a:fld id="{D57F1E4F-1CFF-5643-939E-217C01CDF565}" type="slidenum">
+              <a:rPr lang="en-US" smtClean="0"/>
+              <a:pPr/>
+              <a:t>3</a:t>
+            </a:fld>
+            <a:endParaRPr lang="en-US" dirty="0"/>
+          </a:p>
+        </p:txBody>
+      </p:sp>
+    </p:spTree>
+    <p:extLst>
+      <p:ext uri="{BB962C8B-B14F-4D97-AF65-F5344CB8AC3E}">
+        <p14:creationId xmlns:p14="http://schemas.microsoft.com/office/powerpoint/2010/main" val="4199855664"/>
+      </p:ext>
+    </p:extLst>
+  </p:cSld>
+  <p:clrMapOvr>
+    <a:masterClrMapping/>
+  </p:clrMapOvr>
+</p:sld>
+</file>
+
+<file path=ppt/slides/slide4.xml><?xml version="1.0" encoding="utf-8"?>
+<p:sld xmlns:a="http://schemas.openxmlformats.org/drawingml/2006/main" xmlns:r="http://schemas.openxmlformats.org/officeDocument/2006/relationships" xmlns:p="http://schemas.openxmlformats.org/presentationml/2006/main">
+  <p:cSld>
+    <p:spTree>
+      <p:nvGrpSpPr>
+        <p:cNvPr id="1" name=""/>
+        <p:cNvGrpSpPr/>
+        <p:nvPr/>
+      </p:nvGrpSpPr>
+      <p:grpSpPr>
+        <a:xfrm>
+          <a:off x="0" y="0"/>
+          <a:ext cx="0" cy="0"/>
+          <a:chOff x="0" y="0"/>
+          <a:chExt cx="0" cy="0"/>
+        </a:xfrm>
+      </p:grpSpPr>
+      <p:sp>
+        <p:nvSpPr>
+          <p:cNvPr id="2" name="Title 1">
+            <a:extLst>
+              <a:ext uri="{FF2B5EF4-FFF2-40B4-BE49-F238E27FC236}">
+                <a16:creationId xmlns:a16="http://schemas.microsoft.com/office/drawing/2014/main" id="{4FE777DF-3E53-42FA-893D-79F9B879D993}"/>
+              </a:ext>
+            </a:extLst>
+          </p:cNvPr>
+          <p:cNvSpPr>
+            <a:spLocks noGrp="1"/>
+          </p:cNvSpPr>
+          <p:nvPr>
+            <p:ph type="title"/>
+          </p:nvPr>
+        </p:nvSpPr>
+        <p:spPr/>
+        <p:txBody>
+          <a:bodyPr/>
+          <a:lstStyle/>
+          <a:p>
+            <a:r>
+              <a:rPr lang="en-IN" dirty="0"/>
+              <a:t>Measure of Variability</a:t>
+            </a:r>
+          </a:p>
+        </p:txBody>
+      </p:sp>
+      <p:sp>
+        <p:nvSpPr>
+          <p:cNvPr id="3" name="Content Placeholder 2">
+            <a:extLst>
+              <a:ext uri="{FF2B5EF4-FFF2-40B4-BE49-F238E27FC236}">
+                <a16:creationId xmlns:a16="http://schemas.microsoft.com/office/drawing/2014/main" id="{8656C2B6-7A77-438F-BCFB-46006D6406E3}"/>
+              </a:ext>
+            </a:extLst>
+          </p:cNvPr>
+          <p:cNvSpPr>
+            <a:spLocks noGrp="1"/>
+          </p:cNvSpPr>
+          <p:nvPr>
+            <p:ph idx="1"/>
+          </p:nvPr>
+        </p:nvSpPr>
+        <p:spPr/>
+        <p:txBody>
+          <a:bodyPr/>
+          <a:lstStyle/>
+          <a:p>
+            <a:r>
+              <a:rPr lang="en-IN" dirty="0"/>
+              <a:t>Range – The difference between the largest and the smallest values of distribution</a:t>
+            </a:r>
+          </a:p>
+          <a:p>
+            <a:r>
+              <a:rPr lang="en-IN" dirty="0"/>
+              <a:t>Interquartile Range – The range of a distribution encompassing the middle 50% of the observation</a:t>
+            </a:r>
+          </a:p>
+        </p:txBody>
+      </p:sp>
+      <p:sp>
+        <p:nvSpPr>
+          <p:cNvPr id="5" name="Slide Number Placeholder 4">
+            <a:extLst>
+              <a:ext uri="{FF2B5EF4-FFF2-40B4-BE49-F238E27FC236}">
+                <a16:creationId xmlns:a16="http://schemas.microsoft.com/office/drawing/2014/main" id="{760BC65F-8ACF-4611-ADA4-DEC8EB15654B}"/>
+              </a:ext>
+            </a:extLst>
+          </p:cNvPr>
+          <p:cNvSpPr>
+            <a:spLocks noGrp="1"/>
+          </p:cNvSpPr>
+          <p:nvPr>
+            <p:ph type="sldNum" sz="quarter" idx="12"/>
+          </p:nvPr>
+        </p:nvSpPr>
+        <p:spPr/>
+        <p:txBody>
+          <a:bodyPr/>
+          <a:lstStyle/>
+          <a:p>
+            <a:fld id="{D57F1E4F-1CFF-5643-939E-217C01CDF565}" type="slidenum">
+              <a:rPr lang="en-US" smtClean="0"/>
+              <a:pPr/>
+              <a:t>4</a:t>
+            </a:fld>
+            <a:endParaRPr lang="en-US" dirty="0"/>
+          </a:p>
+        </p:txBody>
+      </p:sp>
+      <p:pic>
+        <p:nvPicPr>
+          <p:cNvPr id="4" name="Picture 3"/>
+          <p:cNvPicPr>
+            <a:picLocks noChangeAspect="1"/>
+          </p:cNvPicPr>
+          <p:nvPr/>
+        </p:nvPicPr>
+        <p:blipFill>
+          <a:blip r:embed="rId2">
+            <a:extLst>
+              <a:ext uri="{28A0092B-C50C-407E-A947-70E740481C1C}">
+                <a14:useLocalDpi xmlns:a14="http://schemas.microsoft.com/office/drawing/2010/main" val="0"/>
+              </a:ext>
+            </a:extLst>
+          </a:blip>
+          <a:stretch>
+            <a:fillRect/>
+          </a:stretch>
+        </p:blipFill>
+        <p:spPr>
+          <a:xfrm>
+            <a:off x="3707905" y="3357545"/>
+            <a:ext cx="3156919" cy="3310256"/>
+          </a:xfrm>
+          <a:prstGeom prst="rect">
+            <a:avLst/>
+          </a:prstGeom>
+        </p:spPr>
+      </p:pic>
+    </p:spTree>
+    <p:extLst>
+      <p:ext uri="{BB962C8B-B14F-4D97-AF65-F5344CB8AC3E}">
+        <p14:creationId xmlns:p14="http://schemas.microsoft.com/office/powerpoint/2010/main" val="2910095436"/>
+      </p:ext>
+    </p:extLst>
+  </p:cSld>
+  <p:clrMapOvr>
+    <a:masterClrMapping/>
+  </p:clrMapOvr>
+</p:sld>
+</file>
+
+<file path=ppt/slides/slide5.xml><?xml version="1.0" encoding="utf-8"?>
+<p:sld xmlns:a="http://schemas.openxmlformats.org/drawingml/2006/main" xmlns:r="http://schemas.openxmlformats.org/officeDocument/2006/relationships" xmlns:p="http://schemas.openxmlformats.org/presentationml/2006/main">
+  <p:cSld>
+    <p:spTree>
+      <p:nvGrpSpPr>
+        <p:cNvPr id="1" name=""/>
+        <p:cNvGrpSpPr/>
+        <p:nvPr/>
+      </p:nvGrpSpPr>
+      <p:grpSpPr>
+        <a:xfrm>
+          <a:off x="0" y="0"/>
+          <a:ext cx="0" cy="0"/>
+          <a:chOff x="0" y="0"/>
+          <a:chExt cx="0" cy="0"/>
+        </a:xfrm>
+      </p:grpSpPr>
+      <p:sp>
+        <p:nvSpPr>
+          <p:cNvPr id="2" name="Title 1">
+            <a:extLst>
+              <a:ext uri="{FF2B5EF4-FFF2-40B4-BE49-F238E27FC236}">
+                <a16:creationId xmlns:a16="http://schemas.microsoft.com/office/drawing/2014/main" id="{4FE777DF-3E53-42FA-893D-79F9B879D993}"/>
+              </a:ext>
+            </a:extLst>
+          </p:cNvPr>
+          <p:cNvSpPr>
+            <a:spLocks noGrp="1"/>
+          </p:cNvSpPr>
+          <p:nvPr>
+            <p:ph type="title"/>
+          </p:nvPr>
+        </p:nvSpPr>
+        <p:spPr/>
+        <p:txBody>
+          <a:bodyPr/>
+          <a:lstStyle/>
+          <a:p>
+            <a:r>
+              <a:rPr lang="en-IN" dirty="0"/>
+              <a:t>Measure of Variability</a:t>
+            </a:r>
+          </a:p>
+        </p:txBody>
+      </p:sp>
+      <p:sp>
+        <p:nvSpPr>
+          <p:cNvPr id="3" name="Content Placeholder 2">
+            <a:extLst>
+              <a:ext uri="{FF2B5EF4-FFF2-40B4-BE49-F238E27FC236}">
+                <a16:creationId xmlns:a16="http://schemas.microsoft.com/office/drawing/2014/main" id="{8656C2B6-7A77-438F-BCFB-46006D6406E3}"/>
+              </a:ext>
+            </a:extLst>
+          </p:cNvPr>
+          <p:cNvSpPr>
+            <a:spLocks noGrp="1"/>
+          </p:cNvSpPr>
+          <p:nvPr>
+            <p:ph idx="1"/>
+          </p:nvPr>
+        </p:nvSpPr>
+        <p:spPr/>
+        <p:txBody>
+          <a:bodyPr/>
+          <a:lstStyle/>
+          <a:p>
+            <a:r>
+              <a:rPr lang="en-IN" dirty="0"/>
+              <a:t>Variance – The mean squared deviation of all the values from the mean</a:t>
+            </a:r>
+          </a:p>
+          <a:p>
+            <a:r>
+              <a:rPr lang="en-IN" dirty="0"/>
+              <a:t>Standard Deviation – The square root of the variance</a:t>
+            </a:r>
+          </a:p>
+          <a:p>
+            <a:r>
+              <a:rPr lang="en-IN" dirty="0"/>
+              <a:t>Coefficient of Variation – A useful expression in sampling theory for the standard deviation as a percentage of mean</a:t>
+            </a:r>
+          </a:p>
+        </p:txBody>
+      </p:sp>
+      <p:sp>
+        <p:nvSpPr>
+          <p:cNvPr id="5" name="Slide Number Placeholder 4">
+            <a:extLst>
+              <a:ext uri="{FF2B5EF4-FFF2-40B4-BE49-F238E27FC236}">
+                <a16:creationId xmlns:a16="http://schemas.microsoft.com/office/drawing/2014/main" id="{760BC65F-8ACF-4611-ADA4-DEC8EB15654B}"/>
+              </a:ext>
+            </a:extLst>
+          </p:cNvPr>
+          <p:cNvSpPr>
+            <a:spLocks noGrp="1"/>
+          </p:cNvSpPr>
+          <p:nvPr>
+            <p:ph type="sldNum" sz="quarter" idx="12"/>
+          </p:nvPr>
+        </p:nvSpPr>
+        <p:spPr/>
+        <p:txBody>
+          <a:bodyPr/>
+          <a:lstStyle/>
+          <a:p>
+            <a:fld id="{D57F1E4F-1CFF-5643-939E-217C01CDF565}" type="slidenum">
+              <a:rPr lang="en-US" smtClean="0"/>
+              <a:pPr/>
+              <a:t>5</a:t>
+            </a:fld>
+            <a:endParaRPr lang="en-US" dirty="0"/>
+          </a:p>
+        </p:txBody>
+      </p:sp>
+      <p:pic>
+        <p:nvPicPr>
+          <p:cNvPr id="1026" name="Picture 2"/>
+          <p:cNvPicPr>
+            <a:picLocks noChangeAspect="1" noChangeArrowheads="1"/>
+          </p:cNvPicPr>
+          <p:nvPr/>
+        </p:nvPicPr>
+        <p:blipFill>
+          <a:blip r:embed="rId2">
+            <a:extLst>
+              <a:ext uri="{28A0092B-C50C-407E-A947-70E740481C1C}">
+                <a14:useLocalDpi xmlns:a14="http://schemas.microsoft.com/office/drawing/2010/main" val="0"/>
+              </a:ext>
+            </a:extLst>
+          </a:blip>
+          <a:srcRect/>
+          <a:stretch>
+            <a:fillRect/>
+          </a:stretch>
+        </p:blipFill>
+        <p:spPr bwMode="auto">
+          <a:xfrm>
+            <a:off x="2860912" y="3971641"/>
+            <a:ext cx="3276600" cy="2381250"/>
+          </a:xfrm>
+          <a:prstGeom prst="rect">
+            <a:avLst/>
+          </a:prstGeom>
+          <a:noFill/>
+          <a:ln>
+            <a:noFill/>
+          </a:ln>
+          <a:effectLst/>
+          <a:extLst>
+            <a:ext uri="{909E8E84-426E-40DD-AFC4-6F175D3DCCD1}">
+              <a14:hiddenFill xmlns:a14="http://schemas.microsoft.com/office/drawing/2010/main">
+                <a:solidFill>
+                  <a:schemeClr val="accent1"/>
+                </a:solidFill>
+              </a14:hiddenFill>
+            </a:ext>
+            <a:ext uri="{91240B29-F687-4F45-9708-019B960494DF}">
+              <a14:hiddenLine xmlns:a14="http://schemas.microsoft.com/office/drawing/2010/main" w="9525">
+                <a:solidFill>
+                  <a:schemeClr val="tx1"/>
+                </a:solidFill>
+                <a:miter lim="800000"/>
+                <a:headEnd/>
+                <a:tailEnd/>
+              </a14:hiddenLine>
+            </a:ext>
+            <a:ext uri="{AF507438-7753-43E0-B8FC-AC1667EBCBE1}">
+              <a14:hiddenEffects xmlns:a14="http://schemas.microsoft.com/office/drawing/2010/main">
+                <a:effectLst>
+                  <a:outerShdw dist="35921" dir="2700000" algn="ctr" rotWithShape="0">
+                    <a:schemeClr val="bg2"/>
+                  </a:outerShdw>
+                </a:effectLst>
+              </a14:hiddenEffects>
+            </a:ext>
+          </a:extLst>
+        </p:spPr>
+      </p:pic>
+    </p:spTree>
+    <p:extLst>
+      <p:ext uri="{BB962C8B-B14F-4D97-AF65-F5344CB8AC3E}">
+        <p14:creationId xmlns:p14="http://schemas.microsoft.com/office/powerpoint/2010/main" val="2985363383"/>
+      </p:ext>
+    </p:extLst>
+  </p:cSld>
+  <p:clrMapOvr>
+    <a:masterClrMapping/>
+  </p:clrMapOvr>
+</p:sld>
+</file>
+
+<file path=ppt/slides/slide6.xml><?xml version="1.0" encoding="utf-8"?>
+<p:sld xmlns:a="http://schemas.openxmlformats.org/drawingml/2006/main" xmlns:r="http://schemas.openxmlformats.org/officeDocument/2006/relationships" xmlns:p="http://schemas.openxmlformats.org/presentationml/2006/main">
+  <p:cSld>
+    <p:spTree>
+      <p:nvGrpSpPr>
+        <p:cNvPr id="1" name=""/>
+        <p:cNvGrpSpPr/>
+        <p:nvPr/>
+      </p:nvGrpSpPr>
+      <p:grpSpPr>
+        <a:xfrm>
+          <a:off x="0" y="0"/>
+          <a:ext cx="0" cy="0"/>
+          <a:chOff x="0" y="0"/>
+          <a:chExt cx="0" cy="0"/>
+        </a:xfrm>
+      </p:grpSpPr>
+      <p:sp>
+        <p:nvSpPr>
+          <p:cNvPr id="2" name="Title 1">
+            <a:extLst>
+              <a:ext uri="{FF2B5EF4-FFF2-40B4-BE49-F238E27FC236}">
+                <a16:creationId xmlns:a16="http://schemas.microsoft.com/office/drawing/2014/main" id="{2654394B-3F30-4D08-9195-3CEF42C044AA}"/>
+              </a:ext>
+            </a:extLst>
+          </p:cNvPr>
+          <p:cNvSpPr>
+            <a:spLocks noGrp="1"/>
+          </p:cNvSpPr>
+          <p:nvPr>
+            <p:ph type="title"/>
+          </p:nvPr>
+        </p:nvSpPr>
+        <p:spPr/>
+        <p:txBody>
+          <a:bodyPr/>
+          <a:lstStyle/>
+          <a:p>
+            <a:r>
+              <a:rPr lang="en-IN" dirty="0"/>
+              <a:t>Measure of Shape</a:t>
+            </a:r>
+          </a:p>
+        </p:txBody>
+      </p:sp>
+      <p:sp>
+        <p:nvSpPr>
+          <p:cNvPr id="3" name="Content Placeholder 2">
+            <a:extLst>
+              <a:ext uri="{FF2B5EF4-FFF2-40B4-BE49-F238E27FC236}">
+                <a16:creationId xmlns:a16="http://schemas.microsoft.com/office/drawing/2014/main" id="{7445594E-0471-42C6-8BC1-E03141C5F54D}"/>
+              </a:ext>
+            </a:extLst>
+          </p:cNvPr>
+          <p:cNvSpPr>
+            <a:spLocks noGrp="1"/>
+          </p:cNvSpPr>
+          <p:nvPr>
+            <p:ph idx="1"/>
+          </p:nvPr>
+        </p:nvSpPr>
+        <p:spPr/>
+        <p:txBody>
+          <a:bodyPr/>
+          <a:lstStyle/>
+          <a:p>
+            <a:r>
+              <a:rPr lang="en-IN" dirty="0"/>
+              <a:t>Skewness – A characteristic of a distribution that assesses its symmetry about he mean</a:t>
+            </a:r>
+          </a:p>
+          <a:p>
+            <a:r>
+              <a:rPr lang="en-IN" dirty="0"/>
+              <a:t>Kurtosis – A measure of the relative </a:t>
+            </a:r>
+            <a:r>
+              <a:rPr lang="en-IN" dirty="0" err="1"/>
+              <a:t>peakedness</a:t>
+            </a:r>
+            <a:r>
+              <a:rPr lang="en-IN" dirty="0"/>
+              <a:t> or flatness of the curve defined by the frequency distribution.</a:t>
+            </a:r>
+          </a:p>
+          <a:p>
+            <a:endParaRPr lang="en-IN" dirty="0"/>
+          </a:p>
+          <a:p>
+            <a:endParaRPr lang="en-IN" dirty="0"/>
+          </a:p>
+          <a:p>
+            <a:endParaRPr lang="en-IN" dirty="0"/>
+          </a:p>
+        </p:txBody>
+      </p:sp>
+      <p:sp>
+        <p:nvSpPr>
+          <p:cNvPr id="4" name="Title 1">
+            <a:extLst>
+              <a:ext uri="{FF2B5EF4-FFF2-40B4-BE49-F238E27FC236}">
+                <a16:creationId xmlns:a16="http://schemas.microsoft.com/office/drawing/2014/main" id="{AE0C8A0B-912E-4C76-BBA3-CC08C6477117}"/>
               </a:ext>
             </a:extLst>
           </p:cNvPr>
@@ -12380,7 +15389,7 @@
         </p:nvSpPr>
         <p:spPr>
           <a:xfrm>
-            <a:off x="677334" y="3797431"/>
+            <a:off x="603486" y="3797431"/>
             <a:ext cx="8596668" cy="1320800"/>
           </a:xfrm>
           <a:prstGeom prst="rect">
@@ -12464,10 +15473,7 @@
             </a:lvl9pPr>
           </a:lstStyle>
           <a:p>
-            <a:r>
-              <a:rPr lang="en-IN" dirty="0"/>
-              <a:t>Random Variables</a:t>
-            </a:r>
+            <a:endParaRPr lang="en-IN" dirty="0"/>
           </a:p>
         </p:txBody>
       </p:sp>
@@ -12495,12 +15501,42 @@
             <a:fld id="{D57F1E4F-1CFF-5643-939E-217C01CDF565}" type="slidenum">
               <a:rPr lang="en-US" smtClean="0"/>
               <a:pPr/>
-              <a:t>5</a:t>
+              <a:t>6</a:t>
             </a:fld>
             <a:endParaRPr lang="en-US" dirty="0"/>
           </a:p>
         </p:txBody>
       </p:sp>
+      <p:pic>
+        <p:nvPicPr>
+          <p:cNvPr id="6" name="Picture 5"/>
+          <p:cNvPicPr>
+            <a:picLocks noChangeAspect="1"/>
+          </p:cNvPicPr>
+          <p:nvPr/>
+        </p:nvPicPr>
+        <p:blipFill>
+          <a:blip r:embed="rId2">
+            <a:extLst>
+              <a:ext uri="{28A0092B-C50C-407E-A947-70E740481C1C}">
+                <a14:useLocalDpi xmlns:a14="http://schemas.microsoft.com/office/drawing/2010/main" val="0"/>
+              </a:ext>
+            </a:extLst>
+          </a:blip>
+          <a:stretch>
+            <a:fillRect/>
+          </a:stretch>
+        </p:blipFill>
+        <p:spPr>
+          <a:xfrm>
+            <a:off x="1143567" y="3802182"/>
+            <a:ext cx="6836616" cy="2632097"/>
+          </a:xfrm>
+          <a:prstGeom prst="rect">
+            <a:avLst/>
+          </a:prstGeom>
+        </p:spPr>
+      </p:pic>
     </p:spTree>
     <p:extLst>
       <p:ext uri="{BB962C8B-B14F-4D97-AF65-F5344CB8AC3E}">
@@ -12514,7 +15550,7 @@
 </p:sld>
 </file>
 
-<file path=ppt/slides/slide6.xml><?xml version="1.0" encoding="utf-8"?>
+<file path=ppt/slides/slide7.xml><?xml version="1.0" encoding="utf-8"?>
 <p:sld xmlns:a="http://schemas.openxmlformats.org/drawingml/2006/main" xmlns:r="http://schemas.openxmlformats.org/officeDocument/2006/relationships" xmlns:p="http://schemas.openxmlformats.org/presentationml/2006/main">
   <p:cSld>
     <p:spTree>
@@ -12547,280 +15583,60 @@
             <p:ph type="title"/>
           </p:nvPr>
         </p:nvSpPr>
-        <p:spPr/>
-        <p:txBody>
-          <a:bodyPr/>
-          <a:lstStyle/>
-          <a:p>
-            <a:r>
-              <a:rPr lang="en-IN" dirty="0"/>
-              <a:t>Measure of Scale</a:t>
-            </a:r>
-          </a:p>
-        </p:txBody>
-      </p:sp>
-      <p:sp>
-        <p:nvSpPr>
-          <p:cNvPr id="3" name="Content Placeholder 2">
-            <a:extLst>
-              <a:ext uri="{FF2B5EF4-FFF2-40B4-BE49-F238E27FC236}">
-                <a16:creationId xmlns:a16="http://schemas.microsoft.com/office/drawing/2014/main" id="{E6CF9088-8AA6-4C29-B0C7-1AE40FEED8B0}"/>
-              </a:ext>
-            </a:extLst>
-          </p:cNvPr>
-          <p:cNvSpPr>
-            <a:spLocks noGrp="1"/>
-          </p:cNvSpPr>
-          <p:nvPr>
-            <p:ph idx="1"/>
-          </p:nvPr>
-        </p:nvSpPr>
-        <p:spPr/>
-        <p:txBody>
-          <a:bodyPr/>
-          <a:lstStyle/>
-          <a:p>
-            <a:r>
-              <a:rPr lang="en-IN" dirty="0"/>
-              <a:t>Nominal – A scale whose numbers serve only as labels and tags for identifying and classifying objects. When used for identification, there is a strict one-to-one correspondence between the numbers and the objects</a:t>
-            </a:r>
-          </a:p>
-          <a:p>
-            <a:r>
-              <a:rPr lang="en-IN" dirty="0"/>
-              <a:t>Ordinal – A ranking scale in which numbers are assigned to objects to indicate the relative extent to which some characteristics is possessed.  </a:t>
-            </a:r>
-          </a:p>
-          <a:p>
-            <a:r>
-              <a:rPr lang="en-IN" dirty="0"/>
-              <a:t>Interval – A scale in which the numbers are used to rate objects such that numerically equal distances on the scale represent equal distances in the characteristics being measured.</a:t>
-            </a:r>
-          </a:p>
-          <a:p>
-            <a:r>
-              <a:rPr lang="en-IN" dirty="0"/>
-              <a:t>Ratio – It possesses all properties of Nominal, Ordinal and Interval, in addition, an absolute zero point.</a:t>
-            </a:r>
-          </a:p>
-        </p:txBody>
-      </p:sp>
-      <p:sp>
-        <p:nvSpPr>
-          <p:cNvPr id="5" name="Slide Number Placeholder 4">
-            <a:extLst>
-              <a:ext uri="{FF2B5EF4-FFF2-40B4-BE49-F238E27FC236}">
-                <a16:creationId xmlns:a16="http://schemas.microsoft.com/office/drawing/2014/main" id="{99F99A83-84C4-425A-8611-F6BF8EDB3850}"/>
-              </a:ext>
-            </a:extLst>
-          </p:cNvPr>
-          <p:cNvSpPr>
-            <a:spLocks noGrp="1"/>
-          </p:cNvSpPr>
-          <p:nvPr>
-            <p:ph type="sldNum" sz="quarter" idx="12"/>
-          </p:nvPr>
-        </p:nvSpPr>
-        <p:spPr/>
-        <p:txBody>
-          <a:bodyPr/>
-          <a:lstStyle/>
-          <a:p>
-            <a:fld id="{D57F1E4F-1CFF-5643-939E-217C01CDF565}" type="slidenum">
-              <a:rPr lang="en-US" smtClean="0"/>
-              <a:pPr/>
-              <a:t>6</a:t>
-            </a:fld>
-            <a:endParaRPr lang="en-US" dirty="0"/>
-          </a:p>
-        </p:txBody>
-      </p:sp>
-    </p:spTree>
-    <p:extLst>
-      <p:ext uri="{BB962C8B-B14F-4D97-AF65-F5344CB8AC3E}">
-        <p14:creationId xmlns:p14="http://schemas.microsoft.com/office/powerpoint/2010/main" val="828321108"/>
-      </p:ext>
-    </p:extLst>
-  </p:cSld>
-  <p:clrMapOvr>
-    <a:masterClrMapping/>
-  </p:clrMapOvr>
-</p:sld>
-</file>
-
-<file path=ppt/slides/slide7.xml><?xml version="1.0" encoding="utf-8"?>
-<p:sld xmlns:a="http://schemas.openxmlformats.org/drawingml/2006/main" xmlns:r="http://schemas.openxmlformats.org/officeDocument/2006/relationships" xmlns:p="http://schemas.openxmlformats.org/presentationml/2006/main">
-  <p:cSld>
-    <p:bg>
-      <p:bgPr>
-        <a:solidFill>
-          <a:schemeClr val="bg1"/>
-        </a:solidFill>
-        <a:effectLst/>
-      </p:bgPr>
-    </p:bg>
-    <p:spTree>
-      <p:nvGrpSpPr>
-        <p:cNvPr id="1" name=""/>
-        <p:cNvGrpSpPr/>
-        <p:nvPr/>
-      </p:nvGrpSpPr>
-      <p:grpSpPr>
-        <a:xfrm>
-          <a:off x="0" y="0"/>
-          <a:ext cx="0" cy="0"/>
-          <a:chOff x="0" y="0"/>
-          <a:chExt cx="0" cy="0"/>
-        </a:xfrm>
-      </p:grpSpPr>
-      <p:sp>
-        <p:nvSpPr>
-          <p:cNvPr id="2" name="Title 1">
-            <a:extLst>
-              <a:ext uri="{FF2B5EF4-FFF2-40B4-BE49-F238E27FC236}">
-                <a16:creationId xmlns:a16="http://schemas.microsoft.com/office/drawing/2014/main" id="{C7DA9D90-1D65-4956-BEE1-5A26A2BF6F60}"/>
-              </a:ext>
-            </a:extLst>
-          </p:cNvPr>
-          <p:cNvSpPr>
-            <a:spLocks noGrp="1"/>
-          </p:cNvSpPr>
-          <p:nvPr>
-            <p:ph type="title"/>
-          </p:nvPr>
-        </p:nvSpPr>
         <p:spPr>
           <a:xfrm>
             <a:off x="677334" y="609600"/>
-            <a:ext cx="8596668" cy="1320800"/>
+            <a:ext cx="2748253" cy="741528"/>
           </a:xfrm>
         </p:spPr>
         <p:txBody>
-          <a:bodyPr anchor="t">
-            <a:normAutofit/>
+          <a:bodyPr>
+            <a:normAutofit fontScale="90000"/>
           </a:bodyPr>
           <a:lstStyle/>
           <a:p>
             <a:r>
               <a:rPr lang="en-IN" dirty="0"/>
-              <a:t>Normalization/Standardization</a:t>
-            </a:r>
-          </a:p>
-        </p:txBody>
-      </p:sp>
-      <p:sp>
-        <p:nvSpPr>
-          <p:cNvPr id="3" name="Content Placeholder 2">
-            <a:extLst>
-              <a:ext uri="{FF2B5EF4-FFF2-40B4-BE49-F238E27FC236}">
-                <a16:creationId xmlns:a16="http://schemas.microsoft.com/office/drawing/2014/main" id="{1F0377BB-D891-4BD7-AC6F-973E4419F07F}"/>
-              </a:ext>
-            </a:extLst>
-          </p:cNvPr>
-          <p:cNvSpPr>
-            <a:spLocks noGrp="1"/>
-          </p:cNvSpPr>
-          <p:nvPr>
-            <p:ph idx="1"/>
-          </p:nvPr>
-        </p:nvSpPr>
-        <p:spPr>
-          <a:xfrm>
-            <a:off x="677334" y="2160590"/>
-            <a:ext cx="5220430" cy="3701270"/>
-          </a:xfrm>
-        </p:spPr>
-        <p:txBody>
-          <a:bodyPr>
-            <a:normAutofit/>
-          </a:bodyPr>
-          <a:lstStyle/>
-          <a:p>
-            <a:r>
-              <a:rPr lang="en-IN" dirty="0"/>
-              <a:t>Normalization usually means to scale a variable to have a values between 0 and 1</a:t>
-            </a:r>
-          </a:p>
-          <a:p>
-            <a:r>
-              <a:rPr lang="en-IN" dirty="0"/>
-              <a:t>Standardization transforms data to have a mean of zero and a standard deviation of 1. This standardization is called a z-score, and data points can be standardized with the following formula:</a:t>
-            </a:r>
-          </a:p>
-          <a:p>
-            <a:endParaRPr lang="en-IN" dirty="0"/>
-          </a:p>
-          <a:p>
-            <a:endParaRPr lang="en-IN" dirty="0"/>
+              <a:t>Types of Data</a:t>
+            </a:r>
           </a:p>
         </p:txBody>
       </p:sp>
       <p:pic>
         <p:nvPicPr>
-          <p:cNvPr id="5" name="Picture 4" descr="A close up of a clock&#10;&#10;Description generated with high confidence">
-            <a:extLst>
-              <a:ext uri="{FF2B5EF4-FFF2-40B4-BE49-F238E27FC236}">
-                <a16:creationId xmlns:a16="http://schemas.microsoft.com/office/drawing/2014/main" id="{D0368708-23EF-45F0-9F86-3CF9A86789B0}"/>
-              </a:ext>
-            </a:extLst>
-          </p:cNvPr>
+          <p:cNvPr id="4" name="Content Placeholder 3"/>
           <p:cNvPicPr>
-            <a:picLocks noChangeAspect="1"/>
+            <a:picLocks noGrp="1" noChangeAspect="1"/>
           </p:cNvPicPr>
-          <p:nvPr/>
+          <p:nvPr>
+            <p:ph idx="1"/>
+          </p:nvPr>
         </p:nvPicPr>
         <p:blipFill>
-          <a:blip r:embed="rId2"/>
+          <a:blip r:embed="rId2">
+            <a:extLst>
+              <a:ext uri="{28A0092B-C50C-407E-A947-70E740481C1C}">
+                <a14:useLocalDpi xmlns:a14="http://schemas.microsoft.com/office/drawing/2010/main" val="0"/>
+              </a:ext>
+            </a:extLst>
+          </a:blip>
           <a:stretch>
             <a:fillRect/>
           </a:stretch>
         </p:blipFill>
         <p:spPr>
           <a:xfrm>
-            <a:off x="6476215" y="2830298"/>
-            <a:ext cx="2521068" cy="1334105"/>
+            <a:off x="1527695" y="1410550"/>
+            <a:ext cx="7078466" cy="4867420"/>
           </a:xfrm>
-          <a:prstGeom prst="rect">
-            <a:avLst/>
-          </a:prstGeom>
         </p:spPr>
       </p:pic>
-      <p:pic>
-        <p:nvPicPr>
-          <p:cNvPr id="6" name="Picture 5">
+      <p:sp>
+        <p:nvSpPr>
+          <p:cNvPr id="5" name="Slide Number Placeholder 4">
             <a:extLst>
               <a:ext uri="{FF2B5EF4-FFF2-40B4-BE49-F238E27FC236}">
-                <a16:creationId xmlns:a16="http://schemas.microsoft.com/office/drawing/2014/main" id="{A130435E-A9C4-49CB-B85D-9F1AECDDD46E}"/>
-              </a:ext>
-            </a:extLst>
-          </p:cNvPr>
-          <p:cNvPicPr>
-            <a:picLocks noChangeAspect="1"/>
-          </p:cNvPicPr>
-          <p:nvPr/>
-        </p:nvPicPr>
-        <p:blipFill>
-          <a:blip r:embed="rId3"/>
-          <a:stretch>
-            <a:fillRect/>
-          </a:stretch>
-        </p:blipFill>
-        <p:spPr>
-          <a:xfrm>
-            <a:off x="6539335" y="4137026"/>
-            <a:ext cx="3458205" cy="1547337"/>
-          </a:xfrm>
-          <a:prstGeom prst="rect">
-            <a:avLst/>
-          </a:prstGeom>
-        </p:spPr>
-      </p:pic>
-      <p:sp>
-        <p:nvSpPr>
-          <p:cNvPr id="7" name="Slide Number Placeholder 6">
-            <a:extLst>
-              <a:ext uri="{FF2B5EF4-FFF2-40B4-BE49-F238E27FC236}">
-                <a16:creationId xmlns:a16="http://schemas.microsoft.com/office/drawing/2014/main" id="{AAE19CA7-CBC5-4776-86AA-6FDA4737BDEF}"/>
+                <a16:creationId xmlns:a16="http://schemas.microsoft.com/office/drawing/2014/main" id="{99F99A83-84C4-425A-8611-F6BF8EDB3850}"/>
               </a:ext>
             </a:extLst>
           </p:cNvPr>
@@ -12848,7 +15664,7 @@
     </p:spTree>
     <p:extLst>
       <p:ext uri="{BB962C8B-B14F-4D97-AF65-F5344CB8AC3E}">
-        <p14:creationId xmlns:p14="http://schemas.microsoft.com/office/powerpoint/2010/main" val="320266744"/>
+        <p14:creationId xmlns:p14="http://schemas.microsoft.com/office/powerpoint/2010/main" val="828321108"/>
       </p:ext>
     </p:extLst>
   </p:cSld>
@@ -12877,218 +15693,10 @@
       </p:grpSpPr>
       <p:sp>
         <p:nvSpPr>
-          <p:cNvPr id="2" name="Title 1">
+          <p:cNvPr id="5" name="Slide Number Placeholder 4">
             <a:extLst>
               <a:ext uri="{FF2B5EF4-FFF2-40B4-BE49-F238E27FC236}">
-                <a16:creationId xmlns:a16="http://schemas.microsoft.com/office/drawing/2014/main" id="{F8A86C13-F0B2-429F-83AC-03A3B055FDB3}"/>
-              </a:ext>
-            </a:extLst>
-          </p:cNvPr>
-          <p:cNvSpPr>
-            <a:spLocks noGrp="1"/>
-          </p:cNvSpPr>
-          <p:nvPr>
-            <p:ph type="title"/>
-          </p:nvPr>
-        </p:nvSpPr>
-        <p:spPr/>
-        <p:txBody>
-          <a:bodyPr/>
-          <a:lstStyle/>
-          <a:p>
-            <a:r>
-              <a:rPr lang="en-IN" dirty="0"/>
-              <a:t>Central Limit Theorem</a:t>
-            </a:r>
-          </a:p>
-        </p:txBody>
-      </p:sp>
-      <p:sp>
-        <p:nvSpPr>
-          <p:cNvPr id="3" name="Content Placeholder 2">
-            <a:extLst>
-              <a:ext uri="{FF2B5EF4-FFF2-40B4-BE49-F238E27FC236}">
-                <a16:creationId xmlns:a16="http://schemas.microsoft.com/office/drawing/2014/main" id="{300E1B41-9E60-4500-9873-7025C0FDD315}"/>
-              </a:ext>
-            </a:extLst>
-          </p:cNvPr>
-          <p:cNvSpPr>
-            <a:spLocks noGrp="1"/>
-          </p:cNvSpPr>
-          <p:nvPr>
-            <p:ph idx="1"/>
-          </p:nvPr>
-        </p:nvSpPr>
-        <p:spPr/>
-        <p:txBody>
-          <a:bodyPr/>
-          <a:lstStyle/>
-          <a:p>
-            <a:r>
-              <a:rPr lang="en-IN" dirty="0"/>
-              <a:t> The sampling distribution of the sampling means approaches a normal distribution as the sample size gets larger, regardless of the shape of the population distribution.</a:t>
-            </a:r>
-          </a:p>
-          <a:p>
-            <a:endParaRPr lang="en-IN" dirty="0"/>
-          </a:p>
-          <a:p>
-            <a:endParaRPr lang="en-IN" dirty="0"/>
-          </a:p>
-          <a:p>
-            <a:endParaRPr lang="en-IN" dirty="0"/>
-          </a:p>
-          <a:p>
-            <a:r>
-              <a:rPr lang="en-IN" dirty="0"/>
-              <a:t>A Confidence Interval is a range of values we are fairly sure our true value lies in.</a:t>
-            </a:r>
-          </a:p>
-        </p:txBody>
-      </p:sp>
-      <p:sp>
-        <p:nvSpPr>
-          <p:cNvPr id="4" name="Title 1">
-            <a:extLst>
-              <a:ext uri="{FF2B5EF4-FFF2-40B4-BE49-F238E27FC236}">
-                <a16:creationId xmlns:a16="http://schemas.microsoft.com/office/drawing/2014/main" id="{576426AE-E65A-4BB4-BE49-D0B4F76A7D93}"/>
-              </a:ext>
-            </a:extLst>
-          </p:cNvPr>
-          <p:cNvSpPr txBox="1">
-            <a:spLocks/>
-          </p:cNvSpPr>
-          <p:nvPr/>
-        </p:nvSpPr>
-        <p:spPr>
-          <a:xfrm>
-            <a:off x="612917" y="3561759"/>
-            <a:ext cx="8596668" cy="1320800"/>
-          </a:xfrm>
-          <a:prstGeom prst="rect">
-            <a:avLst/>
-          </a:prstGeom>
-        </p:spPr>
-        <p:txBody>
-          <a:bodyPr vert="horz" lIns="91440" tIns="45720" rIns="91440" bIns="45720" rtlCol="0" anchor="t">
-            <a:normAutofit/>
-          </a:bodyPr>
-          <a:lstStyle>
-            <a:lvl1pPr algn="l" defTabSz="457200" rtl="0" eaLnBrk="1" latinLnBrk="0" hangingPunct="1">
-              <a:spcBef>
-                <a:spcPct val="0"/>
-              </a:spcBef>
-              <a:buNone/>
-              <a:defRPr sz="3600" kern="1200">
-                <a:solidFill>
-                  <a:schemeClr val="accent1"/>
-                </a:solidFill>
-                <a:latin typeface="+mj-lt"/>
-                <a:ea typeface="+mj-ea"/>
-                <a:cs typeface="+mj-cs"/>
-              </a:defRPr>
-            </a:lvl1pPr>
-            <a:lvl2pPr eaLnBrk="1" hangingPunct="1">
-              <a:defRPr>
-                <a:solidFill>
-                  <a:schemeClr val="tx2"/>
-                </a:solidFill>
-              </a:defRPr>
-            </a:lvl2pPr>
-            <a:lvl3pPr eaLnBrk="1" hangingPunct="1">
-              <a:defRPr>
-                <a:solidFill>
-                  <a:schemeClr val="tx2"/>
-                </a:solidFill>
-              </a:defRPr>
-            </a:lvl3pPr>
-            <a:lvl4pPr eaLnBrk="1" hangingPunct="1">
-              <a:defRPr>
-                <a:solidFill>
-                  <a:schemeClr val="tx2"/>
-                </a:solidFill>
-              </a:defRPr>
-            </a:lvl4pPr>
-            <a:lvl5pPr eaLnBrk="1" hangingPunct="1">
-              <a:defRPr>
-                <a:solidFill>
-                  <a:schemeClr val="tx2"/>
-                </a:solidFill>
-              </a:defRPr>
-            </a:lvl5pPr>
-            <a:lvl6pPr eaLnBrk="1" hangingPunct="1">
-              <a:defRPr>
-                <a:solidFill>
-                  <a:schemeClr val="tx2"/>
-                </a:solidFill>
-              </a:defRPr>
-            </a:lvl6pPr>
-            <a:lvl7pPr eaLnBrk="1" hangingPunct="1">
-              <a:defRPr>
-                <a:solidFill>
-                  <a:schemeClr val="tx2"/>
-                </a:solidFill>
-              </a:defRPr>
-            </a:lvl7pPr>
-            <a:lvl8pPr eaLnBrk="1" hangingPunct="1">
-              <a:defRPr>
-                <a:solidFill>
-                  <a:schemeClr val="tx2"/>
-                </a:solidFill>
-              </a:defRPr>
-            </a:lvl8pPr>
-            <a:lvl9pPr eaLnBrk="1" hangingPunct="1">
-              <a:defRPr>
-                <a:solidFill>
-                  <a:schemeClr val="tx2"/>
-                </a:solidFill>
-              </a:defRPr>
-            </a:lvl9pPr>
-          </a:lstStyle>
-          <a:p>
-            <a:r>
-              <a:rPr lang="en-IN" dirty="0"/>
-              <a:t>Confidence Interval</a:t>
-            </a:r>
-          </a:p>
-        </p:txBody>
-      </p:sp>
-      <p:pic>
-        <p:nvPicPr>
-          <p:cNvPr id="5" name="Picture 4">
-            <a:extLst>
-              <a:ext uri="{FF2B5EF4-FFF2-40B4-BE49-F238E27FC236}">
-                <a16:creationId xmlns:a16="http://schemas.microsoft.com/office/drawing/2014/main" id="{83EB3994-40ED-4D96-96B2-B4E0A30BD672}"/>
-              </a:ext>
-            </a:extLst>
-          </p:cNvPr>
-          <p:cNvPicPr>
-            <a:picLocks noChangeAspect="1"/>
-          </p:cNvPicPr>
-          <p:nvPr/>
-        </p:nvPicPr>
-        <p:blipFill>
-          <a:blip r:embed="rId2"/>
-          <a:stretch>
-            <a:fillRect/>
-          </a:stretch>
-        </p:blipFill>
-        <p:spPr>
-          <a:xfrm>
-            <a:off x="1433358" y="4961284"/>
-            <a:ext cx="4156737" cy="1659479"/>
-          </a:xfrm>
-          <a:prstGeom prst="rect">
-            <a:avLst/>
-          </a:prstGeom>
-        </p:spPr>
-      </p:pic>
-      <p:sp>
-        <p:nvSpPr>
-          <p:cNvPr id="7" name="Slide Number Placeholder 6">
-            <a:extLst>
-              <a:ext uri="{FF2B5EF4-FFF2-40B4-BE49-F238E27FC236}">
-                <a16:creationId xmlns:a16="http://schemas.microsoft.com/office/drawing/2014/main" id="{BBD614D8-E429-41D3-A811-39363A1D9895}"/>
+                <a16:creationId xmlns:a16="http://schemas.microsoft.com/office/drawing/2014/main" id="{99F99A83-84C4-425A-8611-F6BF8EDB3850}"/>
               </a:ext>
             </a:extLst>
           </p:cNvPr>
@@ -13113,10 +15721,74 @@
           </a:p>
         </p:txBody>
       </p:sp>
+      <p:pic>
+        <p:nvPicPr>
+          <p:cNvPr id="2051" name="Picture 3"/>
+          <p:cNvPicPr>
+            <a:picLocks noChangeAspect="1" noChangeArrowheads="1"/>
+          </p:cNvPicPr>
+          <p:nvPr/>
+        </p:nvPicPr>
+        <p:blipFill>
+          <a:blip r:embed="rId2">
+            <a:extLst>
+              <a:ext uri="{28A0092B-C50C-407E-A947-70E740481C1C}">
+                <a14:useLocalDpi xmlns:a14="http://schemas.microsoft.com/office/drawing/2010/main" val="0"/>
+              </a:ext>
+            </a:extLst>
+          </a:blip>
+          <a:srcRect/>
+          <a:stretch>
+            <a:fillRect/>
+          </a:stretch>
+        </p:blipFill>
+        <p:spPr bwMode="auto">
+          <a:xfrm>
+            <a:off x="1213938" y="1121033"/>
+            <a:ext cx="8357422" cy="4897629"/>
+          </a:xfrm>
+          <a:prstGeom prst="rect">
+            <a:avLst/>
+          </a:prstGeom>
+          <a:noFill/>
+          <a:ln>
+            <a:noFill/>
+          </a:ln>
+          <a:effectLst/>
+          <a:extLst>
+            <a:ext uri="{909E8E84-426E-40DD-AFC4-6F175D3DCCD1}">
+              <a14:hiddenFill xmlns:a14="http://schemas.microsoft.com/office/drawing/2010/main">
+                <a:solidFill>
+                  <a:schemeClr val="accent1"/>
+                </a:solidFill>
+              </a14:hiddenFill>
+            </a:ext>
+            <a:ext uri="{91240B29-F687-4F45-9708-019B960494DF}">
+              <a14:hiddenLine xmlns:a14="http://schemas.microsoft.com/office/drawing/2010/main" w="9525">
+                <a:solidFill>
+                  <a:schemeClr val="tx1"/>
+                </a:solidFill>
+                <a:miter lim="800000"/>
+                <a:headEnd/>
+                <a:tailEnd/>
+              </a14:hiddenLine>
+            </a:ext>
+            <a:ext uri="{AF507438-7753-43E0-B8FC-AC1667EBCBE1}">
+              <a14:hiddenEffects xmlns:a14="http://schemas.microsoft.com/office/drawing/2010/main">
+                <a:effectLst>
+                  <a:outerShdw dist="35921" dir="2700000" algn="ctr" rotWithShape="0">
+                    <a:schemeClr val="bg2"/>
+                  </a:outerShdw>
+                </a:effectLst>
+              </a14:hiddenEffects>
+            </a:ext>
+          </a:extLst>
+        </p:spPr>
+      </p:pic>
     </p:spTree>
     <p:extLst>
       <p:ext uri="{BB962C8B-B14F-4D97-AF65-F5344CB8AC3E}">
-        <p14:creationId xmlns:p14="http://schemas.microsoft.com/office/powerpoint/2010/main" val="1109995556"/>
+        <p14:creationId xmlns:p14="http://schemas.microsoft.com/office/powerpoint/2010/main" val="591087206"/>
       </p:ext>
     </p:extLst>
   </p:cSld>
@@ -13129,6 +15801,14 @@
 <file path=ppt/slides/slide9.xml><?xml version="1.0" encoding="utf-8"?>
 <p:sld xmlns:a="http://schemas.openxmlformats.org/drawingml/2006/main" xmlns:r="http://schemas.openxmlformats.org/officeDocument/2006/relationships" xmlns:p="http://schemas.openxmlformats.org/presentationml/2006/main">
   <p:cSld>
+    <p:bg>
+      <p:bgPr>
+        <a:solidFill>
+          <a:schemeClr val="bg1"/>
+        </a:solidFill>
+        <a:effectLst/>
+      </p:bgPr>
+    </p:bg>
     <p:spTree>
       <p:nvGrpSpPr>
         <p:cNvPr id="1" name=""/>
@@ -13148,7 +15828,7 @@
           <p:cNvPr id="2" name="Title 1">
             <a:extLst>
               <a:ext uri="{FF2B5EF4-FFF2-40B4-BE49-F238E27FC236}">
-                <a16:creationId xmlns:a16="http://schemas.microsoft.com/office/drawing/2014/main" id="{921797F0-8E22-41A2-876D-FAE426E0EEB2}"/>
+                <a16:creationId xmlns:a16="http://schemas.microsoft.com/office/drawing/2014/main" id="{C7DA9D90-1D65-4956-BEE1-5A26A2BF6F60}"/>
               </a:ext>
             </a:extLst>
           </p:cNvPr>
@@ -13159,82 +15839,31 @@
             <p:ph type="title"/>
           </p:nvPr>
         </p:nvSpPr>
-        <p:spPr/>
-        <p:txBody>
-          <a:bodyPr/>
+        <p:spPr>
+          <a:xfrm>
+            <a:off x="677334" y="609600"/>
+            <a:ext cx="8596668" cy="1320800"/>
+          </a:xfrm>
+        </p:spPr>
+        <p:txBody>
+          <a:bodyPr anchor="t">
+            <a:normAutofit/>
+          </a:bodyPr>
           <a:lstStyle/>
           <a:p>
             <a:r>
               <a:rPr lang="en-IN" dirty="0"/>
-              <a:t>Hypothesis</a:t>
-            </a:r>
-          </a:p>
-        </p:txBody>
-      </p:sp>
-      <p:sp>
-        <p:nvSpPr>
-          <p:cNvPr id="3" name="Content Placeholder 2">
+              <a:t>Normal Distribution</a:t>
+            </a:r>
+          </a:p>
+        </p:txBody>
+      </p:sp>
+      <p:sp>
+        <p:nvSpPr>
+          <p:cNvPr id="7" name="Slide Number Placeholder 6">
             <a:extLst>
               <a:ext uri="{FF2B5EF4-FFF2-40B4-BE49-F238E27FC236}">
-                <a16:creationId xmlns:a16="http://schemas.microsoft.com/office/drawing/2014/main" id="{F5B4B7CB-225D-48A6-B109-8C7D0BB379EC}"/>
-              </a:ext>
-            </a:extLst>
-          </p:cNvPr>
-          <p:cNvSpPr>
-            <a:spLocks noGrp="1"/>
-          </p:cNvSpPr>
-          <p:nvPr>
-            <p:ph idx="1"/>
-          </p:nvPr>
-        </p:nvSpPr>
-        <p:spPr/>
-        <p:txBody>
-          <a:bodyPr/>
-          <a:lstStyle/>
-          <a:p>
-            <a:r>
-              <a:rPr lang="en-IN" dirty="0"/>
-              <a:t>It refers to a supposition which is to be accepted or rejected.</a:t>
-            </a:r>
-          </a:p>
-          <a:p>
-            <a:r>
-              <a:rPr lang="en-IN" dirty="0"/>
-              <a:t>There are two hypothesis testing procedures, i.e. parametric test and non-parametric test, </a:t>
-            </a:r>
-          </a:p>
-          <a:p>
-            <a:r>
-              <a:rPr lang="en-IN" dirty="0"/>
-              <a:t>Parametric test is based on the fact that the variables are measured on an interval scale. There can be two types of test (t-test and z-test)</a:t>
-            </a:r>
-          </a:p>
-          <a:p>
-            <a:r>
-              <a:rPr lang="en-IN" dirty="0"/>
-              <a:t>Non-parametric test is based on the fact that the variables are measured on an ordinal scale. </a:t>
-            </a:r>
-          </a:p>
-          <a:p>
-            <a:r>
-              <a:rPr lang="en-IN" dirty="0"/>
-              <a:t>Null Hypothesis</a:t>
-            </a:r>
-          </a:p>
-          <a:p>
-            <a:r>
-              <a:rPr lang="en-IN" dirty="0"/>
-              <a:t>Alternate Hypothesis</a:t>
-            </a:r>
-          </a:p>
-        </p:txBody>
-      </p:sp>
-      <p:sp>
-        <p:nvSpPr>
-          <p:cNvPr id="5" name="Slide Number Placeholder 4">
-            <a:extLst>
-              <a:ext uri="{FF2B5EF4-FFF2-40B4-BE49-F238E27FC236}">
-                <a16:creationId xmlns:a16="http://schemas.microsoft.com/office/drawing/2014/main" id="{FC918BCF-57E6-4BCF-94E4-0E183CBB6AA5}"/>
+                <a16:creationId xmlns:a16="http://schemas.microsoft.com/office/drawing/2014/main" id="{AAE19CA7-CBC5-4776-86AA-6FDA4737BDEF}"/>
               </a:ext>
             </a:extLst>
           </p:cNvPr>
@@ -13259,10 +15888,40 @@
           </a:p>
         </p:txBody>
       </p:sp>
+      <p:pic>
+        <p:nvPicPr>
+          <p:cNvPr id="8" name="Picture 7"/>
+          <p:cNvPicPr>
+            <a:picLocks noChangeAspect="1"/>
+          </p:cNvPicPr>
+          <p:nvPr/>
+        </p:nvPicPr>
+        <p:blipFill>
+          <a:blip r:embed="rId2">
+            <a:extLst>
+              <a:ext uri="{28A0092B-C50C-407E-A947-70E740481C1C}">
+                <a14:useLocalDpi xmlns:a14="http://schemas.microsoft.com/office/drawing/2010/main" val="0"/>
+              </a:ext>
+            </a:extLst>
+          </a:blip>
+          <a:stretch>
+            <a:fillRect/>
+          </a:stretch>
+        </p:blipFill>
+        <p:spPr>
+          <a:xfrm>
+            <a:off x="736979" y="2046027"/>
+            <a:ext cx="7547212" cy="3773606"/>
+          </a:xfrm>
+          <a:prstGeom prst="rect">
+            <a:avLst/>
+          </a:prstGeom>
+        </p:spPr>
+      </p:pic>
     </p:spTree>
     <p:extLst>
       <p:ext uri="{BB962C8B-B14F-4D97-AF65-F5344CB8AC3E}">
-        <p14:creationId xmlns:p14="http://schemas.microsoft.com/office/powerpoint/2010/main" val="1091195330"/>
+        <p14:creationId xmlns:p14="http://schemas.microsoft.com/office/powerpoint/2010/main" val="320266744"/>
       </p:ext>
     </p:extLst>
   </p:cSld>
@@ -13315,7 +15974,7 @@
     </a:clrScheme>
     <a:fontScheme name="Facet">
       <a:majorFont>
-        <a:latin typeface="Trebuchet MS" panose="020B0603020202020204"/>
+        <a:latin typeface="Trebuchet MS"/>
         <a:ea typeface=""/>
         <a:cs typeface=""/>
         <a:font script="Jpan" typeface="メイリオ"/>
@@ -13350,7 +16009,7 @@
         <a:font script="Geor" typeface="Sylfaen"/>
       </a:majorFont>
       <a:minorFont>
-        <a:latin typeface="Trebuchet MS" panose="020B0603020202020204"/>
+        <a:latin typeface="Trebuchet MS"/>
         <a:ea typeface=""/>
         <a:cs typeface=""/>
         <a:font script="Jpan" typeface="メイリオ"/>
@@ -13572,7 +16231,7 @@
     </a:clrScheme>
     <a:fontScheme name="Office">
       <a:majorFont>
-        <a:latin typeface="Calibri Light" panose="020F0302020204030204"/>
+        <a:latin typeface="Calibri Light"/>
         <a:ea typeface=""/>
         <a:cs typeface=""/>
         <a:font script="Jpan" typeface="游ゴシック Light"/>
@@ -13624,7 +16283,7 @@
         <a:font script="Tfng" typeface="Ebrima"/>
       </a:majorFont>
       <a:minorFont>
-        <a:latin typeface="Calibri" panose="020F0502020204030204"/>
+        <a:latin typeface="Calibri"/>
         <a:ea typeface=""/>
         <a:cs typeface=""/>
         <a:font script="Jpan" typeface="游ゴシック"/>
@@ -13867,7 +16526,7 @@
     </a:clrScheme>
     <a:fontScheme name="Office">
       <a:majorFont>
-        <a:latin typeface="Calibri Light" panose="020F0302020204030204"/>
+        <a:latin typeface="Calibri Light"/>
         <a:ea typeface=""/>
         <a:cs typeface=""/>
         <a:font script="Jpan" typeface="游ゴシック Light"/>
@@ -13919,7 +16578,7 @@
         <a:font script="Tfng" typeface="Ebrima"/>
       </a:majorFont>
       <a:minorFont>
-        <a:latin typeface="Calibri" panose="020F0502020204030204"/>
+        <a:latin typeface="Calibri"/>
         <a:ea typeface=""/>
         <a:cs typeface=""/>
         <a:font script="Jpan" typeface="游ゴシック"/>
@@ -14162,7 +16821,7 @@
     </a:clrScheme>
     <a:fontScheme name="Office">
       <a:majorFont>
-        <a:latin typeface="Calibri Light" panose="020F0302020204030204"/>
+        <a:latin typeface="Calibri Light"/>
         <a:ea typeface=""/>
         <a:cs typeface=""/>
         <a:font script="Jpan" typeface="游ゴシック Light"/>
@@ -14214,7 +16873,7 @@
         <a:font script="Tfng" typeface="Ebrima"/>
       </a:majorFont>
       <a:minorFont>
-        <a:latin typeface="Calibri" panose="020F0502020204030204"/>
+        <a:latin typeface="Calibri"/>
         <a:ea typeface=""/>
         <a:cs typeface=""/>
         <a:font script="Jpan" typeface="游ゴシック"/>
